--- a/Homework/Final Project/GEO597_TermProject_Shuler.pptx
+++ b/Homework/Final Project/GEO597_TermProject_Shuler.pptx
@@ -4,24 +4,28 @@
   <p:sldMasterIdLst>
     <p:sldMasterId id="2147483648" r:id="rId1"/>
   </p:sldMasterIdLst>
+  <p:notesMasterIdLst>
+    <p:notesMasterId r:id="rId20"/>
+  </p:notesMasterIdLst>
   <p:sldIdLst>
     <p:sldId id="256" r:id="rId2"/>
     <p:sldId id="257" r:id="rId3"/>
-    <p:sldId id="258" r:id="rId4"/>
+    <p:sldId id="274" r:id="rId4"/>
     <p:sldId id="259" r:id="rId5"/>
     <p:sldId id="260" r:id="rId6"/>
-    <p:sldId id="261" r:id="rId7"/>
-    <p:sldId id="262" r:id="rId8"/>
-    <p:sldId id="263" r:id="rId9"/>
-    <p:sldId id="264" r:id="rId10"/>
-    <p:sldId id="265" r:id="rId11"/>
-    <p:sldId id="266" r:id="rId12"/>
-    <p:sldId id="267" r:id="rId13"/>
-    <p:sldId id="268" r:id="rId14"/>
-    <p:sldId id="269" r:id="rId15"/>
-    <p:sldId id="270" r:id="rId16"/>
+    <p:sldId id="273" r:id="rId7"/>
+    <p:sldId id="270" r:id="rId8"/>
+    <p:sldId id="276" r:id="rId9"/>
+    <p:sldId id="262" r:id="rId10"/>
+    <p:sldId id="263" r:id="rId11"/>
+    <p:sldId id="261" r:id="rId12"/>
+    <p:sldId id="277" r:id="rId13"/>
+    <p:sldId id="265" r:id="rId14"/>
+    <p:sldId id="266" r:id="rId15"/>
+    <p:sldId id="267" r:id="rId16"/>
     <p:sldId id="271" r:id="rId17"/>
     <p:sldId id="272" r:id="rId18"/>
+    <p:sldId id="275" r:id="rId19"/>
   </p:sldIdLst>
   <p:sldSz cx="12192000" cy="6858000"/>
   <p:notesSz cx="6858000" cy="9144000"/>
@@ -120,7 +124,958 @@
       </a:defRPr>
     </a:lvl9pPr>
   </p:defaultTextStyle>
+  <p:extLst>
+    <p:ext uri="{EFAFB233-063F-42B5-8137-9DF3F51BA10A}">
+      <p15:sldGuideLst xmlns:p15="http://schemas.microsoft.com/office/powerpoint/2012/main"/>
+    </p:ext>
+  </p:extLst>
 </p:presentation>
+</file>
+
+<file path=ppt/commentAuthors.xml><?xml version="1.0" encoding="utf-8"?>
+<p:cmAuthorLst xmlns:a="http://schemas.openxmlformats.org/drawingml/2006/main" xmlns:r="http://schemas.openxmlformats.org/officeDocument/2006/relationships" xmlns:p="http://schemas.openxmlformats.org/presentationml/2006/main">
+  <p:cmAuthor id="1" name="John Shuler" initials="JS" lastIdx="2" clrIdx="0">
+    <p:extLst>
+      <p:ext uri="{19B8F6BF-5375-455C-9EA6-DF929625EA0E}">
+        <p15:presenceInfo xmlns:p15="http://schemas.microsoft.com/office/powerpoint/2012/main" userId="31412953ed3563b2" providerId="Windows Live"/>
+      </p:ext>
+    </p:extLst>
+  </p:cmAuthor>
+</p:cmAuthorLst>
+</file>
+
+<file path=ppt/notesMasters/notesMaster1.xml><?xml version="1.0" encoding="utf-8"?>
+<p:notesMaster xmlns:a="http://schemas.openxmlformats.org/drawingml/2006/main" xmlns:r="http://schemas.openxmlformats.org/officeDocument/2006/relationships" xmlns:p="http://schemas.openxmlformats.org/presentationml/2006/main">
+  <p:cSld>
+    <p:bg>
+      <p:bgRef idx="1001">
+        <a:schemeClr val="bg1"/>
+      </p:bgRef>
+    </p:bg>
+    <p:spTree>
+      <p:nvGrpSpPr>
+        <p:cNvPr id="1" name=""/>
+        <p:cNvGrpSpPr/>
+        <p:nvPr/>
+      </p:nvGrpSpPr>
+      <p:grpSpPr>
+        <a:xfrm>
+          <a:off x="0" y="0"/>
+          <a:ext cx="0" cy="0"/>
+          <a:chOff x="0" y="0"/>
+          <a:chExt cx="0" cy="0"/>
+        </a:xfrm>
+      </p:grpSpPr>
+      <p:sp>
+        <p:nvSpPr>
+          <p:cNvPr id="2" name="Header Placeholder 1"/>
+          <p:cNvSpPr>
+            <a:spLocks noGrp="1"/>
+          </p:cNvSpPr>
+          <p:nvPr>
+            <p:ph type="hdr" sz="quarter"/>
+          </p:nvPr>
+        </p:nvSpPr>
+        <p:spPr>
+          <a:xfrm>
+            <a:off x="0" y="0"/>
+            <a:ext cx="2971800" cy="458788"/>
+          </a:xfrm>
+          <a:prstGeom prst="rect">
+            <a:avLst/>
+          </a:prstGeom>
+        </p:spPr>
+        <p:txBody>
+          <a:bodyPr vert="horz" lIns="91440" tIns="45720" rIns="91440" bIns="45720" rtlCol="0"/>
+          <a:lstStyle>
+            <a:lvl1pPr algn="l">
+              <a:defRPr sz="1200"/>
+            </a:lvl1pPr>
+          </a:lstStyle>
+          <a:p>
+            <a:endParaRPr lang="en-US"/>
+          </a:p>
+        </p:txBody>
+      </p:sp>
+      <p:sp>
+        <p:nvSpPr>
+          <p:cNvPr id="3" name="Date Placeholder 2"/>
+          <p:cNvSpPr>
+            <a:spLocks noGrp="1"/>
+          </p:cNvSpPr>
+          <p:nvPr>
+            <p:ph type="dt" idx="1"/>
+          </p:nvPr>
+        </p:nvSpPr>
+        <p:spPr>
+          <a:xfrm>
+            <a:off x="3884613" y="0"/>
+            <a:ext cx="2971800" cy="458788"/>
+          </a:xfrm>
+          <a:prstGeom prst="rect">
+            <a:avLst/>
+          </a:prstGeom>
+        </p:spPr>
+        <p:txBody>
+          <a:bodyPr vert="horz" lIns="91440" tIns="45720" rIns="91440" bIns="45720" rtlCol="0"/>
+          <a:lstStyle>
+            <a:lvl1pPr algn="r">
+              <a:defRPr sz="1200"/>
+            </a:lvl1pPr>
+          </a:lstStyle>
+          <a:p>
+            <a:fld id="{FFBCAA3C-4589-42F6-819C-EA3D9ABC7358}" type="datetimeFigureOut">
+              <a:rPr lang="en-US" smtClean="0"/>
+              <a:t>12/4/2016</a:t>
+            </a:fld>
+            <a:endParaRPr lang="en-US"/>
+          </a:p>
+        </p:txBody>
+      </p:sp>
+      <p:sp>
+        <p:nvSpPr>
+          <p:cNvPr id="4" name="Slide Image Placeholder 3"/>
+          <p:cNvSpPr>
+            <a:spLocks noGrp="1" noRot="1" noChangeAspect="1"/>
+          </p:cNvSpPr>
+          <p:nvPr>
+            <p:ph type="sldImg" idx="2"/>
+          </p:nvPr>
+        </p:nvSpPr>
+        <p:spPr>
+          <a:xfrm>
+            <a:off x="685800" y="1143000"/>
+            <a:ext cx="5486400" cy="3086100"/>
+          </a:xfrm>
+          <a:prstGeom prst="rect">
+            <a:avLst/>
+          </a:prstGeom>
+          <a:noFill/>
+          <a:ln w="12700">
+            <a:solidFill>
+              <a:prstClr val="black"/>
+            </a:solidFill>
+          </a:ln>
+        </p:spPr>
+        <p:txBody>
+          <a:bodyPr vert="horz" lIns="91440" tIns="45720" rIns="91440" bIns="45720" rtlCol="0" anchor="ctr"/>
+          <a:lstStyle/>
+          <a:p>
+            <a:endParaRPr lang="en-US"/>
+          </a:p>
+        </p:txBody>
+      </p:sp>
+      <p:sp>
+        <p:nvSpPr>
+          <p:cNvPr id="5" name="Notes Placeholder 4"/>
+          <p:cNvSpPr>
+            <a:spLocks noGrp="1"/>
+          </p:cNvSpPr>
+          <p:nvPr>
+            <p:ph type="body" sz="quarter" idx="3"/>
+          </p:nvPr>
+        </p:nvSpPr>
+        <p:spPr>
+          <a:xfrm>
+            <a:off x="685800" y="4400550"/>
+            <a:ext cx="5486400" cy="3600450"/>
+          </a:xfrm>
+          <a:prstGeom prst="rect">
+            <a:avLst/>
+          </a:prstGeom>
+        </p:spPr>
+        <p:txBody>
+          <a:bodyPr vert="horz" lIns="91440" tIns="45720" rIns="91440" bIns="45720" rtlCol="0"/>
+          <a:lstStyle/>
+          <a:p>
+            <a:pPr lvl="0"/>
+            <a:r>
+              <a:rPr lang="en-US" smtClean="0"/>
+              <a:t>Click to edit Master text styles</a:t>
+            </a:r>
+          </a:p>
+          <a:p>
+            <a:pPr lvl="1"/>
+            <a:r>
+              <a:rPr lang="en-US" smtClean="0"/>
+              <a:t>Second level</a:t>
+            </a:r>
+          </a:p>
+          <a:p>
+            <a:pPr lvl="2"/>
+            <a:r>
+              <a:rPr lang="en-US" smtClean="0"/>
+              <a:t>Third level</a:t>
+            </a:r>
+          </a:p>
+          <a:p>
+            <a:pPr lvl="3"/>
+            <a:r>
+              <a:rPr lang="en-US" smtClean="0"/>
+              <a:t>Fourth level</a:t>
+            </a:r>
+          </a:p>
+          <a:p>
+            <a:pPr lvl="4"/>
+            <a:r>
+              <a:rPr lang="en-US" smtClean="0"/>
+              <a:t>Fifth level</a:t>
+            </a:r>
+            <a:endParaRPr lang="en-US"/>
+          </a:p>
+        </p:txBody>
+      </p:sp>
+      <p:sp>
+        <p:nvSpPr>
+          <p:cNvPr id="6" name="Footer Placeholder 5"/>
+          <p:cNvSpPr>
+            <a:spLocks noGrp="1"/>
+          </p:cNvSpPr>
+          <p:nvPr>
+            <p:ph type="ftr" sz="quarter" idx="4"/>
+          </p:nvPr>
+        </p:nvSpPr>
+        <p:spPr>
+          <a:xfrm>
+            <a:off x="0" y="8685213"/>
+            <a:ext cx="2971800" cy="458787"/>
+          </a:xfrm>
+          <a:prstGeom prst="rect">
+            <a:avLst/>
+          </a:prstGeom>
+        </p:spPr>
+        <p:txBody>
+          <a:bodyPr vert="horz" lIns="91440" tIns="45720" rIns="91440" bIns="45720" rtlCol="0" anchor="b"/>
+          <a:lstStyle>
+            <a:lvl1pPr algn="l">
+              <a:defRPr sz="1200"/>
+            </a:lvl1pPr>
+          </a:lstStyle>
+          <a:p>
+            <a:endParaRPr lang="en-US"/>
+          </a:p>
+        </p:txBody>
+      </p:sp>
+      <p:sp>
+        <p:nvSpPr>
+          <p:cNvPr id="7" name="Slide Number Placeholder 6"/>
+          <p:cNvSpPr>
+            <a:spLocks noGrp="1"/>
+          </p:cNvSpPr>
+          <p:nvPr>
+            <p:ph type="sldNum" sz="quarter" idx="5"/>
+          </p:nvPr>
+        </p:nvSpPr>
+        <p:spPr>
+          <a:xfrm>
+            <a:off x="3884613" y="8685213"/>
+            <a:ext cx="2971800" cy="458787"/>
+          </a:xfrm>
+          <a:prstGeom prst="rect">
+            <a:avLst/>
+          </a:prstGeom>
+        </p:spPr>
+        <p:txBody>
+          <a:bodyPr vert="horz" lIns="91440" tIns="45720" rIns="91440" bIns="45720" rtlCol="0" anchor="b"/>
+          <a:lstStyle>
+            <a:lvl1pPr algn="r">
+              <a:defRPr sz="1200"/>
+            </a:lvl1pPr>
+          </a:lstStyle>
+          <a:p>
+            <a:fld id="{5FC6CE3E-41DB-47AE-8628-9D2E5C049DC2}" type="slidenum">
+              <a:rPr lang="en-US" smtClean="0"/>
+              <a:t>‹#›</a:t>
+            </a:fld>
+            <a:endParaRPr lang="en-US"/>
+          </a:p>
+        </p:txBody>
+      </p:sp>
+    </p:spTree>
+    <p:extLst>
+      <p:ext uri="{BB962C8B-B14F-4D97-AF65-F5344CB8AC3E}">
+        <p14:creationId xmlns:p14="http://schemas.microsoft.com/office/powerpoint/2010/main" val="1553399141"/>
+      </p:ext>
+    </p:extLst>
+  </p:cSld>
+  <p:clrMap bg1="lt1" tx1="dk1" bg2="lt2" tx2="dk2" accent1="accent1" accent2="accent2" accent3="accent3" accent4="accent4" accent5="accent5" accent6="accent6" hlink="hlink" folHlink="folHlink"/>
+  <p:notesStyle>
+    <a:lvl1pPr marL="0" algn="l" defTabSz="914400" rtl="0" eaLnBrk="1" latinLnBrk="0" hangingPunct="1">
+      <a:defRPr sz="1200" kern="1200">
+        <a:solidFill>
+          <a:schemeClr val="tx1"/>
+        </a:solidFill>
+        <a:latin typeface="+mn-lt"/>
+        <a:ea typeface="+mn-ea"/>
+        <a:cs typeface="+mn-cs"/>
+      </a:defRPr>
+    </a:lvl1pPr>
+    <a:lvl2pPr marL="457200" algn="l" defTabSz="914400" rtl="0" eaLnBrk="1" latinLnBrk="0" hangingPunct="1">
+      <a:defRPr sz="1200" kern="1200">
+        <a:solidFill>
+          <a:schemeClr val="tx1"/>
+        </a:solidFill>
+        <a:latin typeface="+mn-lt"/>
+        <a:ea typeface="+mn-ea"/>
+        <a:cs typeface="+mn-cs"/>
+      </a:defRPr>
+    </a:lvl2pPr>
+    <a:lvl3pPr marL="914400" algn="l" defTabSz="914400" rtl="0" eaLnBrk="1" latinLnBrk="0" hangingPunct="1">
+      <a:defRPr sz="1200" kern="1200">
+        <a:solidFill>
+          <a:schemeClr val="tx1"/>
+        </a:solidFill>
+        <a:latin typeface="+mn-lt"/>
+        <a:ea typeface="+mn-ea"/>
+        <a:cs typeface="+mn-cs"/>
+      </a:defRPr>
+    </a:lvl3pPr>
+    <a:lvl4pPr marL="1371600" algn="l" defTabSz="914400" rtl="0" eaLnBrk="1" latinLnBrk="0" hangingPunct="1">
+      <a:defRPr sz="1200" kern="1200">
+        <a:solidFill>
+          <a:schemeClr val="tx1"/>
+        </a:solidFill>
+        <a:latin typeface="+mn-lt"/>
+        <a:ea typeface="+mn-ea"/>
+        <a:cs typeface="+mn-cs"/>
+      </a:defRPr>
+    </a:lvl4pPr>
+    <a:lvl5pPr marL="1828800" algn="l" defTabSz="914400" rtl="0" eaLnBrk="1" latinLnBrk="0" hangingPunct="1">
+      <a:defRPr sz="1200" kern="1200">
+        <a:solidFill>
+          <a:schemeClr val="tx1"/>
+        </a:solidFill>
+        <a:latin typeface="+mn-lt"/>
+        <a:ea typeface="+mn-ea"/>
+        <a:cs typeface="+mn-cs"/>
+      </a:defRPr>
+    </a:lvl5pPr>
+    <a:lvl6pPr marL="2286000" algn="l" defTabSz="914400" rtl="0" eaLnBrk="1" latinLnBrk="0" hangingPunct="1">
+      <a:defRPr sz="1200" kern="1200">
+        <a:solidFill>
+          <a:schemeClr val="tx1"/>
+        </a:solidFill>
+        <a:latin typeface="+mn-lt"/>
+        <a:ea typeface="+mn-ea"/>
+        <a:cs typeface="+mn-cs"/>
+      </a:defRPr>
+    </a:lvl6pPr>
+    <a:lvl7pPr marL="2743200" algn="l" defTabSz="914400" rtl="0" eaLnBrk="1" latinLnBrk="0" hangingPunct="1">
+      <a:defRPr sz="1200" kern="1200">
+        <a:solidFill>
+          <a:schemeClr val="tx1"/>
+        </a:solidFill>
+        <a:latin typeface="+mn-lt"/>
+        <a:ea typeface="+mn-ea"/>
+        <a:cs typeface="+mn-cs"/>
+      </a:defRPr>
+    </a:lvl7pPr>
+    <a:lvl8pPr marL="3200400" algn="l" defTabSz="914400" rtl="0" eaLnBrk="1" latinLnBrk="0" hangingPunct="1">
+      <a:defRPr sz="1200" kern="1200">
+        <a:solidFill>
+          <a:schemeClr val="tx1"/>
+        </a:solidFill>
+        <a:latin typeface="+mn-lt"/>
+        <a:ea typeface="+mn-ea"/>
+        <a:cs typeface="+mn-cs"/>
+      </a:defRPr>
+    </a:lvl8pPr>
+    <a:lvl9pPr marL="3657600" algn="l" defTabSz="914400" rtl="0" eaLnBrk="1" latinLnBrk="0" hangingPunct="1">
+      <a:defRPr sz="1200" kern="1200">
+        <a:solidFill>
+          <a:schemeClr val="tx1"/>
+        </a:solidFill>
+        <a:latin typeface="+mn-lt"/>
+        <a:ea typeface="+mn-ea"/>
+        <a:cs typeface="+mn-cs"/>
+      </a:defRPr>
+    </a:lvl9pPr>
+  </p:notesStyle>
+</p:notesMaster>
+</file>
+
+<file path=ppt/notesSlides/notesSlide1.xml><?xml version="1.0" encoding="utf-8"?>
+<p:notes xmlns:a="http://schemas.openxmlformats.org/drawingml/2006/main" xmlns:r="http://schemas.openxmlformats.org/officeDocument/2006/relationships" xmlns:p="http://schemas.openxmlformats.org/presentationml/2006/main">
+  <p:cSld>
+    <p:spTree>
+      <p:nvGrpSpPr>
+        <p:cNvPr id="1" name=""/>
+        <p:cNvGrpSpPr/>
+        <p:nvPr/>
+      </p:nvGrpSpPr>
+      <p:grpSpPr>
+        <a:xfrm>
+          <a:off x="0" y="0"/>
+          <a:ext cx="0" cy="0"/>
+          <a:chOff x="0" y="0"/>
+          <a:chExt cx="0" cy="0"/>
+        </a:xfrm>
+      </p:grpSpPr>
+      <p:sp>
+        <p:nvSpPr>
+          <p:cNvPr id="2" name="Slide Image Placeholder 1"/>
+          <p:cNvSpPr>
+            <a:spLocks noGrp="1" noRot="1" noChangeAspect="1"/>
+          </p:cNvSpPr>
+          <p:nvPr>
+            <p:ph type="sldImg"/>
+          </p:nvPr>
+        </p:nvSpPr>
+        <p:spPr/>
+      </p:sp>
+      <p:sp>
+        <p:nvSpPr>
+          <p:cNvPr id="3" name="Notes Placeholder 2"/>
+          <p:cNvSpPr>
+            <a:spLocks noGrp="1"/>
+          </p:cNvSpPr>
+          <p:nvPr>
+            <p:ph type="body" idx="1"/>
+          </p:nvPr>
+        </p:nvSpPr>
+        <p:spPr/>
+        <p:txBody>
+          <a:bodyPr/>
+          <a:lstStyle/>
+          <a:p>
+            <a:r>
+              <a:rPr lang="en-US" dirty="0" smtClean="0"/>
+              <a:t>Precipitation falls on the landscape</a:t>
+            </a:r>
+            <a:r>
+              <a:rPr lang="en-US" baseline="0" dirty="0" smtClean="0"/>
+              <a:t> and is partitioned into various fluxes</a:t>
+            </a:r>
+          </a:p>
+          <a:p>
+            <a:r>
+              <a:rPr lang="en-US" baseline="0" dirty="0" smtClean="0"/>
+              <a:t>Soil plays crucial role in nature of these fluxes</a:t>
+            </a:r>
+            <a:endParaRPr lang="en-US" dirty="0"/>
+          </a:p>
+        </p:txBody>
+      </p:sp>
+      <p:sp>
+        <p:nvSpPr>
+          <p:cNvPr id="4" name="Slide Number Placeholder 3"/>
+          <p:cNvSpPr>
+            <a:spLocks noGrp="1"/>
+          </p:cNvSpPr>
+          <p:nvPr>
+            <p:ph type="sldNum" sz="quarter" idx="10"/>
+          </p:nvPr>
+        </p:nvSpPr>
+        <p:spPr/>
+        <p:txBody>
+          <a:bodyPr/>
+          <a:lstStyle/>
+          <a:p>
+            <a:fld id="{5FC6CE3E-41DB-47AE-8628-9D2E5C049DC2}" type="slidenum">
+              <a:rPr lang="en-US" smtClean="0"/>
+              <a:t>2</a:t>
+            </a:fld>
+            <a:endParaRPr lang="en-US"/>
+          </a:p>
+        </p:txBody>
+      </p:sp>
+    </p:spTree>
+    <p:extLst>
+      <p:ext uri="{BB962C8B-B14F-4D97-AF65-F5344CB8AC3E}">
+        <p14:creationId xmlns:p14="http://schemas.microsoft.com/office/powerpoint/2010/main" val="131061630"/>
+      </p:ext>
+    </p:extLst>
+  </p:cSld>
+  <p:clrMapOvr>
+    <a:masterClrMapping/>
+  </p:clrMapOvr>
+</p:notes>
+</file>
+
+<file path=ppt/notesSlides/notesSlide2.xml><?xml version="1.0" encoding="utf-8"?>
+<p:notes xmlns:a="http://schemas.openxmlformats.org/drawingml/2006/main" xmlns:r="http://schemas.openxmlformats.org/officeDocument/2006/relationships" xmlns:p="http://schemas.openxmlformats.org/presentationml/2006/main">
+  <p:cSld>
+    <p:spTree>
+      <p:nvGrpSpPr>
+        <p:cNvPr id="1" name=""/>
+        <p:cNvGrpSpPr/>
+        <p:nvPr/>
+      </p:nvGrpSpPr>
+      <p:grpSpPr>
+        <a:xfrm>
+          <a:off x="0" y="0"/>
+          <a:ext cx="0" cy="0"/>
+          <a:chOff x="0" y="0"/>
+          <a:chExt cx="0" cy="0"/>
+        </a:xfrm>
+      </p:grpSpPr>
+      <p:sp>
+        <p:nvSpPr>
+          <p:cNvPr id="2" name="Slide Image Placeholder 1"/>
+          <p:cNvSpPr>
+            <a:spLocks noGrp="1" noRot="1" noChangeAspect="1"/>
+          </p:cNvSpPr>
+          <p:nvPr>
+            <p:ph type="sldImg"/>
+          </p:nvPr>
+        </p:nvSpPr>
+        <p:spPr/>
+      </p:sp>
+      <p:sp>
+        <p:nvSpPr>
+          <p:cNvPr id="3" name="Notes Placeholder 2"/>
+          <p:cNvSpPr>
+            <a:spLocks noGrp="1"/>
+          </p:cNvSpPr>
+          <p:nvPr>
+            <p:ph type="body" idx="1"/>
+          </p:nvPr>
+        </p:nvSpPr>
+        <p:spPr/>
+        <p:txBody>
+          <a:bodyPr/>
+          <a:lstStyle/>
+          <a:p>
+            <a:pPr marL="171450" indent="-171450">
+              <a:buFontTx/>
+              <a:buChar char="-"/>
+            </a:pPr>
+            <a:r>
+              <a:rPr lang="en-US" dirty="0" smtClean="0"/>
+              <a:t>Usually derived in a lab setting; usually some hysteresis</a:t>
+            </a:r>
+          </a:p>
+          <a:p>
+            <a:pPr marL="171450" indent="-171450">
+              <a:buFontTx/>
+              <a:buChar char="-"/>
+            </a:pPr>
+            <a:r>
+              <a:rPr lang="en-US" dirty="0" smtClean="0"/>
+              <a:t>Units of each</a:t>
+            </a:r>
+          </a:p>
+          <a:p>
+            <a:pPr marL="171450" indent="-171450">
+              <a:buFontTx/>
+              <a:buChar char="-"/>
+            </a:pPr>
+            <a:r>
+              <a:rPr lang="en-US" dirty="0" smtClean="0"/>
+              <a:t>Briefly define</a:t>
+            </a:r>
+            <a:r>
+              <a:rPr lang="en-US" baseline="0" dirty="0" smtClean="0"/>
+              <a:t> field capacity and wilting point</a:t>
+            </a:r>
+            <a:endParaRPr lang="en-US" dirty="0"/>
+          </a:p>
+        </p:txBody>
+      </p:sp>
+      <p:sp>
+        <p:nvSpPr>
+          <p:cNvPr id="4" name="Slide Number Placeholder 3"/>
+          <p:cNvSpPr>
+            <a:spLocks noGrp="1"/>
+          </p:cNvSpPr>
+          <p:nvPr>
+            <p:ph type="sldNum" sz="quarter" idx="10"/>
+          </p:nvPr>
+        </p:nvSpPr>
+        <p:spPr/>
+        <p:txBody>
+          <a:bodyPr/>
+          <a:lstStyle/>
+          <a:p>
+            <a:fld id="{5FC6CE3E-41DB-47AE-8628-9D2E5C049DC2}" type="slidenum">
+              <a:rPr lang="en-US" smtClean="0"/>
+              <a:t>3</a:t>
+            </a:fld>
+            <a:endParaRPr lang="en-US"/>
+          </a:p>
+        </p:txBody>
+      </p:sp>
+    </p:spTree>
+    <p:extLst>
+      <p:ext uri="{BB962C8B-B14F-4D97-AF65-F5344CB8AC3E}">
+        <p14:creationId xmlns:p14="http://schemas.microsoft.com/office/powerpoint/2010/main" val="3158821530"/>
+      </p:ext>
+    </p:extLst>
+  </p:cSld>
+  <p:clrMapOvr>
+    <a:masterClrMapping/>
+  </p:clrMapOvr>
+</p:notes>
+</file>
+
+<file path=ppt/notesSlides/notesSlide3.xml><?xml version="1.0" encoding="utf-8"?>
+<p:notes xmlns:a="http://schemas.openxmlformats.org/drawingml/2006/main" xmlns:r="http://schemas.openxmlformats.org/officeDocument/2006/relationships" xmlns:p="http://schemas.openxmlformats.org/presentationml/2006/main">
+  <p:cSld>
+    <p:spTree>
+      <p:nvGrpSpPr>
+        <p:cNvPr id="1" name=""/>
+        <p:cNvGrpSpPr/>
+        <p:nvPr/>
+      </p:nvGrpSpPr>
+      <p:grpSpPr>
+        <a:xfrm>
+          <a:off x="0" y="0"/>
+          <a:ext cx="0" cy="0"/>
+          <a:chOff x="0" y="0"/>
+          <a:chExt cx="0" cy="0"/>
+        </a:xfrm>
+      </p:grpSpPr>
+      <p:sp>
+        <p:nvSpPr>
+          <p:cNvPr id="2" name="Slide Image Placeholder 1"/>
+          <p:cNvSpPr>
+            <a:spLocks noGrp="1" noRot="1" noChangeAspect="1"/>
+          </p:cNvSpPr>
+          <p:nvPr>
+            <p:ph type="sldImg"/>
+          </p:nvPr>
+        </p:nvSpPr>
+        <p:spPr/>
+      </p:sp>
+      <p:sp>
+        <p:nvSpPr>
+          <p:cNvPr id="3" name="Notes Placeholder 2"/>
+          <p:cNvSpPr>
+            <a:spLocks noGrp="1"/>
+          </p:cNvSpPr>
+          <p:nvPr>
+            <p:ph type="body" idx="1"/>
+          </p:nvPr>
+        </p:nvSpPr>
+        <p:spPr/>
+        <p:txBody>
+          <a:bodyPr/>
+          <a:lstStyle/>
+          <a:p>
+            <a:r>
+              <a:rPr lang="en-US" dirty="0" smtClean="0"/>
+              <a:t>Briefly explain</a:t>
+            </a:r>
+            <a:r>
+              <a:rPr lang="en-US" baseline="0" dirty="0" smtClean="0"/>
+              <a:t> soil moisture sensors and matric potential sensors here</a:t>
+            </a:r>
+          </a:p>
+          <a:p>
+            <a:r>
+              <a:rPr lang="en-US" baseline="0" dirty="0" smtClean="0"/>
+              <a:t>GET A FIELD SITE CLOSE TO THE ROAD</a:t>
+            </a:r>
+            <a:endParaRPr lang="en-US" dirty="0"/>
+          </a:p>
+        </p:txBody>
+      </p:sp>
+      <p:sp>
+        <p:nvSpPr>
+          <p:cNvPr id="4" name="Slide Number Placeholder 3"/>
+          <p:cNvSpPr>
+            <a:spLocks noGrp="1"/>
+          </p:cNvSpPr>
+          <p:nvPr>
+            <p:ph type="sldNum" sz="quarter" idx="10"/>
+          </p:nvPr>
+        </p:nvSpPr>
+        <p:spPr/>
+        <p:txBody>
+          <a:bodyPr/>
+          <a:lstStyle/>
+          <a:p>
+            <a:fld id="{5FC6CE3E-41DB-47AE-8628-9D2E5C049DC2}" type="slidenum">
+              <a:rPr lang="en-US" smtClean="0"/>
+              <a:t>5</a:t>
+            </a:fld>
+            <a:endParaRPr lang="en-US"/>
+          </a:p>
+        </p:txBody>
+      </p:sp>
+    </p:spTree>
+    <p:extLst>
+      <p:ext uri="{BB962C8B-B14F-4D97-AF65-F5344CB8AC3E}">
+        <p14:creationId xmlns:p14="http://schemas.microsoft.com/office/powerpoint/2010/main" val="2010281693"/>
+      </p:ext>
+    </p:extLst>
+  </p:cSld>
+  <p:clrMapOvr>
+    <a:masterClrMapping/>
+  </p:clrMapOvr>
+</p:notes>
+</file>
+
+<file path=ppt/notesSlides/notesSlide4.xml><?xml version="1.0" encoding="utf-8"?>
+<p:notes xmlns:a="http://schemas.openxmlformats.org/drawingml/2006/main" xmlns:r="http://schemas.openxmlformats.org/officeDocument/2006/relationships" xmlns:p="http://schemas.openxmlformats.org/presentationml/2006/main">
+  <p:cSld>
+    <p:spTree>
+      <p:nvGrpSpPr>
+        <p:cNvPr id="1" name=""/>
+        <p:cNvGrpSpPr/>
+        <p:nvPr/>
+      </p:nvGrpSpPr>
+      <p:grpSpPr>
+        <a:xfrm>
+          <a:off x="0" y="0"/>
+          <a:ext cx="0" cy="0"/>
+          <a:chOff x="0" y="0"/>
+          <a:chExt cx="0" cy="0"/>
+        </a:xfrm>
+      </p:grpSpPr>
+      <p:sp>
+        <p:nvSpPr>
+          <p:cNvPr id="2" name="Slide Image Placeholder 1"/>
+          <p:cNvSpPr>
+            <a:spLocks noGrp="1" noRot="1" noChangeAspect="1"/>
+          </p:cNvSpPr>
+          <p:nvPr>
+            <p:ph type="sldImg"/>
+          </p:nvPr>
+        </p:nvSpPr>
+        <p:spPr/>
+      </p:sp>
+      <p:sp>
+        <p:nvSpPr>
+          <p:cNvPr id="3" name="Notes Placeholder 2"/>
+          <p:cNvSpPr>
+            <a:spLocks noGrp="1"/>
+          </p:cNvSpPr>
+          <p:nvPr>
+            <p:ph type="body" idx="1"/>
+          </p:nvPr>
+        </p:nvSpPr>
+        <p:spPr/>
+        <p:txBody>
+          <a:bodyPr/>
+          <a:lstStyle/>
+          <a:p>
+            <a:r>
+              <a:rPr lang="en-US" dirty="0" smtClean="0"/>
+              <a:t>Note bulk of work takes place during temperature correction</a:t>
+            </a:r>
+            <a:endParaRPr lang="en-US" dirty="0"/>
+          </a:p>
+        </p:txBody>
+      </p:sp>
+      <p:sp>
+        <p:nvSpPr>
+          <p:cNvPr id="4" name="Slide Number Placeholder 3"/>
+          <p:cNvSpPr>
+            <a:spLocks noGrp="1"/>
+          </p:cNvSpPr>
+          <p:nvPr>
+            <p:ph type="sldNum" sz="quarter" idx="10"/>
+          </p:nvPr>
+        </p:nvSpPr>
+        <p:spPr/>
+        <p:txBody>
+          <a:bodyPr/>
+          <a:lstStyle/>
+          <a:p>
+            <a:fld id="{5FC6CE3E-41DB-47AE-8628-9D2E5C049DC2}" type="slidenum">
+              <a:rPr lang="en-US" smtClean="0"/>
+              <a:t>6</a:t>
+            </a:fld>
+            <a:endParaRPr lang="en-US"/>
+          </a:p>
+        </p:txBody>
+      </p:sp>
+    </p:spTree>
+    <p:extLst>
+      <p:ext uri="{BB962C8B-B14F-4D97-AF65-F5344CB8AC3E}">
+        <p14:creationId xmlns:p14="http://schemas.microsoft.com/office/powerpoint/2010/main" val="2194139140"/>
+      </p:ext>
+    </p:extLst>
+  </p:cSld>
+  <p:clrMapOvr>
+    <a:masterClrMapping/>
+  </p:clrMapOvr>
+</p:notes>
+</file>
+
+<file path=ppt/notesSlides/notesSlide5.xml><?xml version="1.0" encoding="utf-8"?>
+<p:notes xmlns:a="http://schemas.openxmlformats.org/drawingml/2006/main" xmlns:r="http://schemas.openxmlformats.org/officeDocument/2006/relationships" xmlns:p="http://schemas.openxmlformats.org/presentationml/2006/main">
+  <p:cSld>
+    <p:spTree>
+      <p:nvGrpSpPr>
+        <p:cNvPr id="1" name=""/>
+        <p:cNvGrpSpPr/>
+        <p:nvPr/>
+      </p:nvGrpSpPr>
+      <p:grpSpPr>
+        <a:xfrm>
+          <a:off x="0" y="0"/>
+          <a:ext cx="0" cy="0"/>
+          <a:chOff x="0" y="0"/>
+          <a:chExt cx="0" cy="0"/>
+        </a:xfrm>
+      </p:grpSpPr>
+      <p:sp>
+        <p:nvSpPr>
+          <p:cNvPr id="2" name="Slide Image Placeholder 1"/>
+          <p:cNvSpPr>
+            <a:spLocks noGrp="1" noRot="1" noChangeAspect="1"/>
+          </p:cNvSpPr>
+          <p:nvPr>
+            <p:ph type="sldImg"/>
+          </p:nvPr>
+        </p:nvSpPr>
+        <p:spPr/>
+      </p:sp>
+      <p:sp>
+        <p:nvSpPr>
+          <p:cNvPr id="3" name="Notes Placeholder 2"/>
+          <p:cNvSpPr>
+            <a:spLocks noGrp="1"/>
+          </p:cNvSpPr>
+          <p:nvPr>
+            <p:ph type="body" idx="1"/>
+          </p:nvPr>
+        </p:nvSpPr>
+        <p:spPr/>
+        <p:txBody>
+          <a:bodyPr/>
+          <a:lstStyle/>
+          <a:p>
+            <a:r>
+              <a:rPr lang="en-US" dirty="0" smtClean="0"/>
+              <a:t>Good for long term trend, not for</a:t>
+            </a:r>
+            <a:r>
+              <a:rPr lang="en-US" baseline="0" dirty="0" smtClean="0"/>
+              <a:t> analyses where amplitude data is necessary</a:t>
+            </a:r>
+            <a:endParaRPr lang="en-US" dirty="0"/>
+          </a:p>
+        </p:txBody>
+      </p:sp>
+      <p:sp>
+        <p:nvSpPr>
+          <p:cNvPr id="4" name="Slide Number Placeholder 3"/>
+          <p:cNvSpPr>
+            <a:spLocks noGrp="1"/>
+          </p:cNvSpPr>
+          <p:nvPr>
+            <p:ph type="sldNum" sz="quarter" idx="10"/>
+          </p:nvPr>
+        </p:nvSpPr>
+        <p:spPr/>
+        <p:txBody>
+          <a:bodyPr/>
+          <a:lstStyle/>
+          <a:p>
+            <a:fld id="{5FC6CE3E-41DB-47AE-8628-9D2E5C049DC2}" type="slidenum">
+              <a:rPr lang="en-US" smtClean="0"/>
+              <a:t>8</a:t>
+            </a:fld>
+            <a:endParaRPr lang="en-US"/>
+          </a:p>
+        </p:txBody>
+      </p:sp>
+    </p:spTree>
+    <p:extLst>
+      <p:ext uri="{BB962C8B-B14F-4D97-AF65-F5344CB8AC3E}">
+        <p14:creationId xmlns:p14="http://schemas.microsoft.com/office/powerpoint/2010/main" val="4243212839"/>
+      </p:ext>
+    </p:extLst>
+  </p:cSld>
+  <p:clrMapOvr>
+    <a:masterClrMapping/>
+  </p:clrMapOvr>
+</p:notes>
+</file>
+
+<file path=ppt/notesSlides/notesSlide6.xml><?xml version="1.0" encoding="utf-8"?>
+<p:notes xmlns:a="http://schemas.openxmlformats.org/drawingml/2006/main" xmlns:r="http://schemas.openxmlformats.org/officeDocument/2006/relationships" xmlns:p="http://schemas.openxmlformats.org/presentationml/2006/main">
+  <p:cSld>
+    <p:spTree>
+      <p:nvGrpSpPr>
+        <p:cNvPr id="1" name=""/>
+        <p:cNvGrpSpPr/>
+        <p:nvPr/>
+      </p:nvGrpSpPr>
+      <p:grpSpPr>
+        <a:xfrm>
+          <a:off x="0" y="0"/>
+          <a:ext cx="0" cy="0"/>
+          <a:chOff x="0" y="0"/>
+          <a:chExt cx="0" cy="0"/>
+        </a:xfrm>
+      </p:grpSpPr>
+      <p:sp>
+        <p:nvSpPr>
+          <p:cNvPr id="2" name="Slide Image Placeholder 1"/>
+          <p:cNvSpPr>
+            <a:spLocks noGrp="1" noRot="1" noChangeAspect="1"/>
+          </p:cNvSpPr>
+          <p:nvPr>
+            <p:ph type="sldImg"/>
+          </p:nvPr>
+        </p:nvSpPr>
+        <p:spPr/>
+      </p:sp>
+      <p:sp>
+        <p:nvSpPr>
+          <p:cNvPr id="3" name="Notes Placeholder 2"/>
+          <p:cNvSpPr>
+            <a:spLocks noGrp="1"/>
+          </p:cNvSpPr>
+          <p:nvPr>
+            <p:ph type="body" idx="1"/>
+          </p:nvPr>
+        </p:nvSpPr>
+        <p:spPr/>
+        <p:txBody>
+          <a:bodyPr/>
+          <a:lstStyle/>
+          <a:p>
+            <a:r>
+              <a:rPr lang="en-US" dirty="0" smtClean="0"/>
+              <a:t>Interpolated</a:t>
+            </a:r>
+            <a:r>
+              <a:rPr lang="en-US" baseline="0" dirty="0" smtClean="0"/>
+              <a:t> in similar manner to temp data but over shorter time span for Sensor 3</a:t>
+            </a:r>
+            <a:endParaRPr lang="en-US" dirty="0"/>
+          </a:p>
+        </p:txBody>
+      </p:sp>
+      <p:sp>
+        <p:nvSpPr>
+          <p:cNvPr id="4" name="Slide Number Placeholder 3"/>
+          <p:cNvSpPr>
+            <a:spLocks noGrp="1"/>
+          </p:cNvSpPr>
+          <p:nvPr>
+            <p:ph type="sldNum" sz="quarter" idx="10"/>
+          </p:nvPr>
+        </p:nvSpPr>
+        <p:spPr/>
+        <p:txBody>
+          <a:bodyPr/>
+          <a:lstStyle/>
+          <a:p>
+            <a:fld id="{5FC6CE3E-41DB-47AE-8628-9D2E5C049DC2}" type="slidenum">
+              <a:rPr lang="en-US" smtClean="0"/>
+              <a:t>10</a:t>
+            </a:fld>
+            <a:endParaRPr lang="en-US"/>
+          </a:p>
+        </p:txBody>
+      </p:sp>
+    </p:spTree>
+    <p:extLst>
+      <p:ext uri="{BB962C8B-B14F-4D97-AF65-F5344CB8AC3E}">
+        <p14:creationId xmlns:p14="http://schemas.microsoft.com/office/powerpoint/2010/main" val="876517814"/>
+      </p:ext>
+    </p:extLst>
+  </p:cSld>
+  <p:clrMapOvr>
+    <a:masterClrMapping/>
+  </p:clrMapOvr>
+</p:notes>
 </file>
 
 <file path=ppt/slideLayouts/slideLayout1.xml><?xml version="1.0" encoding="utf-8"?>
@@ -254,7 +1209,7 @@
           <a:p>
             <a:fld id="{B04E083E-70AC-4B8D-8596-5EF6212CC9A6}" type="datetimeFigureOut">
               <a:rPr lang="en-US" smtClean="0"/>
-              <a:t>12/2/2016</a:t>
+              <a:t>12/4/2016</a:t>
             </a:fld>
             <a:endParaRPr lang="en-US"/>
           </a:p>
@@ -424,7 +1379,7 @@
           <a:p>
             <a:fld id="{B04E083E-70AC-4B8D-8596-5EF6212CC9A6}" type="datetimeFigureOut">
               <a:rPr lang="en-US" smtClean="0"/>
-              <a:t>12/2/2016</a:t>
+              <a:t>12/4/2016</a:t>
             </a:fld>
             <a:endParaRPr lang="en-US"/>
           </a:p>
@@ -604,7 +1559,7 @@
           <a:p>
             <a:fld id="{B04E083E-70AC-4B8D-8596-5EF6212CC9A6}" type="datetimeFigureOut">
               <a:rPr lang="en-US" smtClean="0"/>
-              <a:t>12/2/2016</a:t>
+              <a:t>12/4/2016</a:t>
             </a:fld>
             <a:endParaRPr lang="en-US"/>
           </a:p>
@@ -774,7 +1729,7 @@
           <a:p>
             <a:fld id="{B04E083E-70AC-4B8D-8596-5EF6212CC9A6}" type="datetimeFigureOut">
               <a:rPr lang="en-US" smtClean="0"/>
-              <a:t>12/2/2016</a:t>
+              <a:t>12/4/2016</a:t>
             </a:fld>
             <a:endParaRPr lang="en-US"/>
           </a:p>
@@ -1020,7 +1975,7 @@
           <a:p>
             <a:fld id="{B04E083E-70AC-4B8D-8596-5EF6212CC9A6}" type="datetimeFigureOut">
               <a:rPr lang="en-US" smtClean="0"/>
-              <a:t>12/2/2016</a:t>
+              <a:t>12/4/2016</a:t>
             </a:fld>
             <a:endParaRPr lang="en-US"/>
           </a:p>
@@ -1252,7 +2207,7 @@
           <a:p>
             <a:fld id="{B04E083E-70AC-4B8D-8596-5EF6212CC9A6}" type="datetimeFigureOut">
               <a:rPr lang="en-US" smtClean="0"/>
-              <a:t>12/2/2016</a:t>
+              <a:t>12/4/2016</a:t>
             </a:fld>
             <a:endParaRPr lang="en-US"/>
           </a:p>
@@ -1619,7 +2574,7 @@
           <a:p>
             <a:fld id="{B04E083E-70AC-4B8D-8596-5EF6212CC9A6}" type="datetimeFigureOut">
               <a:rPr lang="en-US" smtClean="0"/>
-              <a:t>12/2/2016</a:t>
+              <a:t>12/4/2016</a:t>
             </a:fld>
             <a:endParaRPr lang="en-US"/>
           </a:p>
@@ -1737,7 +2692,7 @@
           <a:p>
             <a:fld id="{B04E083E-70AC-4B8D-8596-5EF6212CC9A6}" type="datetimeFigureOut">
               <a:rPr lang="en-US" smtClean="0"/>
-              <a:t>12/2/2016</a:t>
+              <a:t>12/4/2016</a:t>
             </a:fld>
             <a:endParaRPr lang="en-US"/>
           </a:p>
@@ -1832,7 +2787,7 @@
           <a:p>
             <a:fld id="{B04E083E-70AC-4B8D-8596-5EF6212CC9A6}" type="datetimeFigureOut">
               <a:rPr lang="en-US" smtClean="0"/>
-              <a:t>12/2/2016</a:t>
+              <a:t>12/4/2016</a:t>
             </a:fld>
             <a:endParaRPr lang="en-US"/>
           </a:p>
@@ -2109,7 +3064,7 @@
           <a:p>
             <a:fld id="{B04E083E-70AC-4B8D-8596-5EF6212CC9A6}" type="datetimeFigureOut">
               <a:rPr lang="en-US" smtClean="0"/>
-              <a:t>12/2/2016</a:t>
+              <a:t>12/4/2016</a:t>
             </a:fld>
             <a:endParaRPr lang="en-US"/>
           </a:p>
@@ -2362,7 +3317,7 @@
           <a:p>
             <a:fld id="{B04E083E-70AC-4B8D-8596-5EF6212CC9A6}" type="datetimeFigureOut">
               <a:rPr lang="en-US" smtClean="0"/>
-              <a:t>12/2/2016</a:t>
+              <a:t>12/4/2016</a:t>
             </a:fld>
             <a:endParaRPr lang="en-US"/>
           </a:p>
@@ -2575,7 +3530,7 @@
           <a:p>
             <a:fld id="{B04E083E-70AC-4B8D-8596-5EF6212CC9A6}" type="datetimeFigureOut">
               <a:rPr lang="en-US" smtClean="0"/>
-              <a:t>12/2/2016</a:t>
+              <a:t>12/4/2016</a:t>
             </a:fld>
             <a:endParaRPr lang="en-US"/>
           </a:p>
@@ -2990,7 +3945,12 @@
             <p:ph type="ctrTitle"/>
           </p:nvPr>
         </p:nvSpPr>
-        <p:spPr/>
+        <p:spPr>
+          <a:xfrm>
+            <a:off x="690058" y="438149"/>
+            <a:ext cx="10809865" cy="1814513"/>
+          </a:xfrm>
+        </p:spPr>
         <p:txBody>
           <a:bodyPr>
             <a:normAutofit fontScale="90000"/>
@@ -2999,7 +3959,19 @@
           <a:p>
             <a:r>
               <a:rPr lang="en-US" dirty="0" smtClean="0"/>
-              <a:t>Processing techniques for soil moisture and matric potential data from DCEW</a:t>
+              <a:t>MATLAB p</a:t>
+            </a:r>
+            <a:r>
+              <a:rPr lang="en-US" dirty="0" smtClean="0"/>
+              <a:t>rocessing </a:t>
+            </a:r>
+            <a:r>
+              <a:rPr lang="en-US" dirty="0" smtClean="0"/>
+              <a:t>techniques for soil moisture and matric potential </a:t>
+            </a:r>
+            <a:r>
+              <a:rPr lang="en-US" dirty="0" smtClean="0"/>
+              <a:t>data</a:t>
             </a:r>
             <a:endParaRPr lang="en-US" dirty="0"/>
           </a:p>
@@ -3007,27 +3979,86 @@
       </p:sp>
       <p:sp>
         <p:nvSpPr>
-          <p:cNvPr id="3" name="Subtitle 2"/>
-          <p:cNvSpPr>
-            <a:spLocks noGrp="1"/>
-          </p:cNvSpPr>
-          <p:nvPr>
-            <p:ph type="subTitle" idx="1"/>
-          </p:nvPr>
-        </p:nvSpPr>
-        <p:spPr/>
-        <p:txBody>
-          <a:bodyPr/>
-          <a:lstStyle/>
-          <a:p>
-            <a:r>
-              <a:rPr lang="en-US" dirty="0" smtClean="0"/>
+          <p:cNvPr id="5" name="TextBox 4"/>
+          <p:cNvSpPr txBox="1"/>
+          <p:nvPr/>
+        </p:nvSpPr>
+        <p:spPr>
+          <a:xfrm>
+            <a:off x="4438650" y="5105400"/>
+            <a:ext cx="3314700" cy="1569660"/>
+          </a:xfrm>
+          <a:prstGeom prst="rect">
+            <a:avLst/>
+          </a:prstGeom>
+          <a:noFill/>
+        </p:spPr>
+        <p:txBody>
+          <a:bodyPr wrap="square" rtlCol="0">
+            <a:spAutoFit/>
+          </a:bodyPr>
+          <a:lstStyle/>
+          <a:p>
+            <a:pPr algn="ctr"/>
+            <a:r>
+              <a:rPr lang="en-US" sz="2400" dirty="0" smtClean="0"/>
               <a:t>John Shuler</a:t>
             </a:r>
-            <a:endParaRPr lang="en-US" dirty="0"/>
-          </a:p>
-        </p:txBody>
-      </p:sp>
+          </a:p>
+          <a:p>
+            <a:pPr algn="ctr"/>
+            <a:r>
+              <a:rPr lang="en-US" sz="2400" dirty="0" smtClean="0"/>
+              <a:t>Boise State University</a:t>
+            </a:r>
+          </a:p>
+          <a:p>
+            <a:pPr algn="ctr"/>
+            <a:r>
+              <a:rPr lang="en-US" sz="2400" dirty="0" smtClean="0"/>
+              <a:t>GEOS597</a:t>
+            </a:r>
+          </a:p>
+          <a:p>
+            <a:pPr algn="ctr"/>
+            <a:r>
+              <a:rPr lang="en-US" sz="2400" dirty="0" smtClean="0"/>
+              <a:t>12/5/2016</a:t>
+            </a:r>
+            <a:endParaRPr lang="en-US" sz="2400" dirty="0"/>
+          </a:p>
+        </p:txBody>
+      </p:sp>
+      <p:pic>
+        <p:nvPicPr>
+          <p:cNvPr id="6" name="Picture 5"/>
+          <p:cNvPicPr>
+            <a:picLocks noChangeAspect="1"/>
+          </p:cNvPicPr>
+          <p:nvPr/>
+        </p:nvPicPr>
+        <p:blipFill>
+          <a:blip r:embed="rId2">
+            <a:extLst>
+              <a:ext uri="{28A0092B-C50C-407E-A947-70E740481C1C}">
+                <a14:useLocalDpi xmlns:a14="http://schemas.microsoft.com/office/drawing/2010/main" val="0"/>
+              </a:ext>
+            </a:extLst>
+          </a:blip>
+          <a:stretch>
+            <a:fillRect/>
+          </a:stretch>
+        </p:blipFill>
+        <p:spPr>
+          <a:xfrm>
+            <a:off x="3033444" y="2290762"/>
+            <a:ext cx="6123094" cy="2776538"/>
+          </a:xfrm>
+          <a:prstGeom prst="rect">
+            <a:avLst/>
+          </a:prstGeom>
+        </p:spPr>
+      </p:pic>
     </p:spTree>
     <p:extLst>
       <p:ext uri="{BB962C8B-B14F-4D97-AF65-F5344CB8AC3E}">
@@ -3038,6 +4069,13 @@
   <p:clrMapOvr>
     <a:masterClrMapping/>
   </p:clrMapOvr>
+  <p:timing>
+    <p:tnLst>
+      <p:par>
+        <p:cTn id="1" dur="indefinite" restart="never" nodeType="tmRoot"/>
+      </p:par>
+    </p:tnLst>
+  </p:timing>
 </p:sld>
 </file>
 
@@ -3058,6 +4096,35 @@
           <a:chExt cx="0" cy="0"/>
         </a:xfrm>
       </p:grpSpPr>
+      <p:pic>
+        <p:nvPicPr>
+          <p:cNvPr id="11" name="Content Placeholder 10"/>
+          <p:cNvPicPr>
+            <a:picLocks noGrp="1" noChangeAspect="1"/>
+          </p:cNvPicPr>
+          <p:nvPr>
+            <p:ph idx="1"/>
+          </p:nvPr>
+        </p:nvPicPr>
+        <p:blipFill>
+          <a:blip r:embed="rId3">
+            <a:extLst>
+              <a:ext uri="{28A0092B-C50C-407E-A947-70E740481C1C}">
+                <a14:useLocalDpi xmlns:a14="http://schemas.microsoft.com/office/drawing/2010/main" val="0"/>
+              </a:ext>
+            </a:extLst>
+          </a:blip>
+          <a:stretch>
+            <a:fillRect/>
+          </a:stretch>
+        </p:blipFill>
+        <p:spPr>
+          <a:xfrm>
+            <a:off x="4362450" y="1043781"/>
+            <a:ext cx="8120592" cy="5890419"/>
+          </a:xfrm>
+        </p:spPr>
+      </p:pic>
       <p:sp>
         <p:nvSpPr>
           <p:cNvPr id="2" name="Title 1"/>
@@ -3074,62 +4141,90 @@
           <a:lstStyle/>
           <a:p>
             <a:r>
-              <a:rPr lang="en-US" dirty="0" err="1" smtClean="0"/>
-              <a:t>Periodogram</a:t>
+              <a:rPr lang="en-US" dirty="0" smtClean="0"/>
+              <a:t>Processed matric potential time series</a:t>
             </a:r>
             <a:endParaRPr lang="en-US" dirty="0"/>
           </a:p>
         </p:txBody>
       </p:sp>
-      <p:sp>
-        <p:nvSpPr>
-          <p:cNvPr id="3" name="Content Placeholder 2"/>
-          <p:cNvSpPr>
-            <a:spLocks noGrp="1"/>
-          </p:cNvSpPr>
-          <p:nvPr>
-            <p:ph idx="1"/>
-          </p:nvPr>
-        </p:nvSpPr>
-        <p:spPr/>
-        <p:txBody>
-          <a:bodyPr/>
-          <a:lstStyle/>
-          <a:p>
-            <a:pPr marL="0" indent="0">
-              <a:buNone/>
-            </a:pPr>
-            <a:r>
-              <a:rPr lang="en-US" dirty="0" smtClean="0"/>
-              <a:t>Subset of data with minimum trend</a:t>
-            </a:r>
-          </a:p>
-          <a:p>
-            <a:pPr marL="0" indent="0">
-              <a:buNone/>
-            </a:pPr>
-            <a:r>
-              <a:rPr lang="en-US" dirty="0" err="1" smtClean="0"/>
-              <a:t>Detrend</a:t>
-            </a:r>
-            <a:r>
-              <a:rPr lang="en-US" dirty="0" smtClean="0"/>
-              <a:t> then analyze spectral density</a:t>
-            </a:r>
-            <a:endParaRPr lang="en-US" dirty="0"/>
+      <p:pic>
+        <p:nvPicPr>
+          <p:cNvPr id="8" name="Picture 7"/>
+          <p:cNvPicPr>
+            <a:picLocks noChangeAspect="1"/>
+          </p:cNvPicPr>
+          <p:nvPr/>
+        </p:nvPicPr>
+        <p:blipFill>
+          <a:blip r:embed="rId4">
+            <a:extLst>
+              <a:ext uri="{28A0092B-C50C-407E-A947-70E740481C1C}">
+                <a14:useLocalDpi xmlns:a14="http://schemas.microsoft.com/office/drawing/2010/main" val="0"/>
+              </a:ext>
+            </a:extLst>
+          </a:blip>
+          <a:stretch>
+            <a:fillRect/>
+          </a:stretch>
+        </p:blipFill>
+        <p:spPr>
+          <a:xfrm>
+            <a:off x="276045" y="1976438"/>
+            <a:ext cx="3914771" cy="652462"/>
+          </a:xfrm>
+          <a:prstGeom prst="rect">
+            <a:avLst/>
+          </a:prstGeom>
+        </p:spPr>
+      </p:pic>
+      <p:sp>
+        <p:nvSpPr>
+          <p:cNvPr id="9" name="TextBox 8"/>
+          <p:cNvSpPr txBox="1"/>
+          <p:nvPr/>
+        </p:nvSpPr>
+        <p:spPr>
+          <a:xfrm>
+            <a:off x="276045" y="3829050"/>
+            <a:ext cx="3724455" cy="830997"/>
+          </a:xfrm>
+          <a:prstGeom prst="rect">
+            <a:avLst/>
+          </a:prstGeom>
+          <a:noFill/>
+        </p:spPr>
+        <p:txBody>
+          <a:bodyPr wrap="square" rtlCol="0">
+            <a:spAutoFit/>
+          </a:bodyPr>
+          <a:lstStyle/>
+          <a:p>
+            <a:r>
+              <a:rPr lang="en-US" sz="2400" dirty="0" smtClean="0"/>
+              <a:t>Processing ignores diurnal fluctuations (for now)</a:t>
+            </a:r>
+            <a:endParaRPr lang="en-US" sz="2400" dirty="0"/>
           </a:p>
         </p:txBody>
       </p:sp>
     </p:spTree>
     <p:extLst>
       <p:ext uri="{BB962C8B-B14F-4D97-AF65-F5344CB8AC3E}">
-        <p14:creationId xmlns:p14="http://schemas.microsoft.com/office/powerpoint/2010/main" val="928822241"/>
+        <p14:creationId xmlns:p14="http://schemas.microsoft.com/office/powerpoint/2010/main" val="2687111241"/>
       </p:ext>
     </p:extLst>
   </p:cSld>
   <p:clrMapOvr>
     <a:masterClrMapping/>
   </p:clrMapOvr>
+  <p:timing>
+    <p:tnLst>
+      <p:par>
+        <p:cTn id="1" dur="indefinite" restart="never" nodeType="tmRoot"/>
+      </p:par>
+    </p:tnLst>
+  </p:timing>
 </p:sld>
 </file>
 
@@ -3160,66 +4255,176 @@
             <p:ph type="title"/>
           </p:nvPr>
         </p:nvSpPr>
-        <p:spPr/>
-        <p:txBody>
-          <a:bodyPr/>
-          <a:lstStyle/>
-          <a:p>
-            <a:endParaRPr lang="en-US"/>
-          </a:p>
-        </p:txBody>
-      </p:sp>
-      <p:sp>
-        <p:nvSpPr>
-          <p:cNvPr id="3" name="Content Placeholder 2"/>
-          <p:cNvSpPr>
-            <a:spLocks noGrp="1"/>
-          </p:cNvSpPr>
+        <p:spPr>
+          <a:xfrm>
+            <a:off x="838200" y="0"/>
+            <a:ext cx="10515600" cy="1325563"/>
+          </a:xfrm>
+        </p:spPr>
+        <p:txBody>
+          <a:bodyPr/>
+          <a:lstStyle/>
+          <a:p>
+            <a:r>
+              <a:rPr lang="en-US" dirty="0" smtClean="0"/>
+              <a:t>Raw </a:t>
+            </a:r>
+            <a:r>
+              <a:rPr lang="en-US" dirty="0" smtClean="0"/>
+              <a:t>soil moisture data</a:t>
+            </a:r>
+            <a:endParaRPr lang="en-US" dirty="0"/>
+          </a:p>
+        </p:txBody>
+      </p:sp>
+      <p:sp>
+        <p:nvSpPr>
+          <p:cNvPr id="7" name="TextBox 6"/>
+          <p:cNvSpPr txBox="1"/>
+          <p:nvPr/>
+        </p:nvSpPr>
+        <p:spPr>
+          <a:xfrm>
+            <a:off x="376554" y="2239963"/>
+            <a:ext cx="3709115" cy="2492990"/>
+          </a:xfrm>
+          <a:prstGeom prst="rect">
+            <a:avLst/>
+          </a:prstGeom>
+          <a:noFill/>
+        </p:spPr>
+        <p:txBody>
+          <a:bodyPr wrap="square" rtlCol="0">
+            <a:spAutoFit/>
+          </a:bodyPr>
+          <a:lstStyle/>
+          <a:p>
+            <a:r>
+              <a:rPr lang="en-US" sz="2600" b="1" dirty="0" smtClean="0"/>
+              <a:t>Issues:</a:t>
+            </a:r>
+          </a:p>
+          <a:p>
+            <a:endParaRPr lang="en-US" sz="2600" dirty="0" smtClean="0"/>
+          </a:p>
+          <a:p>
+            <a:pPr marL="285750" indent="-285750">
+              <a:buFont typeface="Arial" panose="020B0604020202020204" pitchFamily="34" charset="0"/>
+              <a:buChar char="•"/>
+            </a:pPr>
+            <a:r>
+              <a:rPr lang="en-US" sz="2600" dirty="0" smtClean="0"/>
+              <a:t>Data gap in early June</a:t>
+            </a:r>
+          </a:p>
+          <a:p>
+            <a:endParaRPr lang="en-US" sz="2600" dirty="0" smtClean="0"/>
+          </a:p>
+          <a:p>
+            <a:pPr marL="285750" indent="-285750">
+              <a:buFont typeface="Arial" panose="020B0604020202020204" pitchFamily="34" charset="0"/>
+              <a:buChar char="•"/>
+            </a:pPr>
+            <a:r>
+              <a:rPr lang="en-US" sz="2600" dirty="0" smtClean="0"/>
+              <a:t>Diurnal fluctuations in shallow sensors</a:t>
+            </a:r>
+            <a:endParaRPr lang="en-US" sz="2600" dirty="0"/>
+          </a:p>
+        </p:txBody>
+      </p:sp>
+      <p:pic>
+        <p:nvPicPr>
+          <p:cNvPr id="11" name="Content Placeholder 10"/>
+          <p:cNvPicPr>
+            <a:picLocks noGrp="1" noChangeAspect="1"/>
+          </p:cNvPicPr>
           <p:nvPr>
             <p:ph idx="1"/>
           </p:nvPr>
-        </p:nvSpPr>
-        <p:spPr/>
-        <p:txBody>
-          <a:bodyPr/>
-          <a:lstStyle/>
-          <a:p>
-            <a:r>
-              <a:rPr lang="en-US" dirty="0" smtClean="0"/>
-              <a:t>Temp correction is justified: how to proceed?</a:t>
-            </a:r>
-          </a:p>
-          <a:p>
-            <a:r>
-              <a:rPr lang="en-US" dirty="0" smtClean="0"/>
-              <a:t>Two Methods in lit.</a:t>
-            </a:r>
-          </a:p>
-          <a:p>
-            <a:r>
-              <a:rPr lang="en-US" dirty="0" smtClean="0"/>
-              <a:t>Lu was unsuccessful: included here for the use of </a:t>
-            </a:r>
-          </a:p>
-          <a:p>
-            <a:r>
-              <a:rPr lang="en-US" dirty="0" smtClean="0"/>
-              <a:t>Fig. of point cloud with robust line</a:t>
-            </a:r>
-            <a:endParaRPr lang="en-US" dirty="0"/>
+        </p:nvPicPr>
+        <p:blipFill>
+          <a:blip r:embed="rId2">
+            <a:extLst>
+              <a:ext uri="{28A0092B-C50C-407E-A947-70E740481C1C}">
+                <a14:useLocalDpi xmlns:a14="http://schemas.microsoft.com/office/drawing/2010/main" val="0"/>
+              </a:ext>
+            </a:extLst>
+          </a:blip>
+          <a:stretch>
+            <a:fillRect/>
+          </a:stretch>
+        </p:blipFill>
+        <p:spPr>
+          <a:xfrm>
+            <a:off x="4085669" y="876300"/>
+            <a:ext cx="8534399" cy="6286499"/>
+          </a:xfrm>
+        </p:spPr>
+      </p:pic>
+      <p:sp>
+        <p:nvSpPr>
+          <p:cNvPr id="12" name="Rectangle 11"/>
+          <p:cNvSpPr/>
+          <p:nvPr/>
+        </p:nvSpPr>
+        <p:spPr>
+          <a:xfrm>
+            <a:off x="8724900" y="5029200"/>
+            <a:ext cx="990600" cy="1543050"/>
+          </a:xfrm>
+          <a:prstGeom prst="rect">
+            <a:avLst/>
+          </a:prstGeom>
+          <a:noFill/>
+          <a:ln w="38100">
+            <a:solidFill>
+              <a:schemeClr val="accent2"/>
+            </a:solidFill>
+          </a:ln>
+        </p:spPr>
+        <p:style>
+          <a:lnRef idx="2">
+            <a:schemeClr val="accent1">
+              <a:shade val="50000"/>
+            </a:schemeClr>
+          </a:lnRef>
+          <a:fillRef idx="1">
+            <a:schemeClr val="accent1"/>
+          </a:fillRef>
+          <a:effectRef idx="0">
+            <a:schemeClr val="accent1"/>
+          </a:effectRef>
+          <a:fontRef idx="minor">
+            <a:schemeClr val="lt1"/>
+          </a:fontRef>
+        </p:style>
+        <p:txBody>
+          <a:bodyPr rtlCol="0" anchor="ctr"/>
+          <a:lstStyle/>
+          <a:p>
+            <a:pPr algn="ctr"/>
+            <a:endParaRPr lang="en-US"/>
           </a:p>
         </p:txBody>
       </p:sp>
     </p:spTree>
     <p:extLst>
       <p:ext uri="{BB962C8B-B14F-4D97-AF65-F5344CB8AC3E}">
-        <p14:creationId xmlns:p14="http://schemas.microsoft.com/office/powerpoint/2010/main" val="1744024356"/>
+        <p14:creationId xmlns:p14="http://schemas.microsoft.com/office/powerpoint/2010/main" val="1623785779"/>
       </p:ext>
     </p:extLst>
   </p:cSld>
   <p:clrMapOvr>
     <a:masterClrMapping/>
   </p:clrMapOvr>
+  <p:timing>
+    <p:tnLst>
+      <p:par>
+        <p:cTn id="1" dur="indefinite" restart="never" nodeType="tmRoot"/>
+      </p:par>
+    </p:tnLst>
+  </p:timing>
 </p:sld>
 </file>
 
@@ -3256,46 +4461,111 @@
           <a:lstStyle/>
           <a:p>
             <a:r>
+              <a:rPr lang="en-US" dirty="0"/>
+              <a:t>C</a:t>
+            </a:r>
+            <a:r>
               <a:rPr lang="en-US" dirty="0" smtClean="0"/>
-              <a:t>Decagon: Multiple Linear Regression</a:t>
+              <a:t>ode for </a:t>
+            </a:r>
+            <a:r>
+              <a:rPr lang="en-US" dirty="0" err="1" smtClean="0"/>
+              <a:t>periodogram</a:t>
+            </a:r>
+            <a:r>
+              <a:rPr lang="en-US" dirty="0" smtClean="0"/>
+              <a:t> of data subset</a:t>
             </a:r>
             <a:endParaRPr lang="en-US" dirty="0"/>
           </a:p>
         </p:txBody>
       </p:sp>
-      <p:sp>
-        <p:nvSpPr>
-          <p:cNvPr id="3" name="Content Placeholder 2"/>
-          <p:cNvSpPr>
-            <a:spLocks noGrp="1"/>
-          </p:cNvSpPr>
+      <p:pic>
+        <p:nvPicPr>
+          <p:cNvPr id="4" name="Content Placeholder 3"/>
+          <p:cNvPicPr>
+            <a:picLocks noGrp="1" noChangeAspect="1"/>
+          </p:cNvPicPr>
           <p:nvPr>
             <p:ph idx="1"/>
           </p:nvPr>
-        </p:nvSpPr>
-        <p:spPr/>
-        <p:txBody>
-          <a:bodyPr/>
-          <a:lstStyle/>
-          <a:p>
-            <a:r>
-              <a:rPr lang="en-US" dirty="0" smtClean="0"/>
-              <a:t>Temp corrected fig.- show code?</a:t>
-            </a:r>
-            <a:endParaRPr lang="en-US" dirty="0"/>
+        </p:nvPicPr>
+        <p:blipFill>
+          <a:blip r:embed="rId2">
+            <a:extLst>
+              <a:ext uri="{28A0092B-C50C-407E-A947-70E740481C1C}">
+                <a14:useLocalDpi xmlns:a14="http://schemas.microsoft.com/office/drawing/2010/main" val="0"/>
+              </a:ext>
+            </a:extLst>
+          </a:blip>
+          <a:stretch>
+            <a:fillRect/>
+          </a:stretch>
+        </p:blipFill>
+        <p:spPr>
+          <a:xfrm>
+            <a:off x="2498567" y="1690688"/>
+            <a:ext cx="7602260" cy="4976812"/>
+          </a:xfrm>
+        </p:spPr>
+      </p:pic>
+      <p:sp>
+        <p:nvSpPr>
+          <p:cNvPr id="5" name="Right Arrow 4"/>
+          <p:cNvSpPr/>
+          <p:nvPr/>
+        </p:nvSpPr>
+        <p:spPr>
+          <a:xfrm>
+            <a:off x="381000" y="3867150"/>
+            <a:ext cx="2117567" cy="419100"/>
+          </a:xfrm>
+          <a:prstGeom prst="rightArrow">
+            <a:avLst/>
+          </a:prstGeom>
+        </p:spPr>
+        <p:style>
+          <a:lnRef idx="2">
+            <a:schemeClr val="accent1">
+              <a:shade val="50000"/>
+            </a:schemeClr>
+          </a:lnRef>
+          <a:fillRef idx="1">
+            <a:schemeClr val="accent1"/>
+          </a:fillRef>
+          <a:effectRef idx="0">
+            <a:schemeClr val="accent1"/>
+          </a:effectRef>
+          <a:fontRef idx="minor">
+            <a:schemeClr val="lt1"/>
+          </a:fontRef>
+        </p:style>
+        <p:txBody>
+          <a:bodyPr rtlCol="0" anchor="ctr"/>
+          <a:lstStyle/>
+          <a:p>
+            <a:pPr algn="ctr"/>
+            <a:endParaRPr lang="en-US"/>
           </a:p>
         </p:txBody>
       </p:sp>
     </p:spTree>
     <p:extLst>
       <p:ext uri="{BB962C8B-B14F-4D97-AF65-F5344CB8AC3E}">
-        <p14:creationId xmlns:p14="http://schemas.microsoft.com/office/powerpoint/2010/main" val="1480642148"/>
+        <p14:creationId xmlns:p14="http://schemas.microsoft.com/office/powerpoint/2010/main" val="2329609759"/>
       </p:ext>
     </p:extLst>
   </p:cSld>
   <p:clrMapOvr>
     <a:masterClrMapping/>
   </p:clrMapOvr>
+  <p:timing>
+    <p:tnLst>
+      <p:par>
+        <p:cTn id="1" dur="indefinite" restart="never" nodeType="tmRoot"/>
+      </p:par>
+    </p:tnLst>
+  </p:timing>
 </p:sld>
 </file>
 
@@ -3316,6 +4586,35 @@
           <a:chExt cx="0" cy="0"/>
         </a:xfrm>
       </p:grpSpPr>
+      <p:pic>
+        <p:nvPicPr>
+          <p:cNvPr id="4" name="Content Placeholder 3"/>
+          <p:cNvPicPr>
+            <a:picLocks noGrp="1" noChangeAspect="1"/>
+          </p:cNvPicPr>
+          <p:nvPr>
+            <p:ph idx="1"/>
+          </p:nvPr>
+        </p:nvPicPr>
+        <p:blipFill>
+          <a:blip r:embed="rId2">
+            <a:extLst>
+              <a:ext uri="{28A0092B-C50C-407E-A947-70E740481C1C}">
+                <a14:useLocalDpi xmlns:a14="http://schemas.microsoft.com/office/drawing/2010/main" val="0"/>
+              </a:ext>
+            </a:extLst>
+          </a:blip>
+          <a:stretch>
+            <a:fillRect/>
+          </a:stretch>
+        </p:blipFill>
+        <p:spPr>
+          <a:xfrm>
+            <a:off x="-711767" y="1123950"/>
+            <a:ext cx="13566699" cy="5734050"/>
+          </a:xfrm>
+        </p:spPr>
+      </p:pic>
       <p:sp>
         <p:nvSpPr>
           <p:cNvPr id="2" name="Title 1"/>
@@ -3326,56 +4625,135 @@
             <p:ph type="title"/>
           </p:nvPr>
         </p:nvSpPr>
-        <p:spPr/>
-        <p:txBody>
-          <a:bodyPr/>
-          <a:lstStyle/>
-          <a:p>
-            <a:r>
-              <a:rPr lang="en-US" dirty="0" smtClean="0"/>
-              <a:t>Interpolation of gaps and </a:t>
-            </a:r>
-            <a:r>
-              <a:rPr lang="en-US" dirty="0" err="1" smtClean="0"/>
-              <a:t>NaNs</a:t>
-            </a:r>
-            <a:endParaRPr lang="en-US" dirty="0"/>
-          </a:p>
-        </p:txBody>
-      </p:sp>
-      <p:sp>
-        <p:nvSpPr>
-          <p:cNvPr id="3" name="Content Placeholder 2"/>
-          <p:cNvSpPr>
-            <a:spLocks noGrp="1"/>
-          </p:cNvSpPr>
-          <p:nvPr>
-            <p:ph idx="1"/>
-          </p:nvPr>
-        </p:nvSpPr>
-        <p:spPr/>
-        <p:txBody>
-          <a:bodyPr/>
-          <a:lstStyle/>
-          <a:p>
-            <a:r>
-              <a:rPr lang="en-US" dirty="0" smtClean="0"/>
-              <a:t>Moisture fig</a:t>
-            </a:r>
-            <a:endParaRPr lang="en-US" dirty="0"/>
+        <p:spPr>
+          <a:xfrm>
+            <a:off x="813783" y="155575"/>
+            <a:ext cx="10515600" cy="1325563"/>
+          </a:xfrm>
+        </p:spPr>
+        <p:txBody>
+          <a:bodyPr>
+            <a:normAutofit/>
+          </a:bodyPr>
+          <a:lstStyle/>
+          <a:p>
+            <a:r>
+              <a:rPr lang="en-US" sz="3200" dirty="0" smtClean="0"/>
+              <a:t>Is temperature-correction of VMC data justified by periodicity? </a:t>
+            </a:r>
+            <a:endParaRPr lang="en-US" sz="3200" dirty="0"/>
+          </a:p>
+        </p:txBody>
+      </p:sp>
+      <p:sp>
+        <p:nvSpPr>
+          <p:cNvPr id="6" name="Oval 5"/>
+          <p:cNvSpPr/>
+          <p:nvPr/>
+        </p:nvSpPr>
+        <p:spPr>
+          <a:xfrm>
+            <a:off x="1828800" y="1962150"/>
+            <a:ext cx="361950" cy="285750"/>
+          </a:xfrm>
+          <a:prstGeom prst="ellipse">
+            <a:avLst/>
+          </a:prstGeom>
+          <a:noFill/>
+          <a:ln w="38100">
+            <a:solidFill>
+              <a:schemeClr val="accent2"/>
+            </a:solidFill>
+          </a:ln>
+        </p:spPr>
+        <p:style>
+          <a:lnRef idx="2">
+            <a:schemeClr val="accent1">
+              <a:shade val="50000"/>
+            </a:schemeClr>
+          </a:lnRef>
+          <a:fillRef idx="1">
+            <a:schemeClr val="accent1"/>
+          </a:fillRef>
+          <a:effectRef idx="0">
+            <a:schemeClr val="accent1"/>
+          </a:effectRef>
+          <a:fontRef idx="minor">
+            <a:schemeClr val="lt1"/>
+          </a:fontRef>
+        </p:style>
+        <p:txBody>
+          <a:bodyPr rtlCol="0" anchor="ctr"/>
+          <a:lstStyle/>
+          <a:p>
+            <a:pPr algn="ctr"/>
+            <a:endParaRPr lang="en-US"/>
+          </a:p>
+        </p:txBody>
+      </p:sp>
+      <p:sp>
+        <p:nvSpPr>
+          <p:cNvPr id="7" name="Oval 6"/>
+          <p:cNvSpPr/>
+          <p:nvPr/>
+        </p:nvSpPr>
+        <p:spPr>
+          <a:xfrm>
+            <a:off x="4038600" y="1866900"/>
+            <a:ext cx="361950" cy="285750"/>
+          </a:xfrm>
+          <a:prstGeom prst="ellipse">
+            <a:avLst/>
+          </a:prstGeom>
+          <a:noFill/>
+          <a:ln w="38100">
+            <a:solidFill>
+              <a:schemeClr val="accent2"/>
+            </a:solidFill>
+          </a:ln>
+        </p:spPr>
+        <p:style>
+          <a:lnRef idx="2">
+            <a:schemeClr val="accent1">
+              <a:shade val="50000"/>
+            </a:schemeClr>
+          </a:lnRef>
+          <a:fillRef idx="1">
+            <a:schemeClr val="accent1"/>
+          </a:fillRef>
+          <a:effectRef idx="0">
+            <a:schemeClr val="accent1"/>
+          </a:effectRef>
+          <a:fontRef idx="minor">
+            <a:schemeClr val="lt1"/>
+          </a:fontRef>
+        </p:style>
+        <p:txBody>
+          <a:bodyPr rtlCol="0" anchor="ctr"/>
+          <a:lstStyle/>
+          <a:p>
+            <a:pPr algn="ctr"/>
+            <a:endParaRPr lang="en-US"/>
           </a:p>
         </p:txBody>
       </p:sp>
     </p:spTree>
     <p:extLst>
       <p:ext uri="{BB962C8B-B14F-4D97-AF65-F5344CB8AC3E}">
-        <p14:creationId xmlns:p14="http://schemas.microsoft.com/office/powerpoint/2010/main" val="1847201016"/>
+        <p14:creationId xmlns:p14="http://schemas.microsoft.com/office/powerpoint/2010/main" val="928822241"/>
       </p:ext>
     </p:extLst>
   </p:cSld>
   <p:clrMapOvr>
     <a:masterClrMapping/>
   </p:clrMapOvr>
+  <p:timing>
+    <p:tnLst>
+      <p:par>
+        <p:cTn id="1" dur="indefinite" restart="never" nodeType="tmRoot"/>
+      </p:par>
+    </p:tnLst>
+  </p:timing>
 </p:sld>
 </file>
 
@@ -3408,58 +4786,184 @@
         </p:nvSpPr>
         <p:spPr/>
         <p:txBody>
-          <a:bodyPr/>
-          <a:lstStyle/>
-          <a:p>
-            <a:r>
-              <a:rPr lang="en-US" dirty="0" smtClean="0"/>
-              <a:t>Interpolation of gaps/</a:t>
-            </a:r>
-            <a:r>
-              <a:rPr lang="en-US" dirty="0" err="1" smtClean="0"/>
-              <a:t>NaNs</a:t>
-            </a:r>
-            <a:r>
-              <a:rPr lang="en-US" dirty="0" smtClean="0"/>
-              <a:t>	</a:t>
-            </a:r>
+          <a:bodyPr>
+            <a:normAutofit/>
+          </a:bodyPr>
+          <a:lstStyle/>
+          <a:p>
+            <a:r>
+              <a:rPr lang="en-US" sz="3600" dirty="0" smtClean="0"/>
+              <a:t>Temperature correction a la </a:t>
+            </a:r>
+            <a:r>
+              <a:rPr lang="en-US" sz="3600" i="1" dirty="0" smtClean="0"/>
+              <a:t>Cobbs and Campbell</a:t>
+            </a:r>
+            <a:r>
+              <a:rPr lang="en-US" sz="3600" dirty="0" smtClean="0"/>
+              <a:t>, 2007</a:t>
+            </a:r>
+            <a:endParaRPr lang="en-US" sz="3600" dirty="0"/>
+          </a:p>
+        </p:txBody>
+      </p:sp>
+      <p:sp>
+        <p:nvSpPr>
+          <p:cNvPr id="5" name="TextBox 4"/>
+          <p:cNvSpPr txBox="1"/>
+          <p:nvPr/>
+        </p:nvSpPr>
+        <p:spPr>
+          <a:xfrm>
+            <a:off x="838199" y="1690688"/>
+            <a:ext cx="10696575" cy="4401205"/>
+          </a:xfrm>
+          <a:prstGeom prst="rect">
+            <a:avLst/>
+          </a:prstGeom>
+          <a:noFill/>
+        </p:spPr>
+        <p:txBody>
+          <a:bodyPr wrap="square" rtlCol="0">
+            <a:spAutoFit/>
+          </a:bodyPr>
+          <a:lstStyle/>
+          <a:p>
+            <a:pPr marL="285750" indent="-285750">
+              <a:buFont typeface="Arial" panose="020B0604020202020204" pitchFamily="34" charset="0"/>
+              <a:buChar char="•"/>
+            </a:pPr>
+            <a:r>
+              <a:rPr lang="en-US" sz="2800" dirty="0" smtClean="0"/>
+              <a:t>Method requires manual selection of 3 rain-free, 24-hour periods</a:t>
+            </a:r>
+          </a:p>
+          <a:p>
+            <a:pPr marL="285750" indent="-285750">
+              <a:buFont typeface="Arial" panose="020B0604020202020204" pitchFamily="34" charset="0"/>
+              <a:buChar char="•"/>
+            </a:pPr>
+            <a:endParaRPr lang="en-US" sz="2800" dirty="0"/>
+          </a:p>
+          <a:p>
+            <a:pPr marL="285750" indent="-285750">
+              <a:buFont typeface="Arial" panose="020B0604020202020204" pitchFamily="34" charset="0"/>
+              <a:buChar char="•"/>
+            </a:pPr>
+            <a:r>
+              <a:rPr lang="en-US" sz="2800" dirty="0" smtClean="0"/>
+              <a:t>Temperature correction equation uses multiple linear regression </a:t>
+            </a:r>
+          </a:p>
+          <a:p>
+            <a:pPr marL="285750" indent="-285750">
+              <a:buFont typeface="Arial" panose="020B0604020202020204" pitchFamily="34" charset="0"/>
+              <a:buChar char="•"/>
+            </a:pPr>
+            <a:endParaRPr lang="en-US" sz="2800" dirty="0"/>
+          </a:p>
+          <a:p>
+            <a:pPr marL="285750" indent="-285750">
+              <a:buFont typeface="Arial" panose="020B0604020202020204" pitchFamily="34" charset="0"/>
+              <a:buChar char="•"/>
+            </a:pPr>
+            <a:r>
+              <a:rPr lang="en-US" sz="2800" dirty="0" smtClean="0"/>
+              <a:t>Coefficients for MLR produced by the </a:t>
+            </a:r>
+            <a:r>
+              <a:rPr lang="en-US" sz="2800" dirty="0" err="1" smtClean="0"/>
+              <a:t>Matlab</a:t>
+            </a:r>
+            <a:r>
+              <a:rPr lang="en-US" sz="2800" dirty="0" smtClean="0"/>
+              <a:t> </a:t>
+            </a:r>
+            <a:r>
+              <a:rPr lang="en-US" sz="2800" b="1" dirty="0" smtClean="0"/>
+              <a:t>regress() </a:t>
+            </a:r>
+            <a:r>
+              <a:rPr lang="en-US" sz="2800" dirty="0" smtClean="0"/>
+              <a:t>function:</a:t>
+            </a:r>
+          </a:p>
+          <a:p>
+            <a:pPr marL="285750" indent="-285750">
+              <a:buFont typeface="Arial" panose="020B0604020202020204" pitchFamily="34" charset="0"/>
+              <a:buChar char="•"/>
+            </a:pPr>
+            <a:endParaRPr lang="en-US" sz="2800" dirty="0"/>
+          </a:p>
+          <a:p>
+            <a:pPr algn="ctr"/>
+            <a:endParaRPr lang="en-US" sz="2800" dirty="0" smtClean="0"/>
+          </a:p>
+          <a:p>
+            <a:pPr marL="285750" indent="-285750">
+              <a:buFont typeface="Arial" panose="020B0604020202020204" pitchFamily="34" charset="0"/>
+              <a:buChar char="•"/>
+            </a:pPr>
+            <a:endParaRPr lang="en-US" sz="2400" dirty="0"/>
+          </a:p>
+          <a:p>
+            <a:endParaRPr lang="en-US" sz="2400" dirty="0" smtClean="0"/>
+          </a:p>
+          <a:p>
             <a:endParaRPr lang="en-US" dirty="0"/>
           </a:p>
-        </p:txBody>
-      </p:sp>
-      <p:sp>
-        <p:nvSpPr>
-          <p:cNvPr id="3" name="Content Placeholder 2"/>
-          <p:cNvSpPr>
-            <a:spLocks noGrp="1"/>
-          </p:cNvSpPr>
-          <p:nvPr>
-            <p:ph idx="1"/>
-          </p:nvPr>
-        </p:nvSpPr>
-        <p:spPr/>
-        <p:txBody>
-          <a:bodyPr/>
-          <a:lstStyle/>
-          <a:p>
-            <a:r>
-              <a:rPr lang="en-US" dirty="0" smtClean="0"/>
-              <a:t>Tension fig</a:t>
-            </a:r>
+          <a:p>
             <a:endParaRPr lang="en-US" dirty="0"/>
           </a:p>
         </p:txBody>
       </p:sp>
+      <p:pic>
+        <p:nvPicPr>
+          <p:cNvPr id="7" name="Picture 6"/>
+          <p:cNvPicPr>
+            <a:picLocks noChangeAspect="1"/>
+          </p:cNvPicPr>
+          <p:nvPr/>
+        </p:nvPicPr>
+        <p:blipFill>
+          <a:blip r:embed="rId2">
+            <a:extLst>
+              <a:ext uri="{28A0092B-C50C-407E-A947-70E740481C1C}">
+                <a14:useLocalDpi xmlns:a14="http://schemas.microsoft.com/office/drawing/2010/main" val="0"/>
+              </a:ext>
+            </a:extLst>
+          </a:blip>
+          <a:stretch>
+            <a:fillRect/>
+          </a:stretch>
+        </p:blipFill>
+        <p:spPr>
+          <a:xfrm>
+            <a:off x="1633379" y="4677581"/>
+            <a:ext cx="9106213" cy="694542"/>
+          </a:xfrm>
+          <a:prstGeom prst="rect">
+            <a:avLst/>
+          </a:prstGeom>
+        </p:spPr>
+      </p:pic>
     </p:spTree>
     <p:extLst>
       <p:ext uri="{BB962C8B-B14F-4D97-AF65-F5344CB8AC3E}">
-        <p14:creationId xmlns:p14="http://schemas.microsoft.com/office/powerpoint/2010/main" val="3175451693"/>
+        <p14:creationId xmlns:p14="http://schemas.microsoft.com/office/powerpoint/2010/main" val="1744024356"/>
       </p:ext>
     </p:extLst>
   </p:cSld>
   <p:clrMapOvr>
     <a:masterClrMapping/>
   </p:clrMapOvr>
+  <p:timing>
+    <p:tnLst>
+      <p:par>
+        <p:cTn id="1" dur="indefinite" restart="never" nodeType="tmRoot"/>
+      </p:par>
+    </p:tnLst>
+  </p:timing>
 </p:sld>
 </file>
 
@@ -3480,6 +4984,35 @@
           <a:chExt cx="0" cy="0"/>
         </a:xfrm>
       </p:grpSpPr>
+      <p:pic>
+        <p:nvPicPr>
+          <p:cNvPr id="4" name="Content Placeholder 3"/>
+          <p:cNvPicPr>
+            <a:picLocks noGrp="1" noChangeAspect="1"/>
+          </p:cNvPicPr>
+          <p:nvPr>
+            <p:ph idx="1"/>
+          </p:nvPr>
+        </p:nvPicPr>
+        <p:blipFill>
+          <a:blip r:embed="rId2">
+            <a:extLst>
+              <a:ext uri="{28A0092B-C50C-407E-A947-70E740481C1C}">
+                <a14:useLocalDpi xmlns:a14="http://schemas.microsoft.com/office/drawing/2010/main" val="0"/>
+              </a:ext>
+            </a:extLst>
+          </a:blip>
+          <a:stretch>
+            <a:fillRect/>
+          </a:stretch>
+        </p:blipFill>
+        <p:spPr>
+          <a:xfrm>
+            <a:off x="2080153" y="1027906"/>
+            <a:ext cx="8031693" cy="6023770"/>
+          </a:xfrm>
+        </p:spPr>
+      </p:pic>
       <p:sp>
         <p:nvSpPr>
           <p:cNvPr id="2" name="Title 1"/>
@@ -3495,28 +5028,9 @@
           <a:bodyPr/>
           <a:lstStyle/>
           <a:p>
-            <a:endParaRPr lang="en-US"/>
-          </a:p>
-        </p:txBody>
-      </p:sp>
-      <p:sp>
-        <p:nvSpPr>
-          <p:cNvPr id="3" name="Content Placeholder 2"/>
-          <p:cNvSpPr>
-            <a:spLocks noGrp="1"/>
-          </p:cNvSpPr>
-          <p:nvPr>
-            <p:ph idx="1"/>
-          </p:nvPr>
-        </p:nvSpPr>
-        <p:spPr/>
-        <p:txBody>
-          <a:bodyPr/>
-          <a:lstStyle/>
-          <a:p>
             <a:r>
               <a:rPr lang="en-US" dirty="0" smtClean="0"/>
-              <a:t>Temp w/ Interpolated Data</a:t>
+              <a:t>Processed soil moisture data</a:t>
             </a:r>
             <a:endParaRPr lang="en-US" dirty="0"/>
           </a:p>
@@ -3525,13 +5039,20 @@
     </p:spTree>
     <p:extLst>
       <p:ext uri="{BB962C8B-B14F-4D97-AF65-F5344CB8AC3E}">
-        <p14:creationId xmlns:p14="http://schemas.microsoft.com/office/powerpoint/2010/main" val="1671755275"/>
+        <p14:creationId xmlns:p14="http://schemas.microsoft.com/office/powerpoint/2010/main" val="1480642148"/>
       </p:ext>
     </p:extLst>
   </p:cSld>
   <p:clrMapOvr>
     <a:masterClrMapping/>
   </p:clrMapOvr>
+  <p:timing>
+    <p:tnLst>
+      <p:par>
+        <p:cTn id="1" dur="indefinite" restart="never" nodeType="tmRoot"/>
+      </p:par>
+    </p:tnLst>
+  </p:timing>
 </p:sld>
 </file>
 
@@ -3552,6 +5073,35 @@
           <a:chExt cx="0" cy="0"/>
         </a:xfrm>
       </p:grpSpPr>
+      <p:pic>
+        <p:nvPicPr>
+          <p:cNvPr id="12" name="Content Placeholder 11"/>
+          <p:cNvPicPr>
+            <a:picLocks noGrp="1" noChangeAspect="1"/>
+          </p:cNvPicPr>
+          <p:nvPr>
+            <p:ph idx="1"/>
+          </p:nvPr>
+        </p:nvPicPr>
+        <p:blipFill>
+          <a:blip r:embed="rId2">
+            <a:extLst>
+              <a:ext uri="{28A0092B-C50C-407E-A947-70E740481C1C}">
+                <a14:useLocalDpi xmlns:a14="http://schemas.microsoft.com/office/drawing/2010/main" val="0"/>
+              </a:ext>
+            </a:extLst>
+          </a:blip>
+          <a:stretch>
+            <a:fillRect/>
+          </a:stretch>
+        </p:blipFill>
+        <p:spPr>
+          <a:xfrm>
+            <a:off x="1786995" y="819150"/>
+            <a:ext cx="8732309" cy="6038850"/>
+          </a:xfrm>
+        </p:spPr>
+      </p:pic>
       <p:sp>
         <p:nvSpPr>
           <p:cNvPr id="2" name="Title 1"/>
@@ -3562,35 +5112,29 @@
             <p:ph type="title"/>
           </p:nvPr>
         </p:nvSpPr>
-        <p:spPr/>
+        <p:spPr>
+          <a:xfrm>
+            <a:off x="895350" y="0"/>
+            <a:ext cx="10515600" cy="1325563"/>
+          </a:xfrm>
+        </p:spPr>
         <p:txBody>
           <a:bodyPr/>
           <a:lstStyle/>
           <a:p>
             <a:r>
               <a:rPr lang="en-US" dirty="0" smtClean="0"/>
-              <a:t>Young Characteristic Curves</a:t>
+              <a:t>Incomplete</a:t>
+            </a:r>
+            <a:r>
+              <a:rPr lang="en-US" dirty="0" smtClean="0"/>
+              <a:t> Characteristic </a:t>
+            </a:r>
+            <a:r>
+              <a:rPr lang="en-US" dirty="0" smtClean="0"/>
+              <a:t>Curves</a:t>
             </a:r>
             <a:endParaRPr lang="en-US" dirty="0"/>
-          </a:p>
-        </p:txBody>
-      </p:sp>
-      <p:sp>
-        <p:nvSpPr>
-          <p:cNvPr id="3" name="Content Placeholder 2"/>
-          <p:cNvSpPr>
-            <a:spLocks noGrp="1"/>
-          </p:cNvSpPr>
-          <p:nvPr>
-            <p:ph idx="1"/>
-          </p:nvPr>
-        </p:nvSpPr>
-        <p:spPr/>
-        <p:txBody>
-          <a:bodyPr/>
-          <a:lstStyle/>
-          <a:p>
-            <a:endParaRPr lang="en-US"/>
           </a:p>
         </p:txBody>
       </p:sp>
@@ -3604,6 +5148,13 @@
   <p:clrMapOvr>
     <a:masterClrMapping/>
   </p:clrMapOvr>
+  <p:timing>
+    <p:tnLst>
+      <p:par>
+        <p:cTn id="1" dur="indefinite" restart="never" nodeType="tmRoot"/>
+      </p:par>
+    </p:tnLst>
+  </p:timing>
 </p:sld>
 </file>
 
@@ -3640,10 +5191,10 @@
           <a:lstStyle/>
           <a:p>
             <a:r>
-              <a:rPr lang="en-US" smtClean="0"/>
-              <a:t>Future Work</a:t>
-            </a:r>
-            <a:endParaRPr lang="en-US"/>
+              <a:rPr lang="en-US" dirty="0" smtClean="0"/>
+              <a:t>To-Do List for Future John</a:t>
+            </a:r>
+            <a:endParaRPr lang="en-US" dirty="0"/>
           </a:p>
         </p:txBody>
       </p:sp>
@@ -3662,7 +5213,38 @@
           <a:bodyPr/>
           <a:lstStyle/>
           <a:p>
-            <a:endParaRPr lang="en-US"/>
+            <a:r>
+              <a:rPr lang="en-US" dirty="0" smtClean="0"/>
+              <a:t>Continue data collection to improve characteristic curves</a:t>
+            </a:r>
+          </a:p>
+          <a:p>
+            <a:pPr marL="0" indent="0">
+              <a:buNone/>
+            </a:pPr>
+            <a:endParaRPr lang="en-US" dirty="0" smtClean="0"/>
+          </a:p>
+          <a:p>
+            <a:r>
+              <a:rPr lang="en-US" dirty="0" smtClean="0"/>
+              <a:t>Explore periodicity of matric potential data</a:t>
+            </a:r>
+          </a:p>
+          <a:p>
+            <a:pPr lvl="1"/>
+            <a:r>
+              <a:rPr lang="en-US" dirty="0" smtClean="0"/>
+              <a:t>Use low-pass filter to correct for temperature?</a:t>
+            </a:r>
+          </a:p>
+          <a:p>
+            <a:endParaRPr lang="en-US" dirty="0"/>
+          </a:p>
+          <a:p>
+            <a:r>
+              <a:rPr lang="en-US" dirty="0" smtClean="0"/>
+              <a:t>Relate moisture and matric potential to stable isotope data</a:t>
+            </a:r>
           </a:p>
         </p:txBody>
       </p:sp>
@@ -3676,6 +5258,179 @@
   <p:clrMapOvr>
     <a:masterClrMapping/>
   </p:clrMapOvr>
+  <p:timing>
+    <p:tnLst>
+      <p:par>
+        <p:cTn id="1" dur="indefinite" restart="never" nodeType="tmRoot"/>
+      </p:par>
+    </p:tnLst>
+  </p:timing>
+</p:sld>
+</file>
+
+<file path=ppt/slides/slide18.xml><?xml version="1.0" encoding="utf-8"?>
+<p:sld xmlns:a="http://schemas.openxmlformats.org/drawingml/2006/main" xmlns:r="http://schemas.openxmlformats.org/officeDocument/2006/relationships" xmlns:p="http://schemas.openxmlformats.org/presentationml/2006/main">
+  <p:cSld>
+    <p:spTree>
+      <p:nvGrpSpPr>
+        <p:cNvPr id="1" name=""/>
+        <p:cNvGrpSpPr/>
+        <p:nvPr/>
+      </p:nvGrpSpPr>
+      <p:grpSpPr>
+        <a:xfrm>
+          <a:off x="0" y="0"/>
+          <a:ext cx="0" cy="0"/>
+          <a:chOff x="0" y="0"/>
+          <a:chExt cx="0" cy="0"/>
+        </a:xfrm>
+      </p:grpSpPr>
+      <p:sp>
+        <p:nvSpPr>
+          <p:cNvPr id="2" name="Title 1"/>
+          <p:cNvSpPr>
+            <a:spLocks noGrp="1"/>
+          </p:cNvSpPr>
+          <p:nvPr>
+            <p:ph type="title"/>
+          </p:nvPr>
+        </p:nvSpPr>
+        <p:spPr/>
+        <p:txBody>
+          <a:bodyPr/>
+          <a:lstStyle/>
+          <a:p>
+            <a:r>
+              <a:rPr lang="en-US" dirty="0" smtClean="0"/>
+              <a:t>References</a:t>
+            </a:r>
+            <a:endParaRPr lang="en-US" dirty="0"/>
+          </a:p>
+        </p:txBody>
+      </p:sp>
+      <p:sp>
+        <p:nvSpPr>
+          <p:cNvPr id="3" name="Content Placeholder 2"/>
+          <p:cNvSpPr>
+            <a:spLocks noGrp="1"/>
+          </p:cNvSpPr>
+          <p:nvPr>
+            <p:ph idx="1"/>
+          </p:nvPr>
+        </p:nvSpPr>
+        <p:spPr/>
+        <p:txBody>
+          <a:bodyPr>
+            <a:normAutofit fontScale="85000" lnSpcReduction="20000"/>
+          </a:bodyPr>
+          <a:lstStyle/>
+          <a:p>
+            <a:pPr marL="0" indent="0">
+              <a:buNone/>
+            </a:pPr>
+            <a:r>
+              <a:rPr lang="en-US" dirty="0"/>
+              <a:t>Chandler, D., M. </a:t>
+            </a:r>
+            <a:r>
+              <a:rPr lang="en-US" dirty="0" err="1"/>
+              <a:t>Seyfried</a:t>
+            </a:r>
+            <a:r>
+              <a:rPr lang="en-US" dirty="0"/>
+              <a:t>, J. McNamara (2016), Inference of Soil Hydrologic Parameters from Electronic Soil Moisture Records. In review for Hydrologic Processes</a:t>
+            </a:r>
+          </a:p>
+          <a:p>
+            <a:pPr marL="0" indent="0">
+              <a:buNone/>
+            </a:pPr>
+            <a:endParaRPr lang="en-US" dirty="0"/>
+          </a:p>
+          <a:p>
+            <a:pPr marL="0" indent="0">
+              <a:buNone/>
+            </a:pPr>
+            <a:r>
+              <a:rPr lang="en-US" dirty="0" err="1"/>
+              <a:t>Cobos</a:t>
+            </a:r>
+            <a:r>
+              <a:rPr lang="en-US" dirty="0"/>
+              <a:t>, D. and C. Campbell, (2007) Correcting temperature sensitivity of ECH2O soil moisture sensors, Decagon Devices, Pullman, WA</a:t>
+            </a:r>
+          </a:p>
+          <a:p>
+            <a:pPr marL="0" indent="0">
+              <a:buNone/>
+            </a:pPr>
+            <a:endParaRPr lang="en-US" dirty="0"/>
+          </a:p>
+          <a:p>
+            <a:pPr marL="0" indent="0">
+              <a:buNone/>
+            </a:pPr>
+            <a:r>
+              <a:rPr lang="en-US" dirty="0"/>
+              <a:t>Hillel, D. (1998) Environmental Soil Physics: Fundamentals, Applications, and Environmental Considerations, 1st Edition, Academic Press, Cambridge, MA</a:t>
+            </a:r>
+          </a:p>
+          <a:p>
+            <a:pPr marL="0" indent="0">
+              <a:buNone/>
+            </a:pPr>
+            <a:endParaRPr lang="en-US" dirty="0"/>
+          </a:p>
+          <a:p>
+            <a:pPr marL="0" indent="0">
+              <a:buNone/>
+            </a:pPr>
+            <a:r>
+              <a:rPr lang="en-US" dirty="0"/>
+              <a:t>Lu, M., J. </a:t>
+            </a:r>
+            <a:r>
+              <a:rPr lang="en-US" dirty="0" err="1"/>
+              <a:t>Kapilaratne</a:t>
+            </a:r>
+            <a:r>
+              <a:rPr lang="en-US" dirty="0"/>
+              <a:t> and I. </a:t>
+            </a:r>
+            <a:r>
+              <a:rPr lang="en-US" dirty="0" err="1"/>
+              <a:t>Kaihotsu</a:t>
+            </a:r>
+            <a:r>
+              <a:rPr lang="en-US" dirty="0"/>
+              <a:t> (2015), A data-driven method to remove temperature effects in TDR-measured soil water content at a Mongolian site. Hydrological Research Letters, 9(1), 8–13 DOI: 10.3178/hrl.9.8</a:t>
+            </a:r>
+          </a:p>
+          <a:p>
+            <a:pPr marL="0" indent="0">
+              <a:buNone/>
+            </a:pPr>
+            <a:endParaRPr lang="en-US" dirty="0"/>
+          </a:p>
+        </p:txBody>
+      </p:sp>
+    </p:spTree>
+    <p:extLst>
+      <p:ext uri="{BB962C8B-B14F-4D97-AF65-F5344CB8AC3E}">
+        <p14:creationId xmlns:p14="http://schemas.microsoft.com/office/powerpoint/2010/main" val="3126046145"/>
+      </p:ext>
+    </p:extLst>
+  </p:cSld>
+  <p:clrMapOvr>
+    <a:masterClrMapping/>
+  </p:clrMapOvr>
+  <p:timing>
+    <p:tnLst>
+      <p:par>
+        <p:cTn id="1" dur="indefinite" restart="never" nodeType="tmRoot"/>
+      </p:par>
+    </p:tnLst>
+  </p:timing>
 </p:sld>
 </file>
 
@@ -3706,50 +5461,57 @@
             <p:ph type="title"/>
           </p:nvPr>
         </p:nvSpPr>
-        <p:spPr/>
+        <p:spPr>
+          <a:xfrm>
+            <a:off x="838199" y="174625"/>
+            <a:ext cx="10515600" cy="1325563"/>
+          </a:xfrm>
+        </p:spPr>
         <p:txBody>
           <a:bodyPr/>
           <a:lstStyle/>
           <a:p>
             <a:r>
               <a:rPr lang="en-US" dirty="0" smtClean="0"/>
-              <a:t>Soil is </a:t>
-            </a:r>
-            <a:r>
-              <a:rPr lang="en-US" dirty="0" err="1" smtClean="0"/>
-              <a:t>partitioner</a:t>
+              <a:t>Soil </a:t>
             </a:r>
             <a:r>
               <a:rPr lang="en-US" dirty="0" smtClean="0"/>
-              <a:t> of precipitation</a:t>
+              <a:t>is a main driver of precipitation routing</a:t>
             </a:r>
             <a:endParaRPr lang="en-US" dirty="0"/>
           </a:p>
         </p:txBody>
       </p:sp>
-      <p:sp>
-        <p:nvSpPr>
-          <p:cNvPr id="3" name="Content Placeholder 2"/>
-          <p:cNvSpPr>
-            <a:spLocks noGrp="1"/>
-          </p:cNvSpPr>
+      <p:pic>
+        <p:nvPicPr>
+          <p:cNvPr id="4" name="Content Placeholder 3"/>
+          <p:cNvPicPr>
+            <a:picLocks noGrp="1" noChangeAspect="1"/>
+          </p:cNvPicPr>
           <p:nvPr>
             <p:ph idx="1"/>
           </p:nvPr>
-        </p:nvSpPr>
-        <p:spPr/>
-        <p:txBody>
-          <a:bodyPr/>
-          <a:lstStyle/>
-          <a:p>
-            <a:r>
-              <a:rPr lang="en-US" dirty="0" smtClean="0"/>
-              <a:t>Hill slope image</a:t>
-            </a:r>
-            <a:endParaRPr lang="en-US" dirty="0"/>
-          </a:p>
-        </p:txBody>
-      </p:sp>
+        </p:nvPicPr>
+        <p:blipFill>
+          <a:blip r:embed="rId3">
+            <a:extLst>
+              <a:ext uri="{28A0092B-C50C-407E-A947-70E740481C1C}">
+                <a14:useLocalDpi xmlns:a14="http://schemas.microsoft.com/office/drawing/2010/main" val="0"/>
+              </a:ext>
+            </a:extLst>
+          </a:blip>
+          <a:stretch>
+            <a:fillRect/>
+          </a:stretch>
+        </p:blipFill>
+        <p:spPr>
+          <a:xfrm>
+            <a:off x="2513237" y="1357193"/>
+            <a:ext cx="7165525" cy="5500807"/>
+          </a:xfrm>
+        </p:spPr>
+      </p:pic>
     </p:spTree>
     <p:extLst>
       <p:ext uri="{BB962C8B-B14F-4D97-AF65-F5344CB8AC3E}">
@@ -3760,6 +5522,13 @@
   <p:clrMapOvr>
     <a:masterClrMapping/>
   </p:clrMapOvr>
+  <p:timing>
+    <p:tnLst>
+      <p:par>
+        <p:cTn id="1" dur="indefinite" restart="never" nodeType="tmRoot"/>
+      </p:par>
+    </p:tnLst>
+  </p:timing>
 </p:sld>
 </file>
 
@@ -3797,42 +5566,114 @@
           <a:p>
             <a:r>
               <a:rPr lang="en-US" dirty="0" smtClean="0"/>
-              <a:t>Most soil characteristics found in lab</a:t>
+              <a:t>Soil moisture and tension are </a:t>
+            </a:r>
+            <a:br>
+              <a:rPr lang="en-US" dirty="0" smtClean="0"/>
+            </a:br>
+            <a:r>
+              <a:rPr lang="en-US" dirty="0" smtClean="0"/>
+              <a:t>common parameters of interest</a:t>
             </a:r>
             <a:endParaRPr lang="en-US" dirty="0"/>
           </a:p>
         </p:txBody>
       </p:sp>
-      <p:sp>
-        <p:nvSpPr>
-          <p:cNvPr id="3" name="Content Placeholder 2"/>
-          <p:cNvSpPr>
-            <a:spLocks noGrp="1"/>
-          </p:cNvSpPr>
+      <p:pic>
+        <p:nvPicPr>
+          <p:cNvPr id="4" name="Content Placeholder 3"/>
+          <p:cNvPicPr>
+            <a:picLocks noGrp="1" noChangeAspect="1"/>
+          </p:cNvPicPr>
           <p:nvPr>
             <p:ph idx="1"/>
           </p:nvPr>
-        </p:nvSpPr>
-        <p:spPr/>
-        <p:txBody>
-          <a:bodyPr/>
+        </p:nvPicPr>
+        <p:blipFill>
+          <a:blip r:embed="rId3">
+            <a:extLst>
+              <a:ext uri="{28A0092B-C50C-407E-A947-70E740481C1C}">
+                <a14:useLocalDpi xmlns:a14="http://schemas.microsoft.com/office/drawing/2010/main" val="0"/>
+              </a:ext>
+            </a:extLst>
+          </a:blip>
+          <a:stretch>
+            <a:fillRect/>
+          </a:stretch>
+        </p:blipFill>
+        <p:spPr>
+          <a:xfrm>
+            <a:off x="838200" y="1690688"/>
+            <a:ext cx="6572747" cy="4919662"/>
+          </a:xfrm>
+        </p:spPr>
+      </p:pic>
+      <p:sp>
+        <p:nvSpPr>
+          <p:cNvPr id="5" name="TextBox 4"/>
+          <p:cNvSpPr txBox="1"/>
+          <p:nvPr/>
+        </p:nvSpPr>
+        <p:spPr>
+          <a:xfrm>
+            <a:off x="7677150" y="3448050"/>
+            <a:ext cx="3943350" cy="954107"/>
+          </a:xfrm>
+          <a:prstGeom prst="rect">
+            <a:avLst/>
+          </a:prstGeom>
+          <a:noFill/>
+        </p:spPr>
+        <p:txBody>
+          <a:bodyPr wrap="square" rtlCol="0">
+            <a:spAutoFit/>
+          </a:bodyPr>
+          <a:lstStyle/>
+          <a:p>
+            <a:pPr marL="457200" indent="-457200">
+              <a:buFont typeface="Arial" panose="020B0604020202020204" pitchFamily="34" charset="0"/>
+              <a:buChar char="•"/>
+            </a:pPr>
+            <a:r>
+              <a:rPr lang="en-US" sz="2800" dirty="0" smtClean="0"/>
+              <a:t>Characteristic curves reveal soil properties</a:t>
+            </a:r>
+          </a:p>
+        </p:txBody>
+      </p:sp>
+      <p:sp>
+        <p:nvSpPr>
+          <p:cNvPr id="7" name="TextBox 6"/>
+          <p:cNvSpPr txBox="1"/>
+          <p:nvPr/>
+        </p:nvSpPr>
+        <p:spPr>
+          <a:xfrm>
+            <a:off x="10096500" y="6241018"/>
+            <a:ext cx="3562350" cy="369332"/>
+          </a:xfrm>
+          <a:prstGeom prst="rect">
+            <a:avLst/>
+          </a:prstGeom>
+          <a:noFill/>
+        </p:spPr>
+        <p:txBody>
+          <a:bodyPr wrap="square" rtlCol="0">
+            <a:spAutoFit/>
+          </a:bodyPr>
           <a:lstStyle/>
           <a:p>
             <a:r>
               <a:rPr lang="en-US" dirty="0" smtClean="0"/>
-              <a:t>Moisture hysteresis image here</a:t>
-            </a:r>
-          </a:p>
-          <a:p>
+              <a:t>[</a:t>
+            </a:r>
+            <a:r>
+              <a:rPr lang="en-US" i="1" dirty="0" smtClean="0"/>
+              <a:t>Hillel</a:t>
+            </a:r>
             <a:r>
               <a:rPr lang="en-US" dirty="0" smtClean="0"/>
-              <a:t>Define soil moisture/tension units</a:t>
-            </a:r>
-          </a:p>
-          <a:p>
-            <a:r>
-              <a:rPr lang="en-US" dirty="0" smtClean="0"/>
-              <a:t>Define wilting point and field capacity</a:t>
+              <a:t>, 1998]</a:t>
             </a:r>
             <a:endParaRPr lang="en-US" dirty="0"/>
           </a:p>
@@ -3841,13 +5682,20 @@
     </p:spTree>
     <p:extLst>
       <p:ext uri="{BB962C8B-B14F-4D97-AF65-F5344CB8AC3E}">
-        <p14:creationId xmlns:p14="http://schemas.microsoft.com/office/powerpoint/2010/main" val="2617486453"/>
+        <p14:creationId xmlns:p14="http://schemas.microsoft.com/office/powerpoint/2010/main" val="2887462098"/>
       </p:ext>
     </p:extLst>
   </p:cSld>
   <p:clrMapOvr>
     <a:masterClrMapping/>
   </p:clrMapOvr>
+  <p:timing>
+    <p:tnLst>
+      <p:par>
+        <p:cTn id="1" dur="indefinite" restart="never" nodeType="tmRoot"/>
+      </p:par>
+    </p:tnLst>
+  </p:timing>
 </p:sld>
 </file>
 
@@ -3880,38 +5728,158 @@
         </p:nvSpPr>
         <p:spPr/>
         <p:txBody>
-          <a:bodyPr/>
+          <a:bodyPr>
+            <a:normAutofit/>
+          </a:bodyPr>
           <a:lstStyle/>
           <a:p>
             <a:r>
               <a:rPr lang="en-US" dirty="0" smtClean="0"/>
-              <a:t>In situ measurements can be helpful</a:t>
+              <a:t>Soil properties can be inferred </a:t>
+            </a:r>
+            <a:br>
+              <a:rPr lang="en-US" dirty="0" smtClean="0"/>
+            </a:br>
+            <a:r>
+              <a:rPr lang="en-US" dirty="0" smtClean="0"/>
+              <a:t>from in situ time series data</a:t>
             </a:r>
             <a:endParaRPr lang="en-US" dirty="0"/>
           </a:p>
         </p:txBody>
       </p:sp>
-      <p:sp>
-        <p:nvSpPr>
-          <p:cNvPr id="3" name="Content Placeholder 2"/>
-          <p:cNvSpPr>
-            <a:spLocks noGrp="1"/>
-          </p:cNvSpPr>
+      <p:pic>
+        <p:nvPicPr>
+          <p:cNvPr id="4" name="Content Placeholder 3"/>
+          <p:cNvPicPr>
+            <a:picLocks noGrp="1" noChangeAspect="1"/>
+          </p:cNvPicPr>
           <p:nvPr>
             <p:ph idx="1"/>
           </p:nvPr>
-        </p:nvSpPr>
-        <p:spPr/>
-        <p:txBody>
-          <a:bodyPr/>
-          <a:lstStyle/>
-          <a:p>
-            <a:pPr marL="0" indent="0">
-              <a:buNone/>
-            </a:pPr>
+        </p:nvPicPr>
+        <p:blipFill>
+          <a:blip r:embed="rId2">
+            <a:extLst>
+              <a:ext uri="{28A0092B-C50C-407E-A947-70E740481C1C}">
+                <a14:useLocalDpi xmlns:a14="http://schemas.microsoft.com/office/drawing/2010/main" val="0"/>
+              </a:ext>
+            </a:extLst>
+          </a:blip>
+          <a:stretch>
+            <a:fillRect/>
+          </a:stretch>
+        </p:blipFill>
+        <p:spPr>
+          <a:xfrm>
+            <a:off x="501667" y="1690688"/>
+            <a:ext cx="4070333" cy="4900612"/>
+          </a:xfrm>
+        </p:spPr>
+      </p:pic>
+      <p:sp>
+        <p:nvSpPr>
+          <p:cNvPr id="5" name="Right Arrow 4"/>
+          <p:cNvSpPr/>
+          <p:nvPr/>
+        </p:nvSpPr>
+        <p:spPr>
+          <a:xfrm>
+            <a:off x="5310259" y="4032028"/>
+            <a:ext cx="978408" cy="484632"/>
+          </a:xfrm>
+          <a:prstGeom prst="rightArrow">
+            <a:avLst/>
+          </a:prstGeom>
+        </p:spPr>
+        <p:style>
+          <a:lnRef idx="2">
+            <a:schemeClr val="accent1">
+              <a:shade val="50000"/>
+            </a:schemeClr>
+          </a:lnRef>
+          <a:fillRef idx="1">
+            <a:schemeClr val="accent1"/>
+          </a:fillRef>
+          <a:effectRef idx="0">
+            <a:schemeClr val="accent1"/>
+          </a:effectRef>
+          <a:fontRef idx="minor">
+            <a:schemeClr val="lt1"/>
+          </a:fontRef>
+        </p:style>
+        <p:txBody>
+          <a:bodyPr rtlCol="0" anchor="ctr"/>
+          <a:lstStyle/>
+          <a:p>
+            <a:pPr algn="ctr"/>
+            <a:endParaRPr lang="en-US"/>
+          </a:p>
+        </p:txBody>
+      </p:sp>
+      <p:pic>
+        <p:nvPicPr>
+          <p:cNvPr id="6" name="Picture 5"/>
+          <p:cNvPicPr>
+            <a:picLocks noChangeAspect="1"/>
+          </p:cNvPicPr>
+          <p:nvPr/>
+        </p:nvPicPr>
+        <p:blipFill>
+          <a:blip r:embed="rId3">
+            <a:extLst>
+              <a:ext uri="{28A0092B-C50C-407E-A947-70E740481C1C}">
+                <a14:useLocalDpi xmlns:a14="http://schemas.microsoft.com/office/drawing/2010/main" val="0"/>
+              </a:ext>
+            </a:extLst>
+          </a:blip>
+          <a:stretch>
+            <a:fillRect/>
+          </a:stretch>
+        </p:blipFill>
+        <p:spPr>
+          <a:xfrm>
+            <a:off x="7026926" y="1597248"/>
+            <a:ext cx="5165073" cy="4633912"/>
+          </a:xfrm>
+          <a:prstGeom prst="rect">
+            <a:avLst/>
+          </a:prstGeom>
+        </p:spPr>
+      </p:pic>
+      <p:sp>
+        <p:nvSpPr>
+          <p:cNvPr id="7" name="TextBox 6"/>
+          <p:cNvSpPr txBox="1"/>
+          <p:nvPr/>
+        </p:nvSpPr>
+        <p:spPr>
+          <a:xfrm>
+            <a:off x="9086850" y="6369844"/>
+            <a:ext cx="2266950" cy="369332"/>
+          </a:xfrm>
+          <a:prstGeom prst="rect">
+            <a:avLst/>
+          </a:prstGeom>
+          <a:noFill/>
+        </p:spPr>
+        <p:txBody>
+          <a:bodyPr wrap="square" rtlCol="0">
+            <a:spAutoFit/>
+          </a:bodyPr>
+          <a:lstStyle/>
+          <a:p>
             <a:r>
               <a:rPr lang="en-US" dirty="0" smtClean="0"/>
-              <a:t>Chandler figure here</a:t>
+              <a:t>[</a:t>
+            </a:r>
+            <a:r>
+              <a:rPr lang="en-US" i="1" dirty="0" smtClean="0"/>
+              <a:t>Chandler et al.</a:t>
+            </a:r>
+            <a:r>
+              <a:rPr lang="en-US" dirty="0" smtClean="0"/>
+              <a:t>, 2016]</a:t>
             </a:r>
             <a:endParaRPr lang="en-US" dirty="0"/>
           </a:p>
@@ -3927,6 +5895,13 @@
   <p:clrMapOvr>
     <a:masterClrMapping/>
   </p:clrMapOvr>
+  <p:timing>
+    <p:tnLst>
+      <p:par>
+        <p:cTn id="1" dur="indefinite" restart="never" nodeType="tmRoot"/>
+      </p:par>
+    </p:tnLst>
+  </p:timing>
 </p:sld>
 </file>
 
@@ -3947,6 +5922,35 @@
           <a:chExt cx="0" cy="0"/>
         </a:xfrm>
       </p:grpSpPr>
+      <p:pic>
+        <p:nvPicPr>
+          <p:cNvPr id="4" name="Content Placeholder 3"/>
+          <p:cNvPicPr>
+            <a:picLocks noGrp="1" noChangeAspect="1"/>
+          </p:cNvPicPr>
+          <p:nvPr>
+            <p:ph idx="1"/>
+          </p:nvPr>
+        </p:nvPicPr>
+        <p:blipFill>
+          <a:blip r:embed="rId3">
+            <a:extLst>
+              <a:ext uri="{28A0092B-C50C-407E-A947-70E740481C1C}">
+                <a14:useLocalDpi xmlns:a14="http://schemas.microsoft.com/office/drawing/2010/main" val="0"/>
+              </a:ext>
+            </a:extLst>
+          </a:blip>
+          <a:stretch>
+            <a:fillRect/>
+          </a:stretch>
+        </p:blipFill>
+        <p:spPr>
+          <a:xfrm>
+            <a:off x="5245815" y="669702"/>
+            <a:ext cx="5980165" cy="6073932"/>
+          </a:xfrm>
+        </p:spPr>
+      </p:pic>
       <p:sp>
         <p:nvSpPr>
           <p:cNvPr id="2" name="Title 1"/>
@@ -3959,40 +5963,96 @@
         </p:nvSpPr>
         <p:spPr/>
         <p:txBody>
-          <a:bodyPr/>
-          <a:lstStyle/>
-          <a:p>
-            <a:r>
-              <a:rPr lang="en-US" dirty="0" smtClean="0"/>
-              <a:t>DCEW Study Site</a:t>
-            </a:r>
-            <a:endParaRPr lang="en-US" dirty="0"/>
-          </a:p>
-        </p:txBody>
-      </p:sp>
-      <p:sp>
-        <p:nvSpPr>
-          <p:cNvPr id="3" name="Content Placeholder 2"/>
-          <p:cNvSpPr>
-            <a:spLocks noGrp="1"/>
-          </p:cNvSpPr>
-          <p:nvPr>
-            <p:ph idx="1"/>
-          </p:nvPr>
-        </p:nvSpPr>
-        <p:spPr/>
-        <p:txBody>
-          <a:bodyPr/>
-          <a:lstStyle/>
-          <a:p>
-            <a:pPr marL="0" indent="0">
-              <a:buNone/>
+          <a:bodyPr>
+            <a:normAutofit/>
+          </a:bodyPr>
+          <a:lstStyle/>
+          <a:p>
+            <a:r>
+              <a:rPr lang="en-US" sz="3600" dirty="0" smtClean="0"/>
+              <a:t>DCEW Study </a:t>
+            </a:r>
+            <a:r>
+              <a:rPr lang="en-US" sz="3600" dirty="0" smtClean="0"/>
+              <a:t>Site and Instrumentation</a:t>
+            </a:r>
+            <a:endParaRPr lang="en-US" sz="3600" dirty="0"/>
+          </a:p>
+        </p:txBody>
+      </p:sp>
+      <p:sp>
+        <p:nvSpPr>
+          <p:cNvPr id="5" name="TextBox 4"/>
+          <p:cNvSpPr txBox="1"/>
+          <p:nvPr/>
+        </p:nvSpPr>
+        <p:spPr>
+          <a:xfrm>
+            <a:off x="838200" y="1690688"/>
+            <a:ext cx="5048250" cy="3416320"/>
+          </a:xfrm>
+          <a:prstGeom prst="rect">
+            <a:avLst/>
+          </a:prstGeom>
+          <a:noFill/>
+        </p:spPr>
+        <p:txBody>
+          <a:bodyPr wrap="square" rtlCol="0">
+            <a:spAutoFit/>
+          </a:bodyPr>
+          <a:lstStyle/>
+          <a:p>
+            <a:r>
+              <a:rPr lang="en-US" sz="2400" dirty="0" smtClean="0"/>
+              <a:t>Data Con 1 East Soil Profile:</a:t>
+            </a:r>
+          </a:p>
+          <a:p>
+            <a:endParaRPr lang="en-US" sz="2400" dirty="0"/>
+          </a:p>
+          <a:p>
+            <a:pPr marL="285750" indent="-285750">
+              <a:buFont typeface="Arial" panose="020B0604020202020204" pitchFamily="34" charset="0"/>
+              <a:buChar char="•"/>
             </a:pPr>
             <a:r>
-              <a:rPr lang="en-US" dirty="0" smtClean="0"/>
-              <a:t>Map here</a:t>
-            </a:r>
-            <a:endParaRPr lang="en-US" dirty="0"/>
+              <a:rPr lang="en-US" sz="2400" dirty="0" smtClean="0"/>
+              <a:t>5 moisture sensors (also measure temperature)</a:t>
+            </a:r>
+          </a:p>
+          <a:p>
+            <a:pPr marL="285750" indent="-285750">
+              <a:buFont typeface="Arial" panose="020B0604020202020204" pitchFamily="34" charset="0"/>
+              <a:buChar char="•"/>
+            </a:pPr>
+            <a:endParaRPr lang="en-US" sz="2400" dirty="0" smtClean="0"/>
+          </a:p>
+          <a:p>
+            <a:pPr marL="285750" indent="-285750">
+              <a:buFont typeface="Arial" panose="020B0604020202020204" pitchFamily="34" charset="0"/>
+              <a:buChar char="•"/>
+            </a:pPr>
+            <a:r>
+              <a:rPr lang="en-US" sz="2400" dirty="0" smtClean="0"/>
+              <a:t>4 matric potential sensors</a:t>
+            </a:r>
+          </a:p>
+          <a:p>
+            <a:pPr marL="285750" indent="-285750">
+              <a:buFont typeface="Arial" panose="020B0604020202020204" pitchFamily="34" charset="0"/>
+              <a:buChar char="•"/>
+            </a:pPr>
+            <a:endParaRPr lang="en-US" sz="2400" dirty="0"/>
+          </a:p>
+          <a:p>
+            <a:pPr marL="285750" indent="-285750">
+              <a:buFont typeface="Arial" panose="020B0604020202020204" pitchFamily="34" charset="0"/>
+              <a:buChar char="•"/>
+            </a:pPr>
+            <a:r>
+              <a:rPr lang="en-US" sz="2400" dirty="0" smtClean="0"/>
+              <a:t>Measurements collected every 15 minutes from 5/12/16 to 9/30/2016</a:t>
+            </a:r>
           </a:p>
         </p:txBody>
       </p:sp>
@@ -4006,6 +6066,13 @@
   <p:clrMapOvr>
     <a:masterClrMapping/>
   </p:clrMapOvr>
+  <p:timing>
+    <p:tnLst>
+      <p:par>
+        <p:cTn id="1" dur="indefinite" restart="never" nodeType="tmRoot"/>
+      </p:par>
+    </p:tnLst>
+  </p:timing>
 </p:sld>
 </file>
 
@@ -4043,59 +6110,104 @@
           <a:p>
             <a:r>
               <a:rPr lang="en-US" dirty="0" smtClean="0"/>
-              <a:t>Raw data: VWC</a:t>
+              <a:t>Workflow Chart</a:t>
             </a:r>
             <a:endParaRPr lang="en-US" dirty="0"/>
           </a:p>
         </p:txBody>
       </p:sp>
-      <p:sp>
-        <p:nvSpPr>
-          <p:cNvPr id="3" name="Content Placeholder 2"/>
-          <p:cNvSpPr>
-            <a:spLocks noGrp="1"/>
-          </p:cNvSpPr>
+      <p:pic>
+        <p:nvPicPr>
+          <p:cNvPr id="4" name="Content Placeholder 3"/>
+          <p:cNvPicPr>
+            <a:picLocks noGrp="1" noChangeAspect="1"/>
+          </p:cNvPicPr>
           <p:nvPr>
             <p:ph idx="1"/>
           </p:nvPr>
-        </p:nvSpPr>
-        <p:spPr/>
-        <p:txBody>
-          <a:bodyPr/>
-          <a:lstStyle/>
-          <a:p>
-            <a:r>
-              <a:rPr lang="en-US" dirty="0" smtClean="0"/>
-              <a:t>Point out issues</a:t>
-            </a:r>
-          </a:p>
-          <a:p>
-            <a:pPr lvl="1"/>
-            <a:r>
-              <a:rPr lang="en-US" dirty="0" smtClean="0"/>
-              <a:t>Spikes</a:t>
-            </a:r>
-          </a:p>
-          <a:p>
-            <a:pPr lvl="1"/>
-            <a:r>
-              <a:rPr lang="en-US" dirty="0" smtClean="0"/>
-              <a:t>Temperature influence</a:t>
-            </a:r>
-            <a:endParaRPr lang="en-US" dirty="0"/>
+        </p:nvPicPr>
+        <p:blipFill>
+          <a:blip r:embed="rId3">
+            <a:extLst>
+              <a:ext uri="{28A0092B-C50C-407E-A947-70E740481C1C}">
+                <a14:useLocalDpi xmlns:a14="http://schemas.microsoft.com/office/drawing/2010/main" val="0"/>
+              </a:ext>
+            </a:extLst>
+          </a:blip>
+          <a:stretch>
+            <a:fillRect/>
+          </a:stretch>
+        </p:blipFill>
+        <p:spPr>
+          <a:xfrm>
+            <a:off x="156936" y="1690688"/>
+            <a:ext cx="11878127" cy="4822395"/>
+          </a:xfrm>
+        </p:spPr>
+      </p:pic>
+      <p:sp>
+        <p:nvSpPr>
+          <p:cNvPr id="5" name="Rectangle 4"/>
+          <p:cNvSpPr/>
+          <p:nvPr/>
+        </p:nvSpPr>
+        <p:spPr>
+          <a:xfrm>
+            <a:off x="4210050" y="1981200"/>
+            <a:ext cx="3562350" cy="1409700"/>
+          </a:xfrm>
+          <a:prstGeom prst="rect">
+            <a:avLst/>
+          </a:prstGeom>
+          <a:noFill/>
+          <a:ln w="57150">
+            <a:solidFill>
+              <a:schemeClr val="accent2"/>
+            </a:solidFill>
+          </a:ln>
+        </p:spPr>
+        <p:style>
+          <a:lnRef idx="2">
+            <a:schemeClr val="accent1">
+              <a:shade val="50000"/>
+            </a:schemeClr>
+          </a:lnRef>
+          <a:fillRef idx="1">
+            <a:schemeClr val="accent1"/>
+          </a:fillRef>
+          <a:effectRef idx="0">
+            <a:schemeClr val="accent1"/>
+          </a:effectRef>
+          <a:fontRef idx="minor">
+            <a:schemeClr val="lt1"/>
+          </a:fontRef>
+        </p:style>
+        <p:txBody>
+          <a:bodyPr rtlCol="0" anchor="ctr"/>
+          <a:lstStyle/>
+          <a:p>
+            <a:pPr algn="ctr"/>
+            <a:endParaRPr lang="en-US"/>
           </a:p>
         </p:txBody>
       </p:sp>
     </p:spTree>
     <p:extLst>
       <p:ext uri="{BB962C8B-B14F-4D97-AF65-F5344CB8AC3E}">
-        <p14:creationId xmlns:p14="http://schemas.microsoft.com/office/powerpoint/2010/main" val="1623785779"/>
+        <p14:creationId xmlns:p14="http://schemas.microsoft.com/office/powerpoint/2010/main" val="1026253179"/>
       </p:ext>
     </p:extLst>
   </p:cSld>
   <p:clrMapOvr>
     <a:masterClrMapping/>
   </p:clrMapOvr>
+  <p:timing>
+    <p:tnLst>
+      <p:par>
+        <p:cTn id="1" dur="indefinite" restart="never" nodeType="tmRoot"/>
+      </p:par>
+    </p:tnLst>
+  </p:timing>
 </p:sld>
 </file>
 
@@ -4116,6 +6228,35 @@
           <a:chExt cx="0" cy="0"/>
         </a:xfrm>
       </p:grpSpPr>
+      <p:pic>
+        <p:nvPicPr>
+          <p:cNvPr id="7" name="Content Placeholder 6"/>
+          <p:cNvPicPr>
+            <a:picLocks noGrp="1" noChangeAspect="1"/>
+          </p:cNvPicPr>
+          <p:nvPr>
+            <p:ph idx="1"/>
+          </p:nvPr>
+        </p:nvPicPr>
+        <p:blipFill>
+          <a:blip r:embed="rId2">
+            <a:extLst>
+              <a:ext uri="{28A0092B-C50C-407E-A947-70E740481C1C}">
+                <a14:useLocalDpi xmlns:a14="http://schemas.microsoft.com/office/drawing/2010/main" val="0"/>
+              </a:ext>
+            </a:extLst>
+          </a:blip>
+          <a:stretch>
+            <a:fillRect/>
+          </a:stretch>
+        </p:blipFill>
+        <p:spPr>
+          <a:xfrm>
+            <a:off x="5042958" y="1224259"/>
+            <a:ext cx="7605580" cy="5704185"/>
+          </a:xfrm>
+        </p:spPr>
+      </p:pic>
       <p:sp>
         <p:nvSpPr>
           <p:cNvPr id="2" name="Title 1"/>
@@ -4133,7 +6274,23 @@
           <a:p>
             <a:r>
               <a:rPr lang="en-US" dirty="0" smtClean="0"/>
-              <a:t>Raw data: Tension</a:t>
+              <a:t>Raw soil </a:t>
+            </a:r>
+            <a:r>
+              <a:rPr lang="en-US" dirty="0"/>
+              <a:t>t</a:t>
+            </a:r>
+            <a:r>
+              <a:rPr lang="en-US" dirty="0" smtClean="0"/>
+              <a:t>emperature </a:t>
+            </a:r>
+            <a:r>
+              <a:rPr lang="en-US" dirty="0"/>
+              <a:t>d</a:t>
+            </a:r>
+            <a:r>
+              <a:rPr lang="en-US" dirty="0" smtClean="0"/>
+              <a:t>ata</a:t>
             </a:r>
             <a:endParaRPr lang="en-US" dirty="0"/>
           </a:p>
@@ -4141,58 +6298,72 @@
       </p:sp>
       <p:sp>
         <p:nvSpPr>
-          <p:cNvPr id="3" name="Content Placeholder 2"/>
-          <p:cNvSpPr>
-            <a:spLocks noGrp="1"/>
-          </p:cNvSpPr>
-          <p:nvPr>
-            <p:ph idx="1"/>
-          </p:nvPr>
-        </p:nvSpPr>
-        <p:spPr/>
-        <p:txBody>
-          <a:bodyPr/>
-          <a:lstStyle/>
-          <a:p>
-            <a:r>
-              <a:rPr lang="en-US" dirty="0" smtClean="0"/>
-              <a:t>Issues</a:t>
-            </a:r>
-          </a:p>
-          <a:p>
-            <a:pPr lvl="1"/>
-            <a:r>
-              <a:rPr lang="en-US" dirty="0" smtClean="0"/>
-              <a:t>Spikes</a:t>
-            </a:r>
-          </a:p>
-          <a:p>
-            <a:pPr lvl="1"/>
-            <a:r>
-              <a:rPr lang="en-US" dirty="0" smtClean="0"/>
-              <a:t>Gaps</a:t>
-            </a:r>
-          </a:p>
-          <a:p>
-            <a:pPr lvl="1"/>
-            <a:r>
-              <a:rPr lang="en-US" dirty="0" smtClean="0"/>
-              <a:t>Temp dependence</a:t>
-            </a:r>
-            <a:endParaRPr lang="en-US" dirty="0"/>
+          <p:cNvPr id="5" name="TextBox 4"/>
+          <p:cNvSpPr txBox="1"/>
+          <p:nvPr/>
+        </p:nvSpPr>
+        <p:spPr>
+          <a:xfrm>
+            <a:off x="838200" y="3155404"/>
+            <a:ext cx="3981450" cy="2492990"/>
+          </a:xfrm>
+          <a:prstGeom prst="rect">
+            <a:avLst/>
+          </a:prstGeom>
+          <a:noFill/>
+        </p:spPr>
+        <p:txBody>
+          <a:bodyPr wrap="square" rtlCol="0">
+            <a:spAutoFit/>
+          </a:bodyPr>
+          <a:lstStyle/>
+          <a:p>
+            <a:r>
+              <a:rPr lang="en-US" sz="2800" b="1" dirty="0" smtClean="0"/>
+              <a:t>Issues:</a:t>
+            </a:r>
+          </a:p>
+          <a:p>
+            <a:endParaRPr lang="en-US" sz="2800" dirty="0" smtClean="0"/>
+          </a:p>
+          <a:p>
+            <a:pPr marL="285750" indent="-285750">
+              <a:buFont typeface="Arial" panose="020B0604020202020204" pitchFamily="34" charset="0"/>
+              <a:buChar char="•"/>
+            </a:pPr>
+            <a:r>
+              <a:rPr lang="en-US" sz="2800" dirty="0" smtClean="0"/>
+              <a:t>Data gap in early June</a:t>
+            </a:r>
+          </a:p>
+          <a:p>
+            <a:endParaRPr lang="en-US" sz="2400" b="1" dirty="0" smtClean="0"/>
+          </a:p>
+          <a:p>
+            <a:endParaRPr lang="en-US" sz="2400" b="1" dirty="0"/>
+          </a:p>
+          <a:p>
+            <a:endParaRPr lang="en-US" sz="2400" b="1" dirty="0"/>
           </a:p>
         </p:txBody>
       </p:sp>
     </p:spTree>
     <p:extLst>
       <p:ext uri="{BB962C8B-B14F-4D97-AF65-F5344CB8AC3E}">
-        <p14:creationId xmlns:p14="http://schemas.microsoft.com/office/powerpoint/2010/main" val="2195529620"/>
+        <p14:creationId xmlns:p14="http://schemas.microsoft.com/office/powerpoint/2010/main" val="1671755275"/>
       </p:ext>
     </p:extLst>
   </p:cSld>
   <p:clrMapOvr>
     <a:masterClrMapping/>
   </p:clrMapOvr>
+  <p:timing>
+    <p:tnLst>
+      <p:par>
+        <p:cTn id="1" dur="indefinite" restart="never" nodeType="tmRoot"/>
+      </p:par>
+    </p:tnLst>
+  </p:timing>
 </p:sld>
 </file>
 
@@ -4213,6 +6384,35 @@
           <a:chExt cx="0" cy="0"/>
         </a:xfrm>
       </p:grpSpPr>
+      <p:pic>
+        <p:nvPicPr>
+          <p:cNvPr id="7" name="Content Placeholder 6"/>
+          <p:cNvPicPr>
+            <a:picLocks noGrp="1" noChangeAspect="1"/>
+          </p:cNvPicPr>
+          <p:nvPr>
+            <p:ph idx="1"/>
+          </p:nvPr>
+        </p:nvPicPr>
+        <p:blipFill>
+          <a:blip r:embed="rId3">
+            <a:extLst>
+              <a:ext uri="{28A0092B-C50C-407E-A947-70E740481C1C}">
+                <a14:useLocalDpi xmlns:a14="http://schemas.microsoft.com/office/drawing/2010/main" val="0"/>
+              </a:ext>
+            </a:extLst>
+          </a:blip>
+          <a:stretch>
+            <a:fillRect/>
+          </a:stretch>
+        </p:blipFill>
+        <p:spPr>
+          <a:xfrm>
+            <a:off x="-1" y="1185090"/>
+            <a:ext cx="7386079" cy="5539559"/>
+          </a:xfrm>
+        </p:spPr>
+      </p:pic>
       <p:sp>
         <p:nvSpPr>
           <p:cNvPr id="2" name="Title 1"/>
@@ -4230,51 +6430,59 @@
           <a:p>
             <a:r>
               <a:rPr lang="en-US" dirty="0" smtClean="0"/>
-              <a:t>Spikes removed from tension data</a:t>
+              <a:t>Processed soil temperature time series</a:t>
             </a:r>
             <a:endParaRPr lang="en-US" dirty="0"/>
           </a:p>
         </p:txBody>
       </p:sp>
-      <p:sp>
-        <p:nvSpPr>
-          <p:cNvPr id="3" name="Content Placeholder 2"/>
-          <p:cNvSpPr>
-            <a:spLocks noGrp="1"/>
-          </p:cNvSpPr>
-          <p:nvPr>
-            <p:ph idx="1"/>
-          </p:nvPr>
-        </p:nvSpPr>
-        <p:spPr/>
-        <p:txBody>
-          <a:bodyPr/>
-          <a:lstStyle/>
-          <a:p>
-            <a:r>
-              <a:rPr lang="en-US" dirty="0" smtClean="0"/>
-              <a:t>Updated tension fig here</a:t>
-            </a:r>
-          </a:p>
-          <a:p>
-            <a:r>
-              <a:rPr lang="en-US" dirty="0" smtClean="0"/>
-              <a:t>Show code</a:t>
-            </a:r>
-            <a:endParaRPr lang="en-US" dirty="0"/>
-          </a:p>
-        </p:txBody>
-      </p:sp>
+      <p:pic>
+        <p:nvPicPr>
+          <p:cNvPr id="5" name="Picture 4"/>
+          <p:cNvPicPr>
+            <a:picLocks noChangeAspect="1"/>
+          </p:cNvPicPr>
+          <p:nvPr/>
+        </p:nvPicPr>
+        <p:blipFill>
+          <a:blip r:embed="rId4">
+            <a:extLst>
+              <a:ext uri="{28A0092B-C50C-407E-A947-70E740481C1C}">
+                <a14:useLocalDpi xmlns:a14="http://schemas.microsoft.com/office/drawing/2010/main" val="0"/>
+              </a:ext>
+            </a:extLst>
+          </a:blip>
+          <a:stretch>
+            <a:fillRect/>
+          </a:stretch>
+        </p:blipFill>
+        <p:spPr>
+          <a:xfrm>
+            <a:off x="6838950" y="3360760"/>
+            <a:ext cx="5353050" cy="1230290"/>
+          </a:xfrm>
+          <a:prstGeom prst="rect">
+            <a:avLst/>
+          </a:prstGeom>
+        </p:spPr>
+      </p:pic>
     </p:spTree>
     <p:extLst>
       <p:ext uri="{BB962C8B-B14F-4D97-AF65-F5344CB8AC3E}">
-        <p14:creationId xmlns:p14="http://schemas.microsoft.com/office/powerpoint/2010/main" val="2687111241"/>
+        <p14:creationId xmlns:p14="http://schemas.microsoft.com/office/powerpoint/2010/main" val="2750185905"/>
       </p:ext>
     </p:extLst>
   </p:cSld>
   <p:clrMapOvr>
     <a:masterClrMapping/>
   </p:clrMapOvr>
+  <p:timing>
+    <p:tnLst>
+      <p:par>
+        <p:cTn id="1" dur="indefinite" restart="never" nodeType="tmRoot"/>
+      </p:par>
+    </p:tnLst>
+  </p:timing>
 </p:sld>
 </file>
 
@@ -4295,6 +6503,36 @@
           <a:chExt cx="0" cy="0"/>
         </a:xfrm>
       </p:grpSpPr>
+      <p:pic>
+        <p:nvPicPr>
+          <p:cNvPr id="5" name="Picture 4"/>
+          <p:cNvPicPr>
+            <a:picLocks noChangeAspect="1"/>
+          </p:cNvPicPr>
+          <p:nvPr/>
+        </p:nvPicPr>
+        <p:blipFill>
+          <a:blip r:embed="rId2">
+            <a:extLst>
+              <a:ext uri="{28A0092B-C50C-407E-A947-70E740481C1C}">
+                <a14:useLocalDpi xmlns:a14="http://schemas.microsoft.com/office/drawing/2010/main" val="0"/>
+              </a:ext>
+            </a:extLst>
+          </a:blip>
+          <a:stretch>
+            <a:fillRect/>
+          </a:stretch>
+        </p:blipFill>
+        <p:spPr>
+          <a:xfrm>
+            <a:off x="4419903" y="1028928"/>
+            <a:ext cx="8000697" cy="5829072"/>
+          </a:xfrm>
+          <a:prstGeom prst="rect">
+            <a:avLst/>
+          </a:prstGeom>
+        </p:spPr>
+      </p:pic>
       <p:sp>
         <p:nvSpPr>
           <p:cNvPr id="2" name="Title 1"/>
@@ -4310,6 +6548,26 @@
           <a:bodyPr/>
           <a:lstStyle/>
           <a:p>
+            <a:r>
+              <a:rPr lang="en-US" dirty="0" smtClean="0"/>
+              <a:t>Raw matric </a:t>
+            </a:r>
+            <a:r>
+              <a:rPr lang="en-US" dirty="0"/>
+              <a:t>p</a:t>
+            </a:r>
+            <a:r>
+              <a:rPr lang="en-US" dirty="0" smtClean="0"/>
+              <a:t>otential </a:t>
+            </a:r>
+            <a:r>
+              <a:rPr lang="en-US" dirty="0"/>
+              <a:t>d</a:t>
+            </a:r>
+            <a:r>
+              <a:rPr lang="en-US" dirty="0" smtClean="0"/>
+              <a:t>ata</a:t>
+            </a:r>
             <a:endParaRPr lang="en-US" dirty="0"/>
           </a:p>
         </p:txBody>
@@ -4324,7 +6582,12 @@
             <p:ph idx="1"/>
           </p:nvPr>
         </p:nvSpPr>
-        <p:spPr/>
+        <p:spPr>
+          <a:xfrm>
+            <a:off x="419100" y="1844675"/>
+            <a:ext cx="3600450" cy="4351338"/>
+          </a:xfrm>
+        </p:spPr>
         <p:txBody>
           <a:bodyPr/>
           <a:lstStyle/>
@@ -4333,21 +6596,51 @@
               <a:buNone/>
             </a:pPr>
             <a:r>
-              <a:rPr lang="en-US" dirty="0" err="1" smtClean="0"/>
-              <a:t>Closeup</a:t>
-            </a:r>
+              <a:rPr lang="en-US" b="1" dirty="0" smtClean="0"/>
+              <a:t>Issues</a:t>
+            </a:r>
+          </a:p>
+          <a:p>
+            <a:pPr marL="457200" lvl="1" indent="0">
+              <a:buNone/>
+            </a:pPr>
+            <a:endParaRPr lang="en-US" dirty="0" smtClean="0"/>
+          </a:p>
+          <a:p>
+            <a:pPr lvl="1"/>
             <a:r>
               <a:rPr lang="en-US" dirty="0" smtClean="0"/>
-              <a:t> of moisture fluctuations from deeper sensor</a:t>
-            </a:r>
-          </a:p>
-          <a:p>
-            <a:pPr marL="0" indent="0">
+              <a:t>S</a:t>
+            </a:r>
+            <a:r>
+              <a:rPr lang="en-US" dirty="0" smtClean="0"/>
+              <a:t>pikes and dropouts</a:t>
+            </a:r>
+          </a:p>
+          <a:p>
+            <a:pPr marL="457200" lvl="1" indent="0">
               <a:buNone/>
             </a:pPr>
+            <a:endParaRPr lang="en-US" dirty="0" smtClean="0"/>
+          </a:p>
+          <a:p>
+            <a:pPr lvl="1"/>
             <a:r>
               <a:rPr lang="en-US" dirty="0" smtClean="0"/>
-              <a:t>How can we be sure cycle is truly daily issue&gt;?</a:t>
+              <a:t>Data gap in early June</a:t>
+            </a:r>
+          </a:p>
+          <a:p>
+            <a:pPr marL="457200" lvl="1" indent="0">
+              <a:buNone/>
+            </a:pPr>
+            <a:endParaRPr lang="en-US" dirty="0" smtClean="0"/>
+          </a:p>
+          <a:p>
+            <a:pPr lvl="1"/>
+            <a:r>
+              <a:rPr lang="en-US" dirty="0" smtClean="0"/>
+              <a:t> Diurnal fluctuations</a:t>
             </a:r>
             <a:endParaRPr lang="en-US" dirty="0"/>
           </a:p>
@@ -4356,13 +6649,20 @@
     </p:spTree>
     <p:extLst>
       <p:ext uri="{BB962C8B-B14F-4D97-AF65-F5344CB8AC3E}">
-        <p14:creationId xmlns:p14="http://schemas.microsoft.com/office/powerpoint/2010/main" val="945654297"/>
+        <p14:creationId xmlns:p14="http://schemas.microsoft.com/office/powerpoint/2010/main" val="2195529620"/>
       </p:ext>
     </p:extLst>
   </p:cSld>
   <p:clrMapOvr>
     <a:masterClrMapping/>
   </p:clrMapOvr>
+  <p:timing>
+    <p:tnLst>
+      <p:par>
+        <p:cTn id="1" dur="indefinite" restart="never" nodeType="tmRoot"/>
+      </p:par>
+    </p:tnLst>
+  </p:timing>
 </p:sld>
 </file>
 
@@ -4625,4 +6925,265 @@
     </a:ext>
   </a:extLst>
 </a:theme>
+</file>
+
+<file path=ppt/theme/theme2.xml><?xml version="1.0" encoding="utf-8"?>
+<a:theme xmlns:a="http://schemas.openxmlformats.org/drawingml/2006/main" name="Office Theme">
+  <a:themeElements>
+    <a:clrScheme name="Office">
+      <a:dk1>
+        <a:sysClr val="windowText" lastClr="000000"/>
+      </a:dk1>
+      <a:lt1>
+        <a:sysClr val="window" lastClr="FFFFFF"/>
+      </a:lt1>
+      <a:dk2>
+        <a:srgbClr val="44546A"/>
+      </a:dk2>
+      <a:lt2>
+        <a:srgbClr val="E7E6E6"/>
+      </a:lt2>
+      <a:accent1>
+        <a:srgbClr val="5B9BD5"/>
+      </a:accent1>
+      <a:accent2>
+        <a:srgbClr val="ED7D31"/>
+      </a:accent2>
+      <a:accent3>
+        <a:srgbClr val="A5A5A5"/>
+      </a:accent3>
+      <a:accent4>
+        <a:srgbClr val="FFC000"/>
+      </a:accent4>
+      <a:accent5>
+        <a:srgbClr val="4472C4"/>
+      </a:accent5>
+      <a:accent6>
+        <a:srgbClr val="70AD47"/>
+      </a:accent6>
+      <a:hlink>
+        <a:srgbClr val="0563C1"/>
+      </a:hlink>
+      <a:folHlink>
+        <a:srgbClr val="954F72"/>
+      </a:folHlink>
+    </a:clrScheme>
+    <a:fontScheme name="Office">
+      <a:majorFont>
+        <a:latin typeface="Calibri Light" panose="020F0302020204030204"/>
+        <a:ea typeface=""/>
+        <a:cs typeface=""/>
+        <a:font script="Jpan" typeface="ＭＳ Ｐゴシック"/>
+        <a:font script="Hang" typeface="맑은 고딕"/>
+        <a:font script="Hans" typeface="宋体"/>
+        <a:font script="Hant" typeface="新細明體"/>
+        <a:font script="Arab" typeface="Times New Roman"/>
+        <a:font script="Hebr" typeface="Times New Roman"/>
+        <a:font script="Thai" typeface="Angsana New"/>
+        <a:font script="Ethi" typeface="Nyala"/>
+        <a:font script="Beng" typeface="Vrinda"/>
+        <a:font script="Gujr" typeface="Shruti"/>
+        <a:font script="Khmr" typeface="MoolBoran"/>
+        <a:font script="Knda" typeface="Tunga"/>
+        <a:font script="Guru" typeface="Raavi"/>
+        <a:font script="Cans" typeface="Euphemia"/>
+        <a:font script="Cher" typeface="Plantagenet Cherokee"/>
+        <a:font script="Yiii" typeface="Microsoft Yi Baiti"/>
+        <a:font script="Tibt" typeface="Microsoft Himalaya"/>
+        <a:font script="Thaa" typeface="MV Boli"/>
+        <a:font script="Deva" typeface="Mangal"/>
+        <a:font script="Telu" typeface="Gautami"/>
+        <a:font script="Taml" typeface="Latha"/>
+        <a:font script="Syrc" typeface="Estrangelo Edessa"/>
+        <a:font script="Orya" typeface="Kalinga"/>
+        <a:font script="Mlym" typeface="Kartika"/>
+        <a:font script="Laoo" typeface="DokChampa"/>
+        <a:font script="Sinh" typeface="Iskoola Pota"/>
+        <a:font script="Mong" typeface="Mongolian Baiti"/>
+        <a:font script="Viet" typeface="Times New Roman"/>
+        <a:font script="Uigh" typeface="Microsoft Uighur"/>
+        <a:font script="Geor" typeface="Sylfaen"/>
+      </a:majorFont>
+      <a:minorFont>
+        <a:latin typeface="Calibri" panose="020F0502020204030204"/>
+        <a:ea typeface=""/>
+        <a:cs typeface=""/>
+        <a:font script="Jpan" typeface="ＭＳ Ｐゴシック"/>
+        <a:font script="Hang" typeface="맑은 고딕"/>
+        <a:font script="Hans" typeface="宋体"/>
+        <a:font script="Hant" typeface="新細明體"/>
+        <a:font script="Arab" typeface="Arial"/>
+        <a:font script="Hebr" typeface="Arial"/>
+        <a:font script="Thai" typeface="Cordia New"/>
+        <a:font script="Ethi" typeface="Nyala"/>
+        <a:font script="Beng" typeface="Vrinda"/>
+        <a:font script="Gujr" typeface="Shruti"/>
+        <a:font script="Khmr" typeface="DaunPenh"/>
+        <a:font script="Knda" typeface="Tunga"/>
+        <a:font script="Guru" typeface="Raavi"/>
+        <a:font script="Cans" typeface="Euphemia"/>
+        <a:font script="Cher" typeface="Plantagenet Cherokee"/>
+        <a:font script="Yiii" typeface="Microsoft Yi Baiti"/>
+        <a:font script="Tibt" typeface="Microsoft Himalaya"/>
+        <a:font script="Thaa" typeface="MV Boli"/>
+        <a:font script="Deva" typeface="Mangal"/>
+        <a:font script="Telu" typeface="Gautami"/>
+        <a:font script="Taml" typeface="Latha"/>
+        <a:font script="Syrc" typeface="Estrangelo Edessa"/>
+        <a:font script="Orya" typeface="Kalinga"/>
+        <a:font script="Mlym" typeface="Kartika"/>
+        <a:font script="Laoo" typeface="DokChampa"/>
+        <a:font script="Sinh" typeface="Iskoola Pota"/>
+        <a:font script="Mong" typeface="Mongolian Baiti"/>
+        <a:font script="Viet" typeface="Arial"/>
+        <a:font script="Uigh" typeface="Microsoft Uighur"/>
+        <a:font script="Geor" typeface="Sylfaen"/>
+      </a:minorFont>
+    </a:fontScheme>
+    <a:fmtScheme name="Office">
+      <a:fillStyleLst>
+        <a:solidFill>
+          <a:schemeClr val="phClr"/>
+        </a:solidFill>
+        <a:gradFill rotWithShape="1">
+          <a:gsLst>
+            <a:gs pos="0">
+              <a:schemeClr val="phClr">
+                <a:lumMod val="110000"/>
+                <a:satMod val="105000"/>
+                <a:tint val="67000"/>
+              </a:schemeClr>
+            </a:gs>
+            <a:gs pos="50000">
+              <a:schemeClr val="phClr">
+                <a:lumMod val="105000"/>
+                <a:satMod val="103000"/>
+                <a:tint val="73000"/>
+              </a:schemeClr>
+            </a:gs>
+            <a:gs pos="100000">
+              <a:schemeClr val="phClr">
+                <a:lumMod val="105000"/>
+                <a:satMod val="109000"/>
+                <a:tint val="81000"/>
+              </a:schemeClr>
+            </a:gs>
+          </a:gsLst>
+          <a:lin ang="5400000" scaled="0"/>
+        </a:gradFill>
+        <a:gradFill rotWithShape="1">
+          <a:gsLst>
+            <a:gs pos="0">
+              <a:schemeClr val="phClr">
+                <a:satMod val="103000"/>
+                <a:lumMod val="102000"/>
+                <a:tint val="94000"/>
+              </a:schemeClr>
+            </a:gs>
+            <a:gs pos="50000">
+              <a:schemeClr val="phClr">
+                <a:satMod val="110000"/>
+                <a:lumMod val="100000"/>
+                <a:shade val="100000"/>
+              </a:schemeClr>
+            </a:gs>
+            <a:gs pos="100000">
+              <a:schemeClr val="phClr">
+                <a:lumMod val="99000"/>
+                <a:satMod val="120000"/>
+                <a:shade val="78000"/>
+              </a:schemeClr>
+            </a:gs>
+          </a:gsLst>
+          <a:lin ang="5400000" scaled="0"/>
+        </a:gradFill>
+      </a:fillStyleLst>
+      <a:lnStyleLst>
+        <a:ln w="6350" cap="flat" cmpd="sng" algn="ctr">
+          <a:solidFill>
+            <a:schemeClr val="phClr"/>
+          </a:solidFill>
+          <a:prstDash val="solid"/>
+          <a:miter lim="800000"/>
+        </a:ln>
+        <a:ln w="12700" cap="flat" cmpd="sng" algn="ctr">
+          <a:solidFill>
+            <a:schemeClr val="phClr"/>
+          </a:solidFill>
+          <a:prstDash val="solid"/>
+          <a:miter lim="800000"/>
+        </a:ln>
+        <a:ln w="19050" cap="flat" cmpd="sng" algn="ctr">
+          <a:solidFill>
+            <a:schemeClr val="phClr"/>
+          </a:solidFill>
+          <a:prstDash val="solid"/>
+          <a:miter lim="800000"/>
+        </a:ln>
+      </a:lnStyleLst>
+      <a:effectStyleLst>
+        <a:effectStyle>
+          <a:effectLst/>
+        </a:effectStyle>
+        <a:effectStyle>
+          <a:effectLst/>
+        </a:effectStyle>
+        <a:effectStyle>
+          <a:effectLst>
+            <a:outerShdw blurRad="57150" dist="19050" dir="5400000" algn="ctr" rotWithShape="0">
+              <a:srgbClr val="000000">
+                <a:alpha val="63000"/>
+              </a:srgbClr>
+            </a:outerShdw>
+          </a:effectLst>
+        </a:effectStyle>
+      </a:effectStyleLst>
+      <a:bgFillStyleLst>
+        <a:solidFill>
+          <a:schemeClr val="phClr"/>
+        </a:solidFill>
+        <a:solidFill>
+          <a:schemeClr val="phClr">
+            <a:tint val="95000"/>
+            <a:satMod val="170000"/>
+          </a:schemeClr>
+        </a:solidFill>
+        <a:gradFill rotWithShape="1">
+          <a:gsLst>
+            <a:gs pos="0">
+              <a:schemeClr val="phClr">
+                <a:tint val="93000"/>
+                <a:satMod val="150000"/>
+                <a:shade val="98000"/>
+                <a:lumMod val="102000"/>
+              </a:schemeClr>
+            </a:gs>
+            <a:gs pos="50000">
+              <a:schemeClr val="phClr">
+                <a:tint val="98000"/>
+                <a:satMod val="130000"/>
+                <a:shade val="90000"/>
+                <a:lumMod val="103000"/>
+              </a:schemeClr>
+            </a:gs>
+            <a:gs pos="100000">
+              <a:schemeClr val="phClr">
+                <a:shade val="63000"/>
+                <a:satMod val="120000"/>
+              </a:schemeClr>
+            </a:gs>
+          </a:gsLst>
+          <a:lin ang="5400000" scaled="0"/>
+        </a:gradFill>
+      </a:bgFillStyleLst>
+    </a:fmtScheme>
+  </a:themeElements>
+  <a:objectDefaults/>
+  <a:extraClrSchemeLst/>
+  <a:extLst>
+    <a:ext uri="{05A4C25C-085E-4340-85A3-A5531E510DB2}">
+      <thm15:themeFamily xmlns:thm15="http://schemas.microsoft.com/office/thememl/2012/main" name="Office Theme" id="{62F939B6-93AF-4DB8-9C6B-D6C7DFDC589F}" vid="{4A3C46E8-61CC-4603-A589-7422A47A8E4A}"/>
+    </a:ext>
+  </a:extLst>
+</a:theme>
 </file>
--- a/Homework/Final Project/GEO597_TermProject_Shuler.pptx
+++ b/Homework/Final Project/GEO597_TermProject_Shuler.pptx
@@ -226,7 +226,7 @@
           <a:p>
             <a:fld id="{FFBCAA3C-4589-42F6-819C-EA3D9ABC7358}" type="datetimeFigureOut">
               <a:rPr lang="en-US" smtClean="0"/>
-              <a:t>12/4/2016</a:t>
+              <a:t>12/5/2016</a:t>
             </a:fld>
             <a:endParaRPr lang="en-US"/>
           </a:p>
@@ -290,38 +290,37 @@
           <a:p>
             <a:pPr lvl="0"/>
             <a:r>
-              <a:rPr lang="en-US" smtClean="0"/>
+              <a:rPr lang="en-US"/>
               <a:t>Click to edit Master text styles</a:t>
             </a:r>
           </a:p>
           <a:p>
             <a:pPr lvl="1"/>
             <a:r>
-              <a:rPr lang="en-US" smtClean="0"/>
+              <a:rPr lang="en-US"/>
               <a:t>Second level</a:t>
             </a:r>
           </a:p>
           <a:p>
             <a:pPr lvl="2"/>
             <a:r>
-              <a:rPr lang="en-US" smtClean="0"/>
+              <a:rPr lang="en-US"/>
               <a:t>Third level</a:t>
             </a:r>
           </a:p>
           <a:p>
             <a:pPr lvl="3"/>
             <a:r>
-              <a:rPr lang="en-US" smtClean="0"/>
+              <a:rPr lang="en-US"/>
               <a:t>Fourth level</a:t>
             </a:r>
           </a:p>
           <a:p>
             <a:pPr lvl="4"/>
             <a:r>
-              <a:rPr lang="en-US" smtClean="0"/>
+              <a:rPr lang="en-US"/>
               <a:t>Fifth level</a:t>
             </a:r>
-            <a:endParaRPr lang="en-US"/>
           </a:p>
         </p:txBody>
       </p:sp>
@@ -539,17 +538,17 @@
           <a:lstStyle/>
           <a:p>
             <a:r>
-              <a:rPr lang="en-US" dirty="0" smtClean="0"/>
+              <a:rPr lang="en-US" dirty="0"/>
               <a:t>Precipitation falls on the landscape</a:t>
             </a:r>
             <a:r>
-              <a:rPr lang="en-US" baseline="0" dirty="0" smtClean="0"/>
+              <a:rPr lang="en-US" baseline="0" dirty="0"/>
               <a:t> and is partitioned into various fluxes</a:t>
             </a:r>
           </a:p>
           <a:p>
             <a:r>
-              <a:rPr lang="en-US" baseline="0" dirty="0" smtClean="0"/>
+              <a:rPr lang="en-US" baseline="0" dirty="0"/>
               <a:t>Soil plays crucial role in nature of these fluxes</a:t>
             </a:r>
             <a:endParaRPr lang="en-US" dirty="0"/>
@@ -641,8 +640,8 @@
               <a:buChar char="-"/>
             </a:pPr>
             <a:r>
-              <a:rPr lang="en-US" dirty="0" smtClean="0"/>
-              <a:t>Usually derived in a lab setting; usually some hysteresis</a:t>
+              <a:rPr lang="en-US" dirty="0"/>
+              <a:t>Units of each</a:t>
             </a:r>
           </a:p>
           <a:p>
@@ -651,8 +650,8 @@
               <a:buChar char="-"/>
             </a:pPr>
             <a:r>
-              <a:rPr lang="en-US" dirty="0" smtClean="0"/>
-              <a:t>Units of each</a:t>
+              <a:rPr lang="en-US" dirty="0"/>
+              <a:t>Usually derived in a lab setting; usually some hysteresis</a:t>
             </a:r>
           </a:p>
           <a:p>
@@ -661,11 +660,11 @@
               <a:buChar char="-"/>
             </a:pPr>
             <a:r>
-              <a:rPr lang="en-US" dirty="0" smtClean="0"/>
+              <a:rPr lang="en-US" dirty="0"/>
               <a:t>Briefly define</a:t>
             </a:r>
             <a:r>
-              <a:rPr lang="en-US" baseline="0" dirty="0" smtClean="0"/>
+              <a:rPr lang="en-US" baseline="0" dirty="0"/>
               <a:t> field capacity and wilting point</a:t>
             </a:r>
             <a:endParaRPr lang="en-US" dirty="0"/>
@@ -753,17 +752,17 @@
           <a:lstStyle/>
           <a:p>
             <a:r>
-              <a:rPr lang="en-US" dirty="0" smtClean="0"/>
+              <a:rPr lang="en-US" dirty="0"/>
               <a:t>Briefly explain</a:t>
             </a:r>
             <a:r>
-              <a:rPr lang="en-US" baseline="0" dirty="0" smtClean="0"/>
+              <a:rPr lang="en-US" baseline="0" dirty="0"/>
               <a:t> soil moisture sensors and matric potential sensors here</a:t>
             </a:r>
           </a:p>
           <a:p>
             <a:r>
-              <a:rPr lang="en-US" baseline="0" dirty="0" smtClean="0"/>
+              <a:rPr lang="en-US" baseline="0" dirty="0"/>
               <a:t>GET A FIELD SITE CLOSE TO THE ROAD</a:t>
             </a:r>
             <a:endParaRPr lang="en-US" dirty="0"/>
@@ -851,10 +850,9 @@
           <a:lstStyle/>
           <a:p>
             <a:r>
-              <a:rPr lang="en-US" dirty="0" smtClean="0"/>
+              <a:rPr lang="en-US" dirty="0"/>
               <a:t>Note bulk of work takes place during temperature correction</a:t>
             </a:r>
-            <a:endParaRPr lang="en-US" dirty="0"/>
           </a:p>
         </p:txBody>
       </p:sp>
@@ -939,11 +937,11 @@
           <a:lstStyle/>
           <a:p>
             <a:r>
-              <a:rPr lang="en-US" dirty="0" smtClean="0"/>
+              <a:rPr lang="en-US" dirty="0"/>
               <a:t>Good for long term trend, not for</a:t>
             </a:r>
             <a:r>
-              <a:rPr lang="en-US" baseline="0" dirty="0" smtClean="0"/>
+              <a:rPr lang="en-US" baseline="0" dirty="0"/>
               <a:t> analyses where amplitude data is necessary</a:t>
             </a:r>
             <a:endParaRPr lang="en-US" dirty="0"/>
@@ -1031,11 +1029,11 @@
           <a:lstStyle/>
           <a:p>
             <a:r>
-              <a:rPr lang="en-US" dirty="0" smtClean="0"/>
+              <a:rPr lang="en-US" dirty="0"/>
               <a:t>Interpolated</a:t>
             </a:r>
             <a:r>
-              <a:rPr lang="en-US" baseline="0" dirty="0" smtClean="0"/>
+              <a:rPr lang="en-US" baseline="0" dirty="0"/>
               <a:t> in similar manner to temp data but over shorter time span for Sensor 3</a:t>
             </a:r>
             <a:endParaRPr lang="en-US" dirty="0"/>
@@ -1069,6 +1067,109 @@
     <p:extLst>
       <p:ext uri="{BB962C8B-B14F-4D97-AF65-F5344CB8AC3E}">
         <p14:creationId xmlns:p14="http://schemas.microsoft.com/office/powerpoint/2010/main" val="876517814"/>
+      </p:ext>
+    </p:extLst>
+  </p:cSld>
+  <p:clrMapOvr>
+    <a:masterClrMapping/>
+  </p:clrMapOvr>
+</p:notes>
+</file>
+
+<file path=ppt/notesSlides/notesSlide7.xml><?xml version="1.0" encoding="utf-8"?>
+<p:notes xmlns:a="http://schemas.openxmlformats.org/drawingml/2006/main" xmlns:r="http://schemas.openxmlformats.org/officeDocument/2006/relationships" xmlns:p="http://schemas.openxmlformats.org/presentationml/2006/main">
+  <p:cSld>
+    <p:spTree>
+      <p:nvGrpSpPr>
+        <p:cNvPr id="1" name=""/>
+        <p:cNvGrpSpPr/>
+        <p:nvPr/>
+      </p:nvGrpSpPr>
+      <p:grpSpPr>
+        <a:xfrm>
+          <a:off x="0" y="0"/>
+          <a:ext cx="0" cy="0"/>
+          <a:chOff x="0" y="0"/>
+          <a:chExt cx="0" cy="0"/>
+        </a:xfrm>
+      </p:grpSpPr>
+      <p:sp>
+        <p:nvSpPr>
+          <p:cNvPr id="2" name="Slide Image Placeholder 1"/>
+          <p:cNvSpPr>
+            <a:spLocks noGrp="1" noRot="1" noChangeAspect="1"/>
+          </p:cNvSpPr>
+          <p:nvPr>
+            <p:ph type="sldImg"/>
+          </p:nvPr>
+        </p:nvSpPr>
+        <p:spPr/>
+      </p:sp>
+      <p:sp>
+        <p:nvSpPr>
+          <p:cNvPr id="3" name="Notes Placeholder 2"/>
+          <p:cNvSpPr>
+            <a:spLocks noGrp="1"/>
+          </p:cNvSpPr>
+          <p:nvPr>
+            <p:ph type="body" idx="1"/>
+          </p:nvPr>
+        </p:nvSpPr>
+        <p:spPr/>
+        <p:txBody>
+          <a:bodyPr/>
+          <a:lstStyle/>
+          <a:p>
+            <a:r>
+              <a:rPr lang="en-US" dirty="0"/>
+              <a:t>To assess if fluctuations</a:t>
+            </a:r>
+            <a:r>
+              <a:rPr lang="en-US" baseline="0" dirty="0"/>
+              <a:t> are truly on a 24-hr period</a:t>
+            </a:r>
+            <a:endParaRPr lang="en-US" dirty="0"/>
+          </a:p>
+          <a:p>
+            <a:r>
+              <a:rPr lang="en-US" dirty="0"/>
+              <a:t>First must select subset</a:t>
+            </a:r>
+            <a:r>
+              <a:rPr lang="en-US" baseline="0" dirty="0"/>
+              <a:t> with relatively little trend</a:t>
+            </a:r>
+            <a:endParaRPr lang="en-US" dirty="0"/>
+          </a:p>
+        </p:txBody>
+      </p:sp>
+      <p:sp>
+        <p:nvSpPr>
+          <p:cNvPr id="4" name="Slide Number Placeholder 3"/>
+          <p:cNvSpPr>
+            <a:spLocks noGrp="1"/>
+          </p:cNvSpPr>
+          <p:nvPr>
+            <p:ph type="sldNum" sz="quarter" idx="10"/>
+          </p:nvPr>
+        </p:nvSpPr>
+        <p:spPr/>
+        <p:txBody>
+          <a:bodyPr/>
+          <a:lstStyle/>
+          <a:p>
+            <a:fld id="{5FC6CE3E-41DB-47AE-8628-9D2E5C049DC2}" type="slidenum">
+              <a:rPr lang="en-US" smtClean="0"/>
+              <a:t>11</a:t>
+            </a:fld>
+            <a:endParaRPr lang="en-US"/>
+          </a:p>
+        </p:txBody>
+      </p:sp>
+    </p:spTree>
+    <p:extLst>
+      <p:ext uri="{BB962C8B-B14F-4D97-AF65-F5344CB8AC3E}">
+        <p14:creationId xmlns:p14="http://schemas.microsoft.com/office/powerpoint/2010/main" val="548756277"/>
       </p:ext>
     </p:extLst>
   </p:cSld>
@@ -1120,10 +1221,9 @@
           </a:lstStyle>
           <a:p>
             <a:r>
-              <a:rPr lang="en-US" smtClean="0"/>
+              <a:rPr lang="en-US"/>
               <a:t>Click to edit Master title style</a:t>
             </a:r>
-            <a:endParaRPr lang="en-US"/>
           </a:p>
         </p:txBody>
       </p:sp>
@@ -1185,10 +1285,9 @@
           </a:lstStyle>
           <a:p>
             <a:r>
-              <a:rPr lang="en-US" smtClean="0"/>
+              <a:rPr lang="en-US"/>
               <a:t>Click to edit Master subtitle style</a:t>
             </a:r>
-            <a:endParaRPr lang="en-US"/>
           </a:p>
         </p:txBody>
       </p:sp>
@@ -1209,7 +1308,7 @@
           <a:p>
             <a:fld id="{B04E083E-70AC-4B8D-8596-5EF6212CC9A6}" type="datetimeFigureOut">
               <a:rPr lang="en-US" smtClean="0"/>
-              <a:t>12/4/2016</a:t>
+              <a:t>12/5/2016</a:t>
             </a:fld>
             <a:endParaRPr lang="en-US"/>
           </a:p>
@@ -1303,10 +1402,9 @@
           <a:lstStyle/>
           <a:p>
             <a:r>
-              <a:rPr lang="en-US" smtClean="0"/>
+              <a:rPr lang="en-US"/>
               <a:t>Click to edit Master title style</a:t>
             </a:r>
-            <a:endParaRPr lang="en-US"/>
           </a:p>
         </p:txBody>
       </p:sp>
@@ -1327,38 +1425,37 @@
           <a:p>
             <a:pPr lvl="0"/>
             <a:r>
-              <a:rPr lang="en-US" smtClean="0"/>
+              <a:rPr lang="en-US"/>
               <a:t>Click to edit Master text styles</a:t>
             </a:r>
           </a:p>
           <a:p>
             <a:pPr lvl="1"/>
             <a:r>
-              <a:rPr lang="en-US" smtClean="0"/>
+              <a:rPr lang="en-US"/>
               <a:t>Second level</a:t>
             </a:r>
           </a:p>
           <a:p>
             <a:pPr lvl="2"/>
             <a:r>
-              <a:rPr lang="en-US" smtClean="0"/>
+              <a:rPr lang="en-US"/>
               <a:t>Third level</a:t>
             </a:r>
           </a:p>
           <a:p>
             <a:pPr lvl="3"/>
             <a:r>
-              <a:rPr lang="en-US" smtClean="0"/>
+              <a:rPr lang="en-US"/>
               <a:t>Fourth level</a:t>
             </a:r>
           </a:p>
           <a:p>
             <a:pPr lvl="4"/>
             <a:r>
-              <a:rPr lang="en-US" smtClean="0"/>
+              <a:rPr lang="en-US"/>
               <a:t>Fifth level</a:t>
             </a:r>
-            <a:endParaRPr lang="en-US"/>
           </a:p>
         </p:txBody>
       </p:sp>
@@ -1379,7 +1476,7 @@
           <a:p>
             <a:fld id="{B04E083E-70AC-4B8D-8596-5EF6212CC9A6}" type="datetimeFigureOut">
               <a:rPr lang="en-US" smtClean="0"/>
-              <a:t>12/4/2016</a:t>
+              <a:t>12/5/2016</a:t>
             </a:fld>
             <a:endParaRPr lang="en-US"/>
           </a:p>
@@ -1478,10 +1575,9 @@
           <a:lstStyle/>
           <a:p>
             <a:r>
-              <a:rPr lang="en-US" smtClean="0"/>
+              <a:rPr lang="en-US"/>
               <a:t>Click to edit Master title style</a:t>
             </a:r>
-            <a:endParaRPr lang="en-US"/>
           </a:p>
         </p:txBody>
       </p:sp>
@@ -1507,38 +1603,37 @@
           <a:p>
             <a:pPr lvl="0"/>
             <a:r>
-              <a:rPr lang="en-US" smtClean="0"/>
+              <a:rPr lang="en-US"/>
               <a:t>Click to edit Master text styles</a:t>
             </a:r>
           </a:p>
           <a:p>
             <a:pPr lvl="1"/>
             <a:r>
-              <a:rPr lang="en-US" smtClean="0"/>
+              <a:rPr lang="en-US"/>
               <a:t>Second level</a:t>
             </a:r>
           </a:p>
           <a:p>
             <a:pPr lvl="2"/>
             <a:r>
-              <a:rPr lang="en-US" smtClean="0"/>
+              <a:rPr lang="en-US"/>
               <a:t>Third level</a:t>
             </a:r>
           </a:p>
           <a:p>
             <a:pPr lvl="3"/>
             <a:r>
-              <a:rPr lang="en-US" smtClean="0"/>
+              <a:rPr lang="en-US"/>
               <a:t>Fourth level</a:t>
             </a:r>
           </a:p>
           <a:p>
             <a:pPr lvl="4"/>
             <a:r>
-              <a:rPr lang="en-US" smtClean="0"/>
+              <a:rPr lang="en-US"/>
               <a:t>Fifth level</a:t>
             </a:r>
-            <a:endParaRPr lang="en-US"/>
           </a:p>
         </p:txBody>
       </p:sp>
@@ -1559,7 +1654,7 @@
           <a:p>
             <a:fld id="{B04E083E-70AC-4B8D-8596-5EF6212CC9A6}" type="datetimeFigureOut">
               <a:rPr lang="en-US" smtClean="0"/>
-              <a:t>12/4/2016</a:t>
+              <a:t>12/5/2016</a:t>
             </a:fld>
             <a:endParaRPr lang="en-US"/>
           </a:p>
@@ -1653,10 +1748,9 @@
           <a:lstStyle/>
           <a:p>
             <a:r>
-              <a:rPr lang="en-US" smtClean="0"/>
+              <a:rPr lang="en-US"/>
               <a:t>Click to edit Master title style</a:t>
             </a:r>
-            <a:endParaRPr lang="en-US"/>
           </a:p>
         </p:txBody>
       </p:sp>
@@ -1677,38 +1771,37 @@
           <a:p>
             <a:pPr lvl="0"/>
             <a:r>
-              <a:rPr lang="en-US" smtClean="0"/>
+              <a:rPr lang="en-US"/>
               <a:t>Click to edit Master text styles</a:t>
             </a:r>
           </a:p>
           <a:p>
             <a:pPr lvl="1"/>
             <a:r>
-              <a:rPr lang="en-US" smtClean="0"/>
+              <a:rPr lang="en-US"/>
               <a:t>Second level</a:t>
             </a:r>
           </a:p>
           <a:p>
             <a:pPr lvl="2"/>
             <a:r>
-              <a:rPr lang="en-US" smtClean="0"/>
+              <a:rPr lang="en-US"/>
               <a:t>Third level</a:t>
             </a:r>
           </a:p>
           <a:p>
             <a:pPr lvl="3"/>
             <a:r>
-              <a:rPr lang="en-US" smtClean="0"/>
+              <a:rPr lang="en-US"/>
               <a:t>Fourth level</a:t>
             </a:r>
           </a:p>
           <a:p>
             <a:pPr lvl="4"/>
             <a:r>
-              <a:rPr lang="en-US" smtClean="0"/>
+              <a:rPr lang="en-US"/>
               <a:t>Fifth level</a:t>
             </a:r>
-            <a:endParaRPr lang="en-US"/>
           </a:p>
         </p:txBody>
       </p:sp>
@@ -1729,7 +1822,7 @@
           <a:p>
             <a:fld id="{B04E083E-70AC-4B8D-8596-5EF6212CC9A6}" type="datetimeFigureOut">
               <a:rPr lang="en-US" smtClean="0"/>
-              <a:t>12/4/2016</a:t>
+              <a:t>12/5/2016</a:t>
             </a:fld>
             <a:endParaRPr lang="en-US"/>
           </a:p>
@@ -1832,10 +1925,9 @@
           </a:lstStyle>
           <a:p>
             <a:r>
-              <a:rPr lang="en-US" smtClean="0"/>
+              <a:rPr lang="en-US"/>
               <a:t>Click to edit Master title style</a:t>
             </a:r>
-            <a:endParaRPr lang="en-US"/>
           </a:p>
         </p:txBody>
       </p:sp>
@@ -1952,7 +2044,7 @@
           <a:p>
             <a:pPr lvl="0"/>
             <a:r>
-              <a:rPr lang="en-US" smtClean="0"/>
+              <a:rPr lang="en-US"/>
               <a:t>Click to edit Master text styles</a:t>
             </a:r>
           </a:p>
@@ -1975,7 +2067,7 @@
           <a:p>
             <a:fld id="{B04E083E-70AC-4B8D-8596-5EF6212CC9A6}" type="datetimeFigureOut">
               <a:rPr lang="en-US" smtClean="0"/>
-              <a:t>12/4/2016</a:t>
+              <a:t>12/5/2016</a:t>
             </a:fld>
             <a:endParaRPr lang="en-US"/>
           </a:p>
@@ -2069,10 +2161,9 @@
           <a:lstStyle/>
           <a:p>
             <a:r>
-              <a:rPr lang="en-US" smtClean="0"/>
+              <a:rPr lang="en-US"/>
               <a:t>Click to edit Master title style</a:t>
             </a:r>
-            <a:endParaRPr lang="en-US"/>
           </a:p>
         </p:txBody>
       </p:sp>
@@ -2098,38 +2189,37 @@
           <a:p>
             <a:pPr lvl="0"/>
             <a:r>
-              <a:rPr lang="en-US" smtClean="0"/>
+              <a:rPr lang="en-US"/>
               <a:t>Click to edit Master text styles</a:t>
             </a:r>
           </a:p>
           <a:p>
             <a:pPr lvl="1"/>
             <a:r>
-              <a:rPr lang="en-US" smtClean="0"/>
+              <a:rPr lang="en-US"/>
               <a:t>Second level</a:t>
             </a:r>
           </a:p>
           <a:p>
             <a:pPr lvl="2"/>
             <a:r>
-              <a:rPr lang="en-US" smtClean="0"/>
+              <a:rPr lang="en-US"/>
               <a:t>Third level</a:t>
             </a:r>
           </a:p>
           <a:p>
             <a:pPr lvl="3"/>
             <a:r>
-              <a:rPr lang="en-US" smtClean="0"/>
+              <a:rPr lang="en-US"/>
               <a:t>Fourth level</a:t>
             </a:r>
           </a:p>
           <a:p>
             <a:pPr lvl="4"/>
             <a:r>
-              <a:rPr lang="en-US" smtClean="0"/>
+              <a:rPr lang="en-US"/>
               <a:t>Fifth level</a:t>
             </a:r>
-            <a:endParaRPr lang="en-US"/>
           </a:p>
         </p:txBody>
       </p:sp>
@@ -2155,38 +2245,37 @@
           <a:p>
             <a:pPr lvl="0"/>
             <a:r>
-              <a:rPr lang="en-US" smtClean="0"/>
+              <a:rPr lang="en-US"/>
               <a:t>Click to edit Master text styles</a:t>
             </a:r>
           </a:p>
           <a:p>
             <a:pPr lvl="1"/>
             <a:r>
-              <a:rPr lang="en-US" smtClean="0"/>
+              <a:rPr lang="en-US"/>
               <a:t>Second level</a:t>
             </a:r>
           </a:p>
           <a:p>
             <a:pPr lvl="2"/>
             <a:r>
-              <a:rPr lang="en-US" smtClean="0"/>
+              <a:rPr lang="en-US"/>
               <a:t>Third level</a:t>
             </a:r>
           </a:p>
           <a:p>
             <a:pPr lvl="3"/>
             <a:r>
-              <a:rPr lang="en-US" smtClean="0"/>
+              <a:rPr lang="en-US"/>
               <a:t>Fourth level</a:t>
             </a:r>
           </a:p>
           <a:p>
             <a:pPr lvl="4"/>
             <a:r>
-              <a:rPr lang="en-US" smtClean="0"/>
+              <a:rPr lang="en-US"/>
               <a:t>Fifth level</a:t>
             </a:r>
-            <a:endParaRPr lang="en-US"/>
           </a:p>
         </p:txBody>
       </p:sp>
@@ -2207,7 +2296,7 @@
           <a:p>
             <a:fld id="{B04E083E-70AC-4B8D-8596-5EF6212CC9A6}" type="datetimeFigureOut">
               <a:rPr lang="en-US" smtClean="0"/>
-              <a:t>12/4/2016</a:t>
+              <a:t>12/5/2016</a:t>
             </a:fld>
             <a:endParaRPr lang="en-US"/>
           </a:p>
@@ -2306,10 +2395,9 @@
           <a:lstStyle/>
           <a:p>
             <a:r>
-              <a:rPr lang="en-US" smtClean="0"/>
+              <a:rPr lang="en-US"/>
               <a:t>Click to edit Master title style</a:t>
             </a:r>
-            <a:endParaRPr lang="en-US"/>
           </a:p>
         </p:txBody>
       </p:sp>
@@ -2372,7 +2460,7 @@
           <a:p>
             <a:pPr lvl="0"/>
             <a:r>
-              <a:rPr lang="en-US" smtClean="0"/>
+              <a:rPr lang="en-US"/>
               <a:t>Click to edit Master text styles</a:t>
             </a:r>
           </a:p>
@@ -2400,38 +2488,37 @@
           <a:p>
             <a:pPr lvl="0"/>
             <a:r>
-              <a:rPr lang="en-US" smtClean="0"/>
+              <a:rPr lang="en-US"/>
               <a:t>Click to edit Master text styles</a:t>
             </a:r>
           </a:p>
           <a:p>
             <a:pPr lvl="1"/>
             <a:r>
-              <a:rPr lang="en-US" smtClean="0"/>
+              <a:rPr lang="en-US"/>
               <a:t>Second level</a:t>
             </a:r>
           </a:p>
           <a:p>
             <a:pPr lvl="2"/>
             <a:r>
-              <a:rPr lang="en-US" smtClean="0"/>
+              <a:rPr lang="en-US"/>
               <a:t>Third level</a:t>
             </a:r>
           </a:p>
           <a:p>
             <a:pPr lvl="3"/>
             <a:r>
-              <a:rPr lang="en-US" smtClean="0"/>
+              <a:rPr lang="en-US"/>
               <a:t>Fourth level</a:t>
             </a:r>
           </a:p>
           <a:p>
             <a:pPr lvl="4"/>
             <a:r>
-              <a:rPr lang="en-US" smtClean="0"/>
+              <a:rPr lang="en-US"/>
               <a:t>Fifth level</a:t>
             </a:r>
-            <a:endParaRPr lang="en-US"/>
           </a:p>
         </p:txBody>
       </p:sp>
@@ -2494,7 +2581,7 @@
           <a:p>
             <a:pPr lvl="0"/>
             <a:r>
-              <a:rPr lang="en-US" smtClean="0"/>
+              <a:rPr lang="en-US"/>
               <a:t>Click to edit Master text styles</a:t>
             </a:r>
           </a:p>
@@ -2522,38 +2609,37 @@
           <a:p>
             <a:pPr lvl="0"/>
             <a:r>
-              <a:rPr lang="en-US" smtClean="0"/>
+              <a:rPr lang="en-US"/>
               <a:t>Click to edit Master text styles</a:t>
             </a:r>
           </a:p>
           <a:p>
             <a:pPr lvl="1"/>
             <a:r>
-              <a:rPr lang="en-US" smtClean="0"/>
+              <a:rPr lang="en-US"/>
               <a:t>Second level</a:t>
             </a:r>
           </a:p>
           <a:p>
             <a:pPr lvl="2"/>
             <a:r>
-              <a:rPr lang="en-US" smtClean="0"/>
+              <a:rPr lang="en-US"/>
               <a:t>Third level</a:t>
             </a:r>
           </a:p>
           <a:p>
             <a:pPr lvl="3"/>
             <a:r>
-              <a:rPr lang="en-US" smtClean="0"/>
+              <a:rPr lang="en-US"/>
               <a:t>Fourth level</a:t>
             </a:r>
           </a:p>
           <a:p>
             <a:pPr lvl="4"/>
             <a:r>
-              <a:rPr lang="en-US" smtClean="0"/>
+              <a:rPr lang="en-US"/>
               <a:t>Fifth level</a:t>
             </a:r>
-            <a:endParaRPr lang="en-US"/>
           </a:p>
         </p:txBody>
       </p:sp>
@@ -2574,7 +2660,7 @@
           <a:p>
             <a:fld id="{B04E083E-70AC-4B8D-8596-5EF6212CC9A6}" type="datetimeFigureOut">
               <a:rPr lang="en-US" smtClean="0"/>
-              <a:t>12/4/2016</a:t>
+              <a:t>12/5/2016</a:t>
             </a:fld>
             <a:endParaRPr lang="en-US"/>
           </a:p>
@@ -2668,10 +2754,9 @@
           <a:lstStyle/>
           <a:p>
             <a:r>
-              <a:rPr lang="en-US" smtClean="0"/>
+              <a:rPr lang="en-US"/>
               <a:t>Click to edit Master title style</a:t>
             </a:r>
-            <a:endParaRPr lang="en-US"/>
           </a:p>
         </p:txBody>
       </p:sp>
@@ -2692,7 +2777,7 @@
           <a:p>
             <a:fld id="{B04E083E-70AC-4B8D-8596-5EF6212CC9A6}" type="datetimeFigureOut">
               <a:rPr lang="en-US" smtClean="0"/>
-              <a:t>12/4/2016</a:t>
+              <a:t>12/5/2016</a:t>
             </a:fld>
             <a:endParaRPr lang="en-US"/>
           </a:p>
@@ -2787,7 +2872,7 @@
           <a:p>
             <a:fld id="{B04E083E-70AC-4B8D-8596-5EF6212CC9A6}" type="datetimeFigureOut">
               <a:rPr lang="en-US" smtClean="0"/>
-              <a:t>12/4/2016</a:t>
+              <a:t>12/5/2016</a:t>
             </a:fld>
             <a:endParaRPr lang="en-US"/>
           </a:p>
@@ -2890,10 +2975,9 @@
           </a:lstStyle>
           <a:p>
             <a:r>
-              <a:rPr lang="en-US" smtClean="0"/>
+              <a:rPr lang="en-US"/>
               <a:t>Click to edit Master title style</a:t>
             </a:r>
-            <a:endParaRPr lang="en-US"/>
           </a:p>
         </p:txBody>
       </p:sp>
@@ -2947,38 +3031,37 @@
           <a:p>
             <a:pPr lvl="0"/>
             <a:r>
-              <a:rPr lang="en-US" smtClean="0"/>
+              <a:rPr lang="en-US"/>
               <a:t>Click to edit Master text styles</a:t>
             </a:r>
           </a:p>
           <a:p>
             <a:pPr lvl="1"/>
             <a:r>
-              <a:rPr lang="en-US" smtClean="0"/>
+              <a:rPr lang="en-US"/>
               <a:t>Second level</a:t>
             </a:r>
           </a:p>
           <a:p>
             <a:pPr lvl="2"/>
             <a:r>
-              <a:rPr lang="en-US" smtClean="0"/>
+              <a:rPr lang="en-US"/>
               <a:t>Third level</a:t>
             </a:r>
           </a:p>
           <a:p>
             <a:pPr lvl="3"/>
             <a:r>
-              <a:rPr lang="en-US" smtClean="0"/>
+              <a:rPr lang="en-US"/>
               <a:t>Fourth level</a:t>
             </a:r>
           </a:p>
           <a:p>
             <a:pPr lvl="4"/>
             <a:r>
-              <a:rPr lang="en-US" smtClean="0"/>
+              <a:rPr lang="en-US"/>
               <a:t>Fifth level</a:t>
             </a:r>
-            <a:endParaRPr lang="en-US"/>
           </a:p>
         </p:txBody>
       </p:sp>
@@ -3041,7 +3124,7 @@
           <a:p>
             <a:pPr lvl="0"/>
             <a:r>
-              <a:rPr lang="en-US" smtClean="0"/>
+              <a:rPr lang="en-US"/>
               <a:t>Click to edit Master text styles</a:t>
             </a:r>
           </a:p>
@@ -3064,7 +3147,7 @@
           <a:p>
             <a:fld id="{B04E083E-70AC-4B8D-8596-5EF6212CC9A6}" type="datetimeFigureOut">
               <a:rPr lang="en-US" smtClean="0"/>
-              <a:t>12/4/2016</a:t>
+              <a:t>12/5/2016</a:t>
             </a:fld>
             <a:endParaRPr lang="en-US"/>
           </a:p>
@@ -3167,10 +3250,9 @@
           </a:lstStyle>
           <a:p>
             <a:r>
-              <a:rPr lang="en-US" smtClean="0"/>
+              <a:rPr lang="en-US"/>
               <a:t>Click to edit Master title style</a:t>
             </a:r>
-            <a:endParaRPr lang="en-US"/>
           </a:p>
         </p:txBody>
       </p:sp>
@@ -3294,7 +3376,7 @@
           <a:p>
             <a:pPr lvl="0"/>
             <a:r>
-              <a:rPr lang="en-US" smtClean="0"/>
+              <a:rPr lang="en-US"/>
               <a:t>Click to edit Master text styles</a:t>
             </a:r>
           </a:p>
@@ -3317,7 +3399,7 @@
           <a:p>
             <a:fld id="{B04E083E-70AC-4B8D-8596-5EF6212CC9A6}" type="datetimeFigureOut">
               <a:rPr lang="en-US" smtClean="0"/>
-              <a:t>12/4/2016</a:t>
+              <a:t>12/5/2016</a:t>
             </a:fld>
             <a:endParaRPr lang="en-US"/>
           </a:p>
@@ -3426,10 +3508,9 @@
           <a:lstStyle/>
           <a:p>
             <a:r>
-              <a:rPr lang="en-US" smtClean="0"/>
+              <a:rPr lang="en-US"/>
               <a:t>Click to edit Master title style</a:t>
             </a:r>
-            <a:endParaRPr lang="en-US"/>
           </a:p>
         </p:txBody>
       </p:sp>
@@ -3460,38 +3541,37 @@
           <a:p>
             <a:pPr lvl="0"/>
             <a:r>
-              <a:rPr lang="en-US" smtClean="0"/>
+              <a:rPr lang="en-US"/>
               <a:t>Click to edit Master text styles</a:t>
             </a:r>
           </a:p>
           <a:p>
             <a:pPr lvl="1"/>
             <a:r>
-              <a:rPr lang="en-US" smtClean="0"/>
+              <a:rPr lang="en-US"/>
               <a:t>Second level</a:t>
             </a:r>
           </a:p>
           <a:p>
             <a:pPr lvl="2"/>
             <a:r>
-              <a:rPr lang="en-US" smtClean="0"/>
+              <a:rPr lang="en-US"/>
               <a:t>Third level</a:t>
             </a:r>
           </a:p>
           <a:p>
             <a:pPr lvl="3"/>
             <a:r>
-              <a:rPr lang="en-US" smtClean="0"/>
+              <a:rPr lang="en-US"/>
               <a:t>Fourth level</a:t>
             </a:r>
           </a:p>
           <a:p>
             <a:pPr lvl="4"/>
             <a:r>
-              <a:rPr lang="en-US" smtClean="0"/>
+              <a:rPr lang="en-US"/>
               <a:t>Fifth level</a:t>
             </a:r>
-            <a:endParaRPr lang="en-US"/>
           </a:p>
         </p:txBody>
       </p:sp>
@@ -3530,7 +3610,7 @@
           <a:p>
             <a:fld id="{B04E083E-70AC-4B8D-8596-5EF6212CC9A6}" type="datetimeFigureOut">
               <a:rPr lang="en-US" smtClean="0"/>
-              <a:t>12/4/2016</a:t>
+              <a:t>12/5/2016</a:t>
             </a:fld>
             <a:endParaRPr lang="en-US"/>
           </a:p>
@@ -3947,33 +4027,27 @@
         </p:nvSpPr>
         <p:spPr>
           <a:xfrm>
-            <a:off x="690058" y="438149"/>
+            <a:off x="690058" y="117515"/>
             <a:ext cx="10809865" cy="1814513"/>
           </a:xfrm>
         </p:spPr>
         <p:txBody>
           <a:bodyPr>
-            <a:normAutofit fontScale="90000"/>
+            <a:normAutofit/>
           </a:bodyPr>
           <a:lstStyle/>
           <a:p>
             <a:r>
-              <a:rPr lang="en-US" dirty="0" smtClean="0"/>
-              <a:t>MATLAB p</a:t>
-            </a:r>
-            <a:r>
-              <a:rPr lang="en-US" dirty="0" smtClean="0"/>
-              <a:t>rocessing </a:t>
-            </a:r>
-            <a:r>
-              <a:rPr lang="en-US" dirty="0" smtClean="0"/>
-              <a:t>techniques for soil moisture and matric potential </a:t>
-            </a:r>
-            <a:r>
-              <a:rPr lang="en-US" dirty="0" smtClean="0"/>
-              <a:t>data</a:t>
-            </a:r>
-            <a:endParaRPr lang="en-US" dirty="0"/>
+              <a:rPr lang="en-US" sz="5200" dirty="0"/>
+              <a:t>MATLAB processing techniques for </a:t>
+            </a:r>
+            <a:br>
+              <a:rPr lang="en-US" sz="5200" dirty="0"/>
+            </a:br>
+            <a:r>
+              <a:rPr lang="en-US" sz="5200" dirty="0"/>
+              <a:t>soil moisture and matric potential data</a:t>
+            </a:r>
           </a:p>
         </p:txBody>
       </p:sp>
@@ -4001,31 +4075,30 @@
           <a:p>
             <a:pPr algn="ctr"/>
             <a:r>
-              <a:rPr lang="en-US" sz="2400" dirty="0" smtClean="0"/>
+              <a:rPr lang="en-US" sz="2400" dirty="0"/>
               <a:t>John Shuler</a:t>
             </a:r>
           </a:p>
           <a:p>
             <a:pPr algn="ctr"/>
             <a:r>
-              <a:rPr lang="en-US" sz="2400" dirty="0" smtClean="0"/>
+              <a:rPr lang="en-US" sz="2400" dirty="0"/>
               <a:t>Boise State University</a:t>
             </a:r>
           </a:p>
           <a:p>
             <a:pPr algn="ctr"/>
             <a:r>
-              <a:rPr lang="en-US" sz="2400" dirty="0" smtClean="0"/>
+              <a:rPr lang="en-US" sz="2400" dirty="0"/>
               <a:t>GEOS597</a:t>
             </a:r>
           </a:p>
           <a:p>
             <a:pPr algn="ctr"/>
             <a:r>
-              <a:rPr lang="en-US" sz="2400" dirty="0" smtClean="0"/>
+              <a:rPr lang="en-US" sz="2400" dirty="0"/>
               <a:t>12/5/2016</a:t>
             </a:r>
-            <a:endParaRPr lang="en-US" sz="2400" dirty="0"/>
           </a:p>
         </p:txBody>
       </p:sp>
@@ -4069,13 +4142,6 @@
   <p:clrMapOvr>
     <a:masterClrMapping/>
   </p:clrMapOvr>
-  <p:timing>
-    <p:tnLst>
-      <p:par>
-        <p:cTn id="1" dur="indefinite" restart="never" nodeType="tmRoot"/>
-      </p:par>
-    </p:tnLst>
-  </p:timing>
 </p:sld>
 </file>
 
@@ -4141,10 +4207,9 @@
           <a:lstStyle/>
           <a:p>
             <a:r>
-              <a:rPr lang="en-US" dirty="0" smtClean="0"/>
+              <a:rPr lang="en-US" dirty="0"/>
               <a:t>Processed matric potential time series</a:t>
             </a:r>
-            <a:endParaRPr lang="en-US" dirty="0"/>
           </a:p>
         </p:txBody>
       </p:sp>
@@ -4201,10 +4266,9 @@
           <a:lstStyle/>
           <a:p>
             <a:r>
-              <a:rPr lang="en-US" sz="2400" dirty="0" smtClean="0"/>
+              <a:rPr lang="en-US" sz="2400" dirty="0"/>
               <a:t>Processing ignores diurnal fluctuations (for now)</a:t>
             </a:r>
-            <a:endParaRPr lang="en-US" sz="2400" dirty="0"/>
           </a:p>
         </p:txBody>
       </p:sp>
@@ -4218,13 +4282,6 @@
   <p:clrMapOvr>
     <a:masterClrMapping/>
   </p:clrMapOvr>
-  <p:timing>
-    <p:tnLst>
-      <p:par>
-        <p:cTn id="1" dur="indefinite" restart="never" nodeType="tmRoot"/>
-      </p:par>
-    </p:tnLst>
-  </p:timing>
 </p:sld>
 </file>
 
@@ -4266,14 +4323,9 @@
           <a:lstStyle/>
           <a:p>
             <a:r>
-              <a:rPr lang="en-US" dirty="0" smtClean="0"/>
-              <a:t>Raw </a:t>
-            </a:r>
-            <a:r>
-              <a:rPr lang="en-US" dirty="0" smtClean="0"/>
-              <a:t>soil moisture data</a:t>
-            </a:r>
-            <a:endParaRPr lang="en-US" dirty="0"/>
+              <a:rPr lang="en-US" dirty="0"/>
+              <a:t>Raw soil moisture data</a:t>
+            </a:r>
           </a:p>
         </p:txBody>
       </p:sp>
@@ -4300,12 +4352,12 @@
           <a:lstStyle/>
           <a:p>
             <a:r>
-              <a:rPr lang="en-US" sz="2600" b="1" dirty="0" smtClean="0"/>
+              <a:rPr lang="en-US" sz="2600" b="1" dirty="0"/>
               <a:t>Issues:</a:t>
             </a:r>
           </a:p>
           <a:p>
-            <a:endParaRPr lang="en-US" sz="2600" dirty="0" smtClean="0"/>
+            <a:endParaRPr lang="en-US" sz="2600" dirty="0"/>
           </a:p>
           <a:p>
             <a:pPr marL="285750" indent="-285750">
@@ -4313,12 +4365,12 @@
               <a:buChar char="•"/>
             </a:pPr>
             <a:r>
-              <a:rPr lang="en-US" sz="2600" dirty="0" smtClean="0"/>
+              <a:rPr lang="en-US" sz="2600" dirty="0"/>
               <a:t>Data gap in early June</a:t>
             </a:r>
           </a:p>
           <a:p>
-            <a:endParaRPr lang="en-US" sz="2600" dirty="0" smtClean="0"/>
+            <a:endParaRPr lang="en-US" sz="2600" dirty="0"/>
           </a:p>
           <a:p>
             <a:pPr marL="285750" indent="-285750">
@@ -4326,10 +4378,9 @@
               <a:buChar char="•"/>
             </a:pPr>
             <a:r>
-              <a:rPr lang="en-US" sz="2600" dirty="0" smtClean="0"/>
+              <a:rPr lang="en-US" sz="2600" dirty="0"/>
               <a:t>Diurnal fluctuations in shallow sensors</a:t>
             </a:r>
-            <a:endParaRPr lang="en-US" sz="2600" dirty="0"/>
           </a:p>
         </p:txBody>
       </p:sp>
@@ -4344,7 +4395,7 @@
           </p:nvPr>
         </p:nvPicPr>
         <p:blipFill>
-          <a:blip r:embed="rId2">
+          <a:blip r:embed="rId3">
             <a:extLst>
               <a:ext uri="{28A0092B-C50C-407E-A947-70E740481C1C}">
                 <a14:useLocalDpi xmlns:a14="http://schemas.microsoft.com/office/drawing/2010/main" val="0"/>
@@ -4418,13 +4469,6 @@
   <p:clrMapOvr>
     <a:masterClrMapping/>
   </p:clrMapOvr>
-  <p:timing>
-    <p:tnLst>
-      <p:par>
-        <p:cTn id="1" dur="indefinite" restart="never" nodeType="tmRoot"/>
-      </p:par>
-    </p:tnLst>
-  </p:timing>
 </p:sld>
 </file>
 
@@ -4462,21 +4506,16 @@
           <a:p>
             <a:r>
               <a:rPr lang="en-US" dirty="0"/>
-              <a:t>C</a:t>
-            </a:r>
-            <a:r>
-              <a:rPr lang="en-US" dirty="0" smtClean="0"/>
-              <a:t>ode for </a:t>
-            </a:r>
-            <a:r>
-              <a:rPr lang="en-US" dirty="0" err="1" smtClean="0"/>
+              <a:t>Code for </a:t>
+            </a:r>
+            <a:r>
+              <a:rPr lang="en-US" dirty="0" err="1"/>
               <a:t>periodogram</a:t>
             </a:r>
             <a:r>
-              <a:rPr lang="en-US" dirty="0" smtClean="0"/>
+              <a:rPr lang="en-US" dirty="0"/>
               <a:t> of data subset</a:t>
             </a:r>
-            <a:endParaRPr lang="en-US" dirty="0"/>
           </a:p>
         </p:txBody>
       </p:sp>
@@ -4559,13 +4598,6 @@
   <p:clrMapOvr>
     <a:masterClrMapping/>
   </p:clrMapOvr>
-  <p:timing>
-    <p:tnLst>
-      <p:par>
-        <p:cTn id="1" dur="indefinite" restart="never" nodeType="tmRoot"/>
-      </p:par>
-    </p:tnLst>
-  </p:timing>
 </p:sld>
 </file>
 
@@ -4638,10 +4670,9 @@
           <a:lstStyle/>
           <a:p>
             <a:r>
-              <a:rPr lang="en-US" sz="3200" dirty="0" smtClean="0"/>
+              <a:rPr lang="en-US" sz="3200" dirty="0"/>
               <a:t>Is temperature-correction of VMC data justified by periodicity? </a:t>
             </a:r>
-            <a:endParaRPr lang="en-US" sz="3200" dirty="0"/>
           </a:p>
         </p:txBody>
       </p:sp>
@@ -4747,13 +4778,6 @@
   <p:clrMapOvr>
     <a:masterClrMapping/>
   </p:clrMapOvr>
-  <p:timing>
-    <p:tnLst>
-      <p:par>
-        <p:cTn id="1" dur="indefinite" restart="never" nodeType="tmRoot"/>
-      </p:par>
-    </p:tnLst>
-  </p:timing>
 </p:sld>
 </file>
 
@@ -4792,18 +4816,17 @@
           <a:lstStyle/>
           <a:p>
             <a:r>
-              <a:rPr lang="en-US" sz="3600" dirty="0" smtClean="0"/>
+              <a:rPr lang="en-US" sz="3600" dirty="0"/>
               <a:t>Temperature correction a la </a:t>
             </a:r>
             <a:r>
-              <a:rPr lang="en-US" sz="3600" i="1" dirty="0" smtClean="0"/>
+              <a:rPr lang="en-US" sz="3600" i="1" dirty="0"/>
               <a:t>Cobbs and Campbell</a:t>
             </a:r>
             <a:r>
-              <a:rPr lang="en-US" sz="3600" dirty="0" smtClean="0"/>
+              <a:rPr lang="en-US" sz="3600" dirty="0"/>
               <a:t>, 2007</a:t>
             </a:r>
-            <a:endParaRPr lang="en-US" sz="3600" dirty="0"/>
           </a:p>
         </p:txBody>
       </p:sp>
@@ -4834,7 +4857,7 @@
               <a:buChar char="•"/>
             </a:pPr>
             <a:r>
-              <a:rPr lang="en-US" sz="2800" dirty="0" smtClean="0"/>
+              <a:rPr lang="en-US" sz="2800" dirty="0"/>
               <a:t>Method requires manual selection of 3 rain-free, 24-hour periods</a:t>
             </a:r>
           </a:p>
@@ -4851,7 +4874,7 @@
               <a:buChar char="•"/>
             </a:pPr>
             <a:r>
-              <a:rPr lang="en-US" sz="2800" dirty="0" smtClean="0"/>
+              <a:rPr lang="en-US" sz="2800" dirty="0"/>
               <a:t>Temperature correction equation uses multiple linear regression </a:t>
             </a:r>
           </a:p>
@@ -4868,23 +4891,23 @@
               <a:buChar char="•"/>
             </a:pPr>
             <a:r>
-              <a:rPr lang="en-US" sz="2800" dirty="0" smtClean="0"/>
+              <a:rPr lang="en-US" sz="2800" dirty="0"/>
               <a:t>Coefficients for MLR produced by the </a:t>
             </a:r>
             <a:r>
-              <a:rPr lang="en-US" sz="2800" dirty="0" err="1" smtClean="0"/>
+              <a:rPr lang="en-US" sz="2800" dirty="0" err="1"/>
               <a:t>Matlab</a:t>
             </a:r>
             <a:r>
-              <a:rPr lang="en-US" sz="2800" dirty="0" smtClean="0"/>
+              <a:rPr lang="en-US" sz="2800" dirty="0"/>
               <a:t> </a:t>
             </a:r>
             <a:r>
-              <a:rPr lang="en-US" sz="2800" b="1" dirty="0" smtClean="0"/>
+              <a:rPr lang="en-US" sz="2800" b="1" dirty="0"/>
               <a:t>regress() </a:t>
             </a:r>
             <a:r>
-              <a:rPr lang="en-US" sz="2800" dirty="0" smtClean="0"/>
+              <a:rPr lang="en-US" sz="2800" dirty="0"/>
               <a:t>function:</a:t>
             </a:r>
           </a:p>
@@ -4897,7 +4920,7 @@
           </a:p>
           <a:p>
             <a:pPr algn="ctr"/>
-            <a:endParaRPr lang="en-US" sz="2800" dirty="0" smtClean="0"/>
+            <a:endParaRPr lang="en-US" sz="2800" dirty="0"/>
           </a:p>
           <a:p>
             <a:pPr marL="285750" indent="-285750">
@@ -4907,7 +4930,7 @@
             <a:endParaRPr lang="en-US" sz="2400" dirty="0"/>
           </a:p>
           <a:p>
-            <a:endParaRPr lang="en-US" sz="2400" dirty="0" smtClean="0"/>
+            <a:endParaRPr lang="en-US" sz="2400" dirty="0"/>
           </a:p>
           <a:p>
             <a:endParaRPr lang="en-US" dirty="0"/>
@@ -4957,13 +4980,6 @@
   <p:clrMapOvr>
     <a:masterClrMapping/>
   </p:clrMapOvr>
-  <p:timing>
-    <p:tnLst>
-      <p:par>
-        <p:cTn id="1" dur="indefinite" restart="never" nodeType="tmRoot"/>
-      </p:par>
-    </p:tnLst>
-  </p:timing>
 </p:sld>
 </file>
 
@@ -5029,10 +5045,9 @@
           <a:lstStyle/>
           <a:p>
             <a:r>
-              <a:rPr lang="en-US" dirty="0" smtClean="0"/>
+              <a:rPr lang="en-US" dirty="0"/>
               <a:t>Processed soil moisture data</a:t>
             </a:r>
-            <a:endParaRPr lang="en-US" dirty="0"/>
           </a:p>
         </p:txBody>
       </p:sp>
@@ -5046,13 +5061,6 @@
   <p:clrMapOvr>
     <a:masterClrMapping/>
   </p:clrMapOvr>
-  <p:timing>
-    <p:tnLst>
-      <p:par>
-        <p:cTn id="1" dur="indefinite" restart="never" nodeType="tmRoot"/>
-      </p:par>
-    </p:tnLst>
-  </p:timing>
 </p:sld>
 </file>
 
@@ -5123,18 +5131,9 @@
           <a:lstStyle/>
           <a:p>
             <a:r>
-              <a:rPr lang="en-US" dirty="0" smtClean="0"/>
-              <a:t>Incomplete</a:t>
-            </a:r>
-            <a:r>
-              <a:rPr lang="en-US" dirty="0" smtClean="0"/>
-              <a:t> Characteristic </a:t>
-            </a:r>
-            <a:r>
-              <a:rPr lang="en-US" dirty="0" smtClean="0"/>
-              <a:t>Curves</a:t>
-            </a:r>
-            <a:endParaRPr lang="en-US" dirty="0"/>
+              <a:rPr lang="en-US" dirty="0"/>
+              <a:t>Incomplete Characteristic Curves</a:t>
+            </a:r>
           </a:p>
         </p:txBody>
       </p:sp>
@@ -5148,13 +5147,6 @@
   <p:clrMapOvr>
     <a:masterClrMapping/>
   </p:clrMapOvr>
-  <p:timing>
-    <p:tnLst>
-      <p:par>
-        <p:cTn id="1" dur="indefinite" restart="never" nodeType="tmRoot"/>
-      </p:par>
-    </p:tnLst>
-  </p:timing>
 </p:sld>
 </file>
 
@@ -5191,49 +5183,48 @@
           <a:lstStyle/>
           <a:p>
             <a:r>
-              <a:rPr lang="en-US" dirty="0" smtClean="0"/>
+              <a:rPr lang="en-US" dirty="0"/>
               <a:t>To-Do List for Future John</a:t>
             </a:r>
+          </a:p>
+        </p:txBody>
+      </p:sp>
+      <p:sp>
+        <p:nvSpPr>
+          <p:cNvPr id="3" name="Content Placeholder 2"/>
+          <p:cNvSpPr>
+            <a:spLocks noGrp="1"/>
+          </p:cNvSpPr>
+          <p:nvPr>
+            <p:ph idx="1"/>
+          </p:nvPr>
+        </p:nvSpPr>
+        <p:spPr/>
+        <p:txBody>
+          <a:bodyPr/>
+          <a:lstStyle/>
+          <a:p>
+            <a:r>
+              <a:rPr lang="en-US" dirty="0"/>
+              <a:t>Continue data collection to improve characteristic curves</a:t>
+            </a:r>
+          </a:p>
+          <a:p>
+            <a:pPr marL="0" indent="0">
+              <a:buNone/>
+            </a:pPr>
             <a:endParaRPr lang="en-US" dirty="0"/>
           </a:p>
-        </p:txBody>
-      </p:sp>
-      <p:sp>
-        <p:nvSpPr>
-          <p:cNvPr id="3" name="Content Placeholder 2"/>
-          <p:cNvSpPr>
-            <a:spLocks noGrp="1"/>
-          </p:cNvSpPr>
-          <p:nvPr>
-            <p:ph idx="1"/>
-          </p:nvPr>
-        </p:nvSpPr>
-        <p:spPr/>
-        <p:txBody>
-          <a:bodyPr/>
-          <a:lstStyle/>
-          <a:p>
-            <a:r>
-              <a:rPr lang="en-US" dirty="0" smtClean="0"/>
-              <a:t>Continue data collection to improve characteristic curves</a:t>
-            </a:r>
-          </a:p>
-          <a:p>
-            <a:pPr marL="0" indent="0">
-              <a:buNone/>
-            </a:pPr>
-            <a:endParaRPr lang="en-US" dirty="0" smtClean="0"/>
-          </a:p>
-          <a:p>
-            <a:r>
-              <a:rPr lang="en-US" dirty="0" smtClean="0"/>
+          <a:p>
+            <a:r>
+              <a:rPr lang="en-US" dirty="0"/>
               <a:t>Explore periodicity of matric potential data</a:t>
             </a:r>
           </a:p>
           <a:p>
             <a:pPr lvl="1"/>
             <a:r>
-              <a:rPr lang="en-US" dirty="0" smtClean="0"/>
+              <a:rPr lang="en-US" dirty="0"/>
               <a:t>Use low-pass filter to correct for temperature?</a:t>
             </a:r>
           </a:p>
@@ -5242,7 +5233,7 @@
           </a:p>
           <a:p>
             <a:r>
-              <a:rPr lang="en-US" dirty="0" smtClean="0"/>
+              <a:rPr lang="en-US" dirty="0"/>
               <a:t>Relate moisture and matric potential to stable isotope data</a:t>
             </a:r>
           </a:p>
@@ -5258,13 +5249,6 @@
   <p:clrMapOvr>
     <a:masterClrMapping/>
   </p:clrMapOvr>
-  <p:timing>
-    <p:tnLst>
-      <p:par>
-        <p:cTn id="1" dur="indefinite" restart="never" nodeType="tmRoot"/>
-      </p:par>
-    </p:tnLst>
-  </p:timing>
 </p:sld>
 </file>
 
@@ -5301,10 +5285,9 @@
           <a:lstStyle/>
           <a:p>
             <a:r>
-              <a:rPr lang="en-US" dirty="0" smtClean="0"/>
+              <a:rPr lang="en-US" dirty="0"/>
               <a:t>References</a:t>
             </a:r>
-            <a:endParaRPr lang="en-US" dirty="0"/>
           </a:p>
         </p:txBody>
       </p:sp>
@@ -5424,13 +5407,6 @@
   <p:clrMapOvr>
     <a:masterClrMapping/>
   </p:clrMapOvr>
-  <p:timing>
-    <p:tnLst>
-      <p:par>
-        <p:cTn id="1" dur="indefinite" restart="never" nodeType="tmRoot"/>
-      </p:par>
-    </p:tnLst>
-  </p:timing>
 </p:sld>
 </file>
 
@@ -5472,14 +5448,9 @@
           <a:lstStyle/>
           <a:p>
             <a:r>
-              <a:rPr lang="en-US" dirty="0" smtClean="0"/>
-              <a:t>Soil </a:t>
-            </a:r>
-            <a:r>
-              <a:rPr lang="en-US" dirty="0" smtClean="0"/>
-              <a:t>is a main driver of precipitation routing</a:t>
-            </a:r>
-            <a:endParaRPr lang="en-US" dirty="0"/>
+              <a:rPr lang="en-US" dirty="0"/>
+              <a:t>Soil is a main driver of precipitation routing</a:t>
+            </a:r>
           </a:p>
         </p:txBody>
       </p:sp>
@@ -5522,13 +5493,6 @@
   <p:clrMapOvr>
     <a:masterClrMapping/>
   </p:clrMapOvr>
-  <p:timing>
-    <p:tnLst>
-      <p:par>
-        <p:cTn id="1" dur="indefinite" restart="never" nodeType="tmRoot"/>
-      </p:par>
-    </p:tnLst>
-  </p:timing>
 </p:sld>
 </file>
 
@@ -5565,17 +5529,16 @@
           <a:lstStyle/>
           <a:p>
             <a:r>
-              <a:rPr lang="en-US" dirty="0" smtClean="0"/>
+              <a:rPr lang="en-US" dirty="0"/>
               <a:t>Soil moisture and tension are </a:t>
             </a:r>
             <a:br>
-              <a:rPr lang="en-US" dirty="0" smtClean="0"/>
+              <a:rPr lang="en-US" dirty="0"/>
             </a:br>
             <a:r>
-              <a:rPr lang="en-US" dirty="0" smtClean="0"/>
+              <a:rPr lang="en-US" dirty="0"/>
               <a:t>common parameters of interest</a:t>
             </a:r>
-            <a:endParaRPr lang="en-US" dirty="0"/>
           </a:p>
         </p:txBody>
       </p:sp>
@@ -5635,7 +5598,7 @@
               <a:buChar char="•"/>
             </a:pPr>
             <a:r>
-              <a:rPr lang="en-US" sz="2800" dirty="0" smtClean="0"/>
+              <a:rPr lang="en-US" sz="2800" dirty="0"/>
               <a:t>Characteristic curves reveal soil properties</a:t>
             </a:r>
           </a:p>
@@ -5664,18 +5627,17 @@
           <a:lstStyle/>
           <a:p>
             <a:r>
-              <a:rPr lang="en-US" dirty="0" smtClean="0"/>
+              <a:rPr lang="en-US" dirty="0"/>
               <a:t>[</a:t>
             </a:r>
             <a:r>
-              <a:rPr lang="en-US" i="1" dirty="0" smtClean="0"/>
+              <a:rPr lang="en-US" i="1" dirty="0"/>
               <a:t>Hillel</a:t>
             </a:r>
             <a:r>
-              <a:rPr lang="en-US" dirty="0" smtClean="0"/>
+              <a:rPr lang="en-US" dirty="0"/>
               <a:t>, 1998]</a:t>
             </a:r>
-            <a:endParaRPr lang="en-US" dirty="0"/>
           </a:p>
         </p:txBody>
       </p:sp>
@@ -5689,13 +5651,6 @@
   <p:clrMapOvr>
     <a:masterClrMapping/>
   </p:clrMapOvr>
-  <p:timing>
-    <p:tnLst>
-      <p:par>
-        <p:cTn id="1" dur="indefinite" restart="never" nodeType="tmRoot"/>
-      </p:par>
-    </p:tnLst>
-  </p:timing>
 </p:sld>
 </file>
 
@@ -5734,17 +5689,16 @@
           <a:lstStyle/>
           <a:p>
             <a:r>
-              <a:rPr lang="en-US" dirty="0" smtClean="0"/>
+              <a:rPr lang="en-US" dirty="0"/>
               <a:t>Soil properties can be inferred </a:t>
             </a:r>
             <a:br>
-              <a:rPr lang="en-US" dirty="0" smtClean="0"/>
+              <a:rPr lang="en-US" dirty="0"/>
             </a:br>
             <a:r>
-              <a:rPr lang="en-US" dirty="0" smtClean="0"/>
+              <a:rPr lang="en-US" dirty="0"/>
               <a:t>from in situ time series data</a:t>
             </a:r>
-            <a:endParaRPr lang="en-US" dirty="0"/>
           </a:p>
         </p:txBody>
       </p:sp>
@@ -5870,18 +5824,17 @@
           <a:lstStyle/>
           <a:p>
             <a:r>
-              <a:rPr lang="en-US" dirty="0" smtClean="0"/>
+              <a:rPr lang="en-US" dirty="0"/>
               <a:t>[</a:t>
             </a:r>
             <a:r>
-              <a:rPr lang="en-US" i="1" dirty="0" smtClean="0"/>
+              <a:rPr lang="en-US" i="1" dirty="0"/>
               <a:t>Chandler et al.</a:t>
             </a:r>
             <a:r>
-              <a:rPr lang="en-US" dirty="0" smtClean="0"/>
+              <a:rPr lang="en-US" dirty="0"/>
               <a:t>, 2016]</a:t>
             </a:r>
-            <a:endParaRPr lang="en-US" dirty="0"/>
           </a:p>
         </p:txBody>
       </p:sp>
@@ -5895,13 +5848,6 @@
   <p:clrMapOvr>
     <a:masterClrMapping/>
   </p:clrMapOvr>
-  <p:timing>
-    <p:tnLst>
-      <p:par>
-        <p:cTn id="1" dur="indefinite" restart="never" nodeType="tmRoot"/>
-      </p:par>
-    </p:tnLst>
-  </p:timing>
 </p:sld>
 </file>
 
@@ -5969,14 +5915,9 @@
           <a:lstStyle/>
           <a:p>
             <a:r>
-              <a:rPr lang="en-US" sz="3600" dirty="0" smtClean="0"/>
-              <a:t>DCEW Study </a:t>
-            </a:r>
-            <a:r>
-              <a:rPr lang="en-US" sz="3600" dirty="0" smtClean="0"/>
-              <a:t>Site and Instrumentation</a:t>
-            </a:r>
-            <a:endParaRPr lang="en-US" sz="3600" dirty="0"/>
+              <a:rPr lang="en-US" sz="3600" dirty="0"/>
+              <a:t>DCEW Study Site and Instrumentation</a:t>
+            </a:r>
           </a:p>
         </p:txBody>
       </p:sp>
@@ -6003,7 +5944,7 @@
           <a:lstStyle/>
           <a:p>
             <a:r>
-              <a:rPr lang="en-US" sz="2400" dirty="0" smtClean="0"/>
+              <a:rPr lang="en-US" sz="2400" dirty="0"/>
               <a:t>Data Con 1 East Soil Profile:</a:t>
             </a:r>
           </a:p>
@@ -6016,25 +5957,8 @@
               <a:buChar char="•"/>
             </a:pPr>
             <a:r>
-              <a:rPr lang="en-US" sz="2400" dirty="0" smtClean="0"/>
+              <a:rPr lang="en-US" sz="2400" dirty="0"/>
               <a:t>5 moisture sensors (also measure temperature)</a:t>
-            </a:r>
-          </a:p>
-          <a:p>
-            <a:pPr marL="285750" indent="-285750">
-              <a:buFont typeface="Arial" panose="020B0604020202020204" pitchFamily="34" charset="0"/>
-              <a:buChar char="•"/>
-            </a:pPr>
-            <a:endParaRPr lang="en-US" sz="2400" dirty="0" smtClean="0"/>
-          </a:p>
-          <a:p>
-            <a:pPr marL="285750" indent="-285750">
-              <a:buFont typeface="Arial" panose="020B0604020202020204" pitchFamily="34" charset="0"/>
-              <a:buChar char="•"/>
-            </a:pPr>
-            <a:r>
-              <a:rPr lang="en-US" sz="2400" dirty="0" smtClean="0"/>
-              <a:t>4 matric potential sensors</a:t>
             </a:r>
           </a:p>
           <a:p>
@@ -6050,7 +5974,24 @@
               <a:buChar char="•"/>
             </a:pPr>
             <a:r>
-              <a:rPr lang="en-US" sz="2400" dirty="0" smtClean="0"/>
+              <a:rPr lang="en-US" sz="2400" dirty="0"/>
+              <a:t>4 matric potential sensors</a:t>
+            </a:r>
+          </a:p>
+          <a:p>
+            <a:pPr marL="285750" indent="-285750">
+              <a:buFont typeface="Arial" panose="020B0604020202020204" pitchFamily="34" charset="0"/>
+              <a:buChar char="•"/>
+            </a:pPr>
+            <a:endParaRPr lang="en-US" sz="2400" dirty="0"/>
+          </a:p>
+          <a:p>
+            <a:pPr marL="285750" indent="-285750">
+              <a:buFont typeface="Arial" panose="020B0604020202020204" pitchFamily="34" charset="0"/>
+              <a:buChar char="•"/>
+            </a:pPr>
+            <a:r>
+              <a:rPr lang="en-US" sz="2400" dirty="0"/>
               <a:t>Measurements collected every 15 minutes from 5/12/16 to 9/30/2016</a:t>
             </a:r>
           </a:p>
@@ -6066,13 +6007,6 @@
   <p:clrMapOvr>
     <a:masterClrMapping/>
   </p:clrMapOvr>
-  <p:timing>
-    <p:tnLst>
-      <p:par>
-        <p:cTn id="1" dur="indefinite" restart="never" nodeType="tmRoot"/>
-      </p:par>
-    </p:tnLst>
-  </p:timing>
 </p:sld>
 </file>
 
@@ -6109,10 +6043,9 @@
           <a:lstStyle/>
           <a:p>
             <a:r>
-              <a:rPr lang="en-US" dirty="0" smtClean="0"/>
+              <a:rPr lang="en-US" dirty="0"/>
               <a:t>Workflow Chart</a:t>
             </a:r>
-            <a:endParaRPr lang="en-US" dirty="0"/>
           </a:p>
         </p:txBody>
       </p:sp>
@@ -6201,13 +6134,6 @@
   <p:clrMapOvr>
     <a:masterClrMapping/>
   </p:clrMapOvr>
-  <p:timing>
-    <p:tnLst>
-      <p:par>
-        <p:cTn id="1" dur="indefinite" restart="never" nodeType="tmRoot"/>
-      </p:par>
-    </p:tnLst>
-  </p:timing>
 </p:sld>
 </file>
 
@@ -6273,26 +6199,9 @@
           <a:lstStyle/>
           <a:p>
             <a:r>
-              <a:rPr lang="en-US" dirty="0" smtClean="0"/>
-              <a:t>Raw soil </a:t>
-            </a:r>
-            <a:r>
               <a:rPr lang="en-US" dirty="0"/>
-              <a:t>t</a:t>
-            </a:r>
-            <a:r>
-              <a:rPr lang="en-US" dirty="0" smtClean="0"/>
-              <a:t>emperature </a:t>
-            </a:r>
-            <a:r>
-              <a:rPr lang="en-US" dirty="0"/>
-              <a:t>d</a:t>
-            </a:r>
-            <a:r>
-              <a:rPr lang="en-US" dirty="0" smtClean="0"/>
-              <a:t>ata</a:t>
-            </a:r>
-            <a:endParaRPr lang="en-US" dirty="0"/>
+              <a:t>Raw soil temperature data</a:t>
+            </a:r>
           </a:p>
         </p:txBody>
       </p:sp>
@@ -6319,12 +6228,12 @@
           <a:lstStyle/>
           <a:p>
             <a:r>
-              <a:rPr lang="en-US" sz="2800" b="1" dirty="0" smtClean="0"/>
+              <a:rPr lang="en-US" sz="2800" b="1" dirty="0"/>
               <a:t>Issues:</a:t>
             </a:r>
           </a:p>
           <a:p>
-            <a:endParaRPr lang="en-US" sz="2800" dirty="0" smtClean="0"/>
+            <a:endParaRPr lang="en-US" sz="2800" dirty="0"/>
           </a:p>
           <a:p>
             <a:pPr marL="285750" indent="-285750">
@@ -6332,12 +6241,12 @@
               <a:buChar char="•"/>
             </a:pPr>
             <a:r>
-              <a:rPr lang="en-US" sz="2800" dirty="0" smtClean="0"/>
+              <a:rPr lang="en-US" sz="2800" dirty="0"/>
               <a:t>Data gap in early June</a:t>
             </a:r>
           </a:p>
           <a:p>
-            <a:endParaRPr lang="en-US" sz="2400" b="1" dirty="0" smtClean="0"/>
+            <a:endParaRPr lang="en-US" sz="2400" b="1" dirty="0"/>
           </a:p>
           <a:p>
             <a:endParaRPr lang="en-US" sz="2400" b="1" dirty="0"/>
@@ -6357,13 +6266,6 @@
   <p:clrMapOvr>
     <a:masterClrMapping/>
   </p:clrMapOvr>
-  <p:timing>
-    <p:tnLst>
-      <p:par>
-        <p:cTn id="1" dur="indefinite" restart="never" nodeType="tmRoot"/>
-      </p:par>
-    </p:tnLst>
-  </p:timing>
 </p:sld>
 </file>
 
@@ -6429,10 +6331,9 @@
           <a:lstStyle/>
           <a:p>
             <a:r>
-              <a:rPr lang="en-US" dirty="0" smtClean="0"/>
+              <a:rPr lang="en-US" dirty="0"/>
               <a:t>Processed soil temperature time series</a:t>
             </a:r>
-            <a:endParaRPr lang="en-US" dirty="0"/>
           </a:p>
         </p:txBody>
       </p:sp>
@@ -6476,13 +6377,6 @@
   <p:clrMapOvr>
     <a:masterClrMapping/>
   </p:clrMapOvr>
-  <p:timing>
-    <p:tnLst>
-      <p:par>
-        <p:cTn id="1" dur="indefinite" restart="never" nodeType="tmRoot"/>
-      </p:par>
-    </p:tnLst>
-  </p:timing>
 </p:sld>
 </file>
 
@@ -6549,26 +6443,9 @@
           <a:lstStyle/>
           <a:p>
             <a:r>
-              <a:rPr lang="en-US" dirty="0" smtClean="0"/>
-              <a:t>Raw matric </a:t>
-            </a:r>
-            <a:r>
               <a:rPr lang="en-US" dirty="0"/>
-              <a:t>p</a:t>
-            </a:r>
-            <a:r>
-              <a:rPr lang="en-US" dirty="0" smtClean="0"/>
-              <a:t>otential </a:t>
-            </a:r>
-            <a:r>
-              <a:rPr lang="en-US" dirty="0"/>
-              <a:t>d</a:t>
-            </a:r>
-            <a:r>
-              <a:rPr lang="en-US" dirty="0" smtClean="0"/>
-              <a:t>ata</a:t>
-            </a:r>
-            <a:endParaRPr lang="en-US" dirty="0"/>
+              <a:t>Raw matric potential data</a:t>
+            </a:r>
           </a:p>
         </p:txBody>
       </p:sp>
@@ -6596,7 +6473,7 @@
               <a:buNone/>
             </a:pPr>
             <a:r>
-              <a:rPr lang="en-US" b="1" dirty="0" smtClean="0"/>
+              <a:rPr lang="en-US" b="1" dirty="0"/>
               <a:t>Issues</a:t>
             </a:r>
           </a:p>
@@ -6604,29 +6481,25 @@
             <a:pPr marL="457200" lvl="1" indent="0">
               <a:buNone/>
             </a:pPr>
-            <a:endParaRPr lang="en-US" dirty="0" smtClean="0"/>
+            <a:endParaRPr lang="en-US" dirty="0"/>
           </a:p>
           <a:p>
             <a:pPr lvl="1"/>
             <a:r>
-              <a:rPr lang="en-US" dirty="0" smtClean="0"/>
-              <a:t>S</a:t>
-            </a:r>
-            <a:r>
-              <a:rPr lang="en-US" dirty="0" smtClean="0"/>
-              <a:t>pikes and dropouts</a:t>
+              <a:rPr lang="en-US" dirty="0"/>
+              <a:t>Spikes and dropouts</a:t>
             </a:r>
           </a:p>
           <a:p>
             <a:pPr marL="457200" lvl="1" indent="0">
               <a:buNone/>
             </a:pPr>
-            <a:endParaRPr lang="en-US" dirty="0" smtClean="0"/>
+            <a:endParaRPr lang="en-US" dirty="0"/>
           </a:p>
           <a:p>
             <a:pPr lvl="1"/>
             <a:r>
-              <a:rPr lang="en-US" dirty="0" smtClean="0"/>
+              <a:rPr lang="en-US" dirty="0"/>
               <a:t>Data gap in early June</a:t>
             </a:r>
           </a:p>
@@ -6634,15 +6507,14 @@
             <a:pPr marL="457200" lvl="1" indent="0">
               <a:buNone/>
             </a:pPr>
-            <a:endParaRPr lang="en-US" dirty="0" smtClean="0"/>
+            <a:endParaRPr lang="en-US" dirty="0"/>
           </a:p>
           <a:p>
             <a:pPr lvl="1"/>
             <a:r>
-              <a:rPr lang="en-US" dirty="0" smtClean="0"/>
+              <a:rPr lang="en-US" dirty="0"/>
               <a:t> Diurnal fluctuations</a:t>
             </a:r>
-            <a:endParaRPr lang="en-US" dirty="0"/>
           </a:p>
         </p:txBody>
       </p:sp>
@@ -6656,13 +6528,6 @@
   <p:clrMapOvr>
     <a:masterClrMapping/>
   </p:clrMapOvr>
-  <p:timing>
-    <p:tnLst>
-      <p:par>
-        <p:cTn id="1" dur="indefinite" restart="never" nodeType="tmRoot"/>
-      </p:par>
-    </p:tnLst>
-  </p:timing>
 </p:sld>
 </file>
 

--- a/Homework/Final Project/GEO597_TermProject_Shuler.pptx
+++ b/Homework/Final Project/GEO597_TermProject_Shuler.pptx
@@ -4142,6 +4142,13 @@
   <p:clrMapOvr>
     <a:masterClrMapping/>
   </p:clrMapOvr>
+  <p:timing>
+    <p:tnLst>
+      <p:par>
+        <p:cTn id="1" dur="indefinite" restart="never" nodeType="tmRoot"/>
+      </p:par>
+    </p:tnLst>
+  </p:timing>
 </p:sld>
 </file>
 
@@ -4282,6 +4289,13 @@
   <p:clrMapOvr>
     <a:masterClrMapping/>
   </p:clrMapOvr>
+  <p:timing>
+    <p:tnLst>
+      <p:par>
+        <p:cTn id="1" dur="indefinite" restart="never" nodeType="tmRoot"/>
+      </p:par>
+    </p:tnLst>
+  </p:timing>
 </p:sld>
 </file>
 
@@ -4469,6 +4483,13 @@
   <p:clrMapOvr>
     <a:masterClrMapping/>
   </p:clrMapOvr>
+  <p:timing>
+    <p:tnLst>
+      <p:par>
+        <p:cTn id="1" dur="indefinite" restart="never" nodeType="tmRoot"/>
+      </p:par>
+    </p:tnLst>
+  </p:timing>
 </p:sld>
 </file>
 
@@ -4598,6 +4619,13 @@
   <p:clrMapOvr>
     <a:masterClrMapping/>
   </p:clrMapOvr>
+  <p:timing>
+    <p:tnLst>
+      <p:par>
+        <p:cTn id="1" dur="indefinite" restart="never" nodeType="tmRoot"/>
+      </p:par>
+    </p:tnLst>
+  </p:timing>
 </p:sld>
 </file>
 
@@ -4778,6 +4806,13 @@
   <p:clrMapOvr>
     <a:masterClrMapping/>
   </p:clrMapOvr>
+  <p:timing>
+    <p:tnLst>
+      <p:par>
+        <p:cTn id="1" dur="indefinite" restart="never" nodeType="tmRoot"/>
+      </p:par>
+    </p:tnLst>
+  </p:timing>
 </p:sld>
 </file>
 
@@ -4980,6 +5015,13 @@
   <p:clrMapOvr>
     <a:masterClrMapping/>
   </p:clrMapOvr>
+  <p:timing>
+    <p:tnLst>
+      <p:par>
+        <p:cTn id="1" dur="indefinite" restart="never" nodeType="tmRoot"/>
+      </p:par>
+    </p:tnLst>
+  </p:timing>
 </p:sld>
 </file>
 
@@ -5061,6 +5103,13 @@
   <p:clrMapOvr>
     <a:masterClrMapping/>
   </p:clrMapOvr>
+  <p:timing>
+    <p:tnLst>
+      <p:par>
+        <p:cTn id="1" dur="indefinite" restart="never" nodeType="tmRoot"/>
+      </p:par>
+    </p:tnLst>
+  </p:timing>
 </p:sld>
 </file>
 
@@ -5147,6 +5196,13 @@
   <p:clrMapOvr>
     <a:masterClrMapping/>
   </p:clrMapOvr>
+  <p:timing>
+    <p:tnLst>
+      <p:par>
+        <p:cTn id="1" dur="indefinite" restart="never" nodeType="tmRoot"/>
+      </p:par>
+    </p:tnLst>
+  </p:timing>
 </p:sld>
 </file>
 
@@ -5249,6 +5305,13 @@
   <p:clrMapOvr>
     <a:masterClrMapping/>
   </p:clrMapOvr>
+  <p:timing>
+    <p:tnLst>
+      <p:par>
+        <p:cTn id="1" dur="indefinite" restart="never" nodeType="tmRoot"/>
+      </p:par>
+    </p:tnLst>
+  </p:timing>
 </p:sld>
 </file>
 
@@ -5407,6 +5470,13 @@
   <p:clrMapOvr>
     <a:masterClrMapping/>
   </p:clrMapOvr>
+  <p:timing>
+    <p:tnLst>
+      <p:par>
+        <p:cTn id="1" dur="indefinite" restart="never" nodeType="tmRoot"/>
+      </p:par>
+    </p:tnLst>
+  </p:timing>
 </p:sld>
 </file>
 
@@ -5493,6 +5563,13 @@
   <p:clrMapOvr>
     <a:masterClrMapping/>
   </p:clrMapOvr>
+  <p:timing>
+    <p:tnLst>
+      <p:par>
+        <p:cTn id="1" dur="indefinite" restart="never" nodeType="tmRoot"/>
+      </p:par>
+    </p:tnLst>
+  </p:timing>
 </p:sld>
 </file>
 
@@ -5651,6 +5728,13 @@
   <p:clrMapOvr>
     <a:masterClrMapping/>
   </p:clrMapOvr>
+  <p:timing>
+    <p:tnLst>
+      <p:par>
+        <p:cTn id="1" dur="indefinite" restart="never" nodeType="tmRoot"/>
+      </p:par>
+    </p:tnLst>
+  </p:timing>
 </p:sld>
 </file>
 
@@ -5848,6 +5932,13 @@
   <p:clrMapOvr>
     <a:masterClrMapping/>
   </p:clrMapOvr>
+  <p:timing>
+    <p:tnLst>
+      <p:par>
+        <p:cTn id="1" dur="indefinite" restart="never" nodeType="tmRoot"/>
+      </p:par>
+    </p:tnLst>
+  </p:timing>
 </p:sld>
 </file>
 
@@ -6007,6 +6098,13 @@
   <p:clrMapOvr>
     <a:masterClrMapping/>
   </p:clrMapOvr>
+  <p:timing>
+    <p:tnLst>
+      <p:par>
+        <p:cTn id="1" dur="indefinite" restart="never" nodeType="tmRoot"/>
+      </p:par>
+    </p:tnLst>
+  </p:timing>
 </p:sld>
 </file>
 
@@ -6134,6 +6232,13 @@
   <p:clrMapOvr>
     <a:masterClrMapping/>
   </p:clrMapOvr>
+  <p:timing>
+    <p:tnLst>
+      <p:par>
+        <p:cTn id="1" dur="indefinite" restart="never" nodeType="tmRoot"/>
+      </p:par>
+    </p:tnLst>
+  </p:timing>
 </p:sld>
 </file>
 
@@ -6266,6 +6371,13 @@
   <p:clrMapOvr>
     <a:masterClrMapping/>
   </p:clrMapOvr>
+  <p:timing>
+    <p:tnLst>
+      <p:par>
+        <p:cTn id="1" dur="indefinite" restart="never" nodeType="tmRoot"/>
+      </p:par>
+    </p:tnLst>
+  </p:timing>
 </p:sld>
 </file>
 
@@ -6377,6 +6489,13 @@
   <p:clrMapOvr>
     <a:masterClrMapping/>
   </p:clrMapOvr>
+  <p:timing>
+    <p:tnLst>
+      <p:par>
+        <p:cTn id="1" dur="indefinite" restart="never" nodeType="tmRoot"/>
+      </p:par>
+    </p:tnLst>
+  </p:timing>
 </p:sld>
 </file>
 
@@ -6528,6 +6647,13 @@
   <p:clrMapOvr>
     <a:masterClrMapping/>
   </p:clrMapOvr>
+  <p:timing>
+    <p:tnLst>
+      <p:par>
+        <p:cTn id="1" dur="indefinite" restart="never" nodeType="tmRoot"/>
+      </p:par>
+    </p:tnLst>
+  </p:timing>
 </p:sld>
 </file>
 
